--- a/J2EEOverview.pptx
+++ b/J2EEOverview.pptx
@@ -1,8 +1,8 @@
 
 <file path=ppt/presentation.xml><?xml version="1.0" encoding="utf-8"?>
-<p:presentation xmlns:a="http://schemas.openxmlformats.org/drawingml/2006/main" xmlns:p="http://schemas.openxmlformats.org/presentationml/2006/main" xmlns:r="http://schemas.openxmlformats.org/officeDocument/2006/relationships" xmlns:p14="http://schemas.microsoft.com/office/powerpoint/2010/main" xmlns:p15="http://schemas.microsoft.com/office/powerpoint/2012/main" xmlns:mc="http://schemas.openxmlformats.org/markup-compatibility/2006">
+<p:presentation xmlns:a="http://schemas.openxmlformats.org/drawingml/2006/main" xmlns:r="http://schemas.openxmlformats.org/officeDocument/2006/relationships" xmlns:p="http://schemas.openxmlformats.org/presentationml/2006/main">
   <p:sldMasterIdLst>
-    <p:sldMasterId id="2147483648" r:id="rId2"/>
+    <p:sldMasterId id="2147483648" r:id="rId1"/>
     <p:sldMasterId id="2147483661" r:id="rId3"/>
   </p:sldMasterIdLst>
   <p:sldIdLst>
@@ -30,11 +30,103 @@
   </p:sldIdLst>
   <p:sldSz cx="10080625" cy="7559675"/>
   <p:notesSz cx="7772400" cy="10058400"/>
+  <p:defaultTextStyle>
+    <a:lvl1pPr marL="0" algn="l" defTabSz="914400" rtl="0" eaLnBrk="1" latinLnBrk="0" hangingPunct="1">
+      <a:defRPr sz="1800" kern="1200">
+        <a:solidFill>
+          <a:schemeClr val="tx1"/>
+        </a:solidFill>
+        <a:latin typeface="+mn-lt"/>
+        <a:ea typeface="+mn-ea"/>
+        <a:cs typeface="+mn-cs"/>
+      </a:defRPr>
+    </a:lvl1pPr>
+    <a:lvl2pPr marL="457200" algn="l" defTabSz="914400" rtl="0" eaLnBrk="1" latinLnBrk="0" hangingPunct="1">
+      <a:defRPr sz="1800" kern="1200">
+        <a:solidFill>
+          <a:schemeClr val="tx1"/>
+        </a:solidFill>
+        <a:latin typeface="+mn-lt"/>
+        <a:ea typeface="+mn-ea"/>
+        <a:cs typeface="+mn-cs"/>
+      </a:defRPr>
+    </a:lvl2pPr>
+    <a:lvl3pPr marL="914400" algn="l" defTabSz="914400" rtl="0" eaLnBrk="1" latinLnBrk="0" hangingPunct="1">
+      <a:defRPr sz="1800" kern="1200">
+        <a:solidFill>
+          <a:schemeClr val="tx1"/>
+        </a:solidFill>
+        <a:latin typeface="+mn-lt"/>
+        <a:ea typeface="+mn-ea"/>
+        <a:cs typeface="+mn-cs"/>
+      </a:defRPr>
+    </a:lvl3pPr>
+    <a:lvl4pPr marL="1371600" algn="l" defTabSz="914400" rtl="0" eaLnBrk="1" latinLnBrk="0" hangingPunct="1">
+      <a:defRPr sz="1800" kern="1200">
+        <a:solidFill>
+          <a:schemeClr val="tx1"/>
+        </a:solidFill>
+        <a:latin typeface="+mn-lt"/>
+        <a:ea typeface="+mn-ea"/>
+        <a:cs typeface="+mn-cs"/>
+      </a:defRPr>
+    </a:lvl4pPr>
+    <a:lvl5pPr marL="1828800" algn="l" defTabSz="914400" rtl="0" eaLnBrk="1" latinLnBrk="0" hangingPunct="1">
+      <a:defRPr sz="1800" kern="1200">
+        <a:solidFill>
+          <a:schemeClr val="tx1"/>
+        </a:solidFill>
+        <a:latin typeface="+mn-lt"/>
+        <a:ea typeface="+mn-ea"/>
+        <a:cs typeface="+mn-cs"/>
+      </a:defRPr>
+    </a:lvl5pPr>
+    <a:lvl6pPr marL="2286000" algn="l" defTabSz="914400" rtl="0" eaLnBrk="1" latinLnBrk="0" hangingPunct="1">
+      <a:defRPr sz="1800" kern="1200">
+        <a:solidFill>
+          <a:schemeClr val="tx1"/>
+        </a:solidFill>
+        <a:latin typeface="+mn-lt"/>
+        <a:ea typeface="+mn-ea"/>
+        <a:cs typeface="+mn-cs"/>
+      </a:defRPr>
+    </a:lvl6pPr>
+    <a:lvl7pPr marL="2743200" algn="l" defTabSz="914400" rtl="0" eaLnBrk="1" latinLnBrk="0" hangingPunct="1">
+      <a:defRPr sz="1800" kern="1200">
+        <a:solidFill>
+          <a:schemeClr val="tx1"/>
+        </a:solidFill>
+        <a:latin typeface="+mn-lt"/>
+        <a:ea typeface="+mn-ea"/>
+        <a:cs typeface="+mn-cs"/>
+      </a:defRPr>
+    </a:lvl7pPr>
+    <a:lvl8pPr marL="3200400" algn="l" defTabSz="914400" rtl="0" eaLnBrk="1" latinLnBrk="0" hangingPunct="1">
+      <a:defRPr sz="1800" kern="1200">
+        <a:solidFill>
+          <a:schemeClr val="tx1"/>
+        </a:solidFill>
+        <a:latin typeface="+mn-lt"/>
+        <a:ea typeface="+mn-ea"/>
+        <a:cs typeface="+mn-cs"/>
+      </a:defRPr>
+    </a:lvl8pPr>
+    <a:lvl9pPr marL="3657600" algn="l" defTabSz="914400" rtl="0" eaLnBrk="1" latinLnBrk="0" hangingPunct="1">
+      <a:defRPr sz="1800" kern="1200">
+        <a:solidFill>
+          <a:schemeClr val="tx1"/>
+        </a:solidFill>
+        <a:latin typeface="+mn-lt"/>
+        <a:ea typeface="+mn-ea"/>
+        <a:cs typeface="+mn-cs"/>
+      </a:defRPr>
+    </a:lvl9pPr>
+  </p:defaultTextStyle>
 </p:presentation>
 </file>
 
 <file path=ppt/slideLayouts/slideLayout1.xml><?xml version="1.0" encoding="utf-8"?>
-<p:sldLayout xmlns:a="http://schemas.openxmlformats.org/drawingml/2006/main" xmlns:p="http://schemas.openxmlformats.org/presentationml/2006/main" xmlns:r="http://schemas.openxmlformats.org/officeDocument/2006/relationships" xmlns:p14="http://schemas.microsoft.com/office/powerpoint/2010/main" xmlns:p15="http://schemas.microsoft.com/office/powerpoint/2012/main" xmlns:mc="http://schemas.openxmlformats.org/markup-compatibility/2006" type="blank" preserve="1">
+<p:sldLayout xmlns:a="http://schemas.openxmlformats.org/drawingml/2006/main" xmlns:r="http://schemas.openxmlformats.org/officeDocument/2006/relationships" xmlns:p="http://schemas.openxmlformats.org/presentationml/2006/main" type="blank" preserve="1">
   <p:cSld name="Blank Slide">
     <p:spTree>
       <p:nvGrpSpPr>
@@ -52,11 +144,14 @@
       </p:grpSpPr>
     </p:spTree>
   </p:cSld>
+  <p:clrMapOvr>
+    <a:masterClrMapping/>
+  </p:clrMapOvr>
 </p:sldLayout>
 </file>
 
 <file path=ppt/slideLayouts/slideLayout10.xml><?xml version="1.0" encoding="utf-8"?>
-<p:sldLayout xmlns:a="http://schemas.openxmlformats.org/drawingml/2006/main" xmlns:p="http://schemas.openxmlformats.org/presentationml/2006/main" xmlns:r="http://schemas.openxmlformats.org/officeDocument/2006/relationships" xmlns:p14="http://schemas.microsoft.com/office/powerpoint/2010/main" xmlns:p15="http://schemas.microsoft.com/office/powerpoint/2012/main" xmlns:mc="http://schemas.openxmlformats.org/markup-compatibility/2006" type="objOverTx" preserve="1">
+<p:sldLayout xmlns:a="http://schemas.openxmlformats.org/drawingml/2006/main" xmlns:r="http://schemas.openxmlformats.org/officeDocument/2006/relationships" xmlns:p="http://schemas.openxmlformats.org/presentationml/2006/main" type="objOverTx" preserve="1">
   <p:cSld name="Title, Content over Content">
     <p:spTree>
       <p:nvGrpSpPr>
@@ -92,13 +187,13 @@
           </a:prstGeom>
         </p:spPr>
         <p:txBody>
-          <a:bodyPr lIns="0" rIns="0" tIns="0" bIns="0" anchor="ctr">
+          <a:bodyPr lIns="0" tIns="0" rIns="0" bIns="0" anchor="ctr">
             <a:spAutoFit/>
           </a:bodyPr>
           <a:p>
             <a:pPr algn="ctr"/>
-            <a:endParaRPr b="0" lang="en-US" sz="4400" spc="-1" strike="noStrike">
-              <a:latin typeface="Arial"/>
+            <a:endParaRPr lang="en-US" sz="4400" b="0" strike="noStrike" spc="-1">
+              <a:latin typeface="Arial" panose="020B0604020202020204"/>
             </a:endParaRPr>
           </a:p>
         </p:txBody>
@@ -123,12 +218,12 @@
           </a:prstGeom>
         </p:spPr>
         <p:txBody>
-          <a:bodyPr lIns="0" rIns="0" tIns="0" bIns="0">
+          <a:bodyPr lIns="0" tIns="0" rIns="0" bIns="0">
             <a:spAutoFit/>
           </a:bodyPr>
           <a:p>
-            <a:endParaRPr b="0" lang="en-US" sz="3200" spc="-1" strike="noStrike">
-              <a:latin typeface="Arial"/>
+            <a:endParaRPr lang="en-US" sz="3200" b="0" strike="noStrike" spc="-1">
+              <a:latin typeface="Arial" panose="020B0604020202020204"/>
             </a:endParaRPr>
           </a:p>
         </p:txBody>
@@ -153,23 +248,26 @@
           </a:prstGeom>
         </p:spPr>
         <p:txBody>
-          <a:bodyPr lIns="0" rIns="0" tIns="0" bIns="0">
+          <a:bodyPr lIns="0" tIns="0" rIns="0" bIns="0">
             <a:spAutoFit/>
           </a:bodyPr>
           <a:p>
-            <a:endParaRPr b="0" lang="en-US" sz="3200" spc="-1" strike="noStrike">
-              <a:latin typeface="Arial"/>
+            <a:endParaRPr lang="en-US" sz="3200" b="0" strike="noStrike" spc="-1">
+              <a:latin typeface="Arial" panose="020B0604020202020204"/>
             </a:endParaRPr>
           </a:p>
         </p:txBody>
       </p:sp>
     </p:spTree>
   </p:cSld>
+  <p:clrMapOvr>
+    <a:masterClrMapping/>
+  </p:clrMapOvr>
 </p:sldLayout>
 </file>
 
 <file path=ppt/slideLayouts/slideLayout11.xml><?xml version="1.0" encoding="utf-8"?>
-<p:sldLayout xmlns:a="http://schemas.openxmlformats.org/drawingml/2006/main" xmlns:p="http://schemas.openxmlformats.org/presentationml/2006/main" xmlns:r="http://schemas.openxmlformats.org/officeDocument/2006/relationships" xmlns:p14="http://schemas.microsoft.com/office/powerpoint/2010/main" xmlns:p15="http://schemas.microsoft.com/office/powerpoint/2012/main" xmlns:mc="http://schemas.openxmlformats.org/markup-compatibility/2006" type="fourObj" preserve="1">
+<p:sldLayout xmlns:a="http://schemas.openxmlformats.org/drawingml/2006/main" xmlns:r="http://schemas.openxmlformats.org/officeDocument/2006/relationships" xmlns:p="http://schemas.openxmlformats.org/presentationml/2006/main" type="fourObj" preserve="1">
   <p:cSld name="Title, 4 Content">
     <p:spTree>
       <p:nvGrpSpPr>
@@ -205,13 +303,13 @@
           </a:prstGeom>
         </p:spPr>
         <p:txBody>
-          <a:bodyPr lIns="0" rIns="0" tIns="0" bIns="0" anchor="ctr">
+          <a:bodyPr lIns="0" tIns="0" rIns="0" bIns="0" anchor="ctr">
             <a:spAutoFit/>
           </a:bodyPr>
           <a:p>
             <a:pPr algn="ctr"/>
-            <a:endParaRPr b="0" lang="en-US" sz="4400" spc="-1" strike="noStrike">
-              <a:latin typeface="Arial"/>
+            <a:endParaRPr lang="en-US" sz="4400" b="0" strike="noStrike" spc="-1">
+              <a:latin typeface="Arial" panose="020B0604020202020204"/>
             </a:endParaRPr>
           </a:p>
         </p:txBody>
@@ -236,12 +334,12 @@
           </a:prstGeom>
         </p:spPr>
         <p:txBody>
-          <a:bodyPr lIns="0" rIns="0" tIns="0" bIns="0">
+          <a:bodyPr lIns="0" tIns="0" rIns="0" bIns="0">
             <a:spAutoFit/>
           </a:bodyPr>
           <a:p>
-            <a:endParaRPr b="0" lang="en-US" sz="3200" spc="-1" strike="noStrike">
-              <a:latin typeface="Arial"/>
+            <a:endParaRPr lang="en-US" sz="3200" b="0" strike="noStrike" spc="-1">
+              <a:latin typeface="Arial" panose="020B0604020202020204"/>
             </a:endParaRPr>
           </a:p>
         </p:txBody>
@@ -266,12 +364,12 @@
           </a:prstGeom>
         </p:spPr>
         <p:txBody>
-          <a:bodyPr lIns="0" rIns="0" tIns="0" bIns="0">
+          <a:bodyPr lIns="0" tIns="0" rIns="0" bIns="0">
             <a:spAutoFit/>
           </a:bodyPr>
           <a:p>
-            <a:endParaRPr b="0" lang="en-US" sz="3200" spc="-1" strike="noStrike">
-              <a:latin typeface="Arial"/>
+            <a:endParaRPr lang="en-US" sz="3200" b="0" strike="noStrike" spc="-1">
+              <a:latin typeface="Arial" panose="020B0604020202020204"/>
             </a:endParaRPr>
           </a:p>
         </p:txBody>
@@ -296,12 +394,12 @@
           </a:prstGeom>
         </p:spPr>
         <p:txBody>
-          <a:bodyPr lIns="0" rIns="0" tIns="0" bIns="0">
+          <a:bodyPr lIns="0" tIns="0" rIns="0" bIns="0">
             <a:spAutoFit/>
           </a:bodyPr>
           <a:p>
-            <a:endParaRPr b="0" lang="en-US" sz="3200" spc="-1" strike="noStrike">
-              <a:latin typeface="Arial"/>
+            <a:endParaRPr lang="en-US" sz="3200" b="0" strike="noStrike" spc="-1">
+              <a:latin typeface="Arial" panose="020B0604020202020204"/>
             </a:endParaRPr>
           </a:p>
         </p:txBody>
@@ -326,23 +424,26 @@
           </a:prstGeom>
         </p:spPr>
         <p:txBody>
-          <a:bodyPr lIns="0" rIns="0" tIns="0" bIns="0">
+          <a:bodyPr lIns="0" tIns="0" rIns="0" bIns="0">
             <a:spAutoFit/>
           </a:bodyPr>
           <a:p>
-            <a:endParaRPr b="0" lang="en-US" sz="3200" spc="-1" strike="noStrike">
-              <a:latin typeface="Arial"/>
+            <a:endParaRPr lang="en-US" sz="3200" b="0" strike="noStrike" spc="-1">
+              <a:latin typeface="Arial" panose="020B0604020202020204"/>
             </a:endParaRPr>
           </a:p>
         </p:txBody>
       </p:sp>
     </p:spTree>
   </p:cSld>
+  <p:clrMapOvr>
+    <a:masterClrMapping/>
+  </p:clrMapOvr>
 </p:sldLayout>
 </file>
 
 <file path=ppt/slideLayouts/slideLayout12.xml><?xml version="1.0" encoding="utf-8"?>
-<p:sldLayout xmlns:a="http://schemas.openxmlformats.org/drawingml/2006/main" xmlns:p="http://schemas.openxmlformats.org/presentationml/2006/main" xmlns:r="http://schemas.openxmlformats.org/officeDocument/2006/relationships" xmlns:p14="http://schemas.microsoft.com/office/powerpoint/2010/main" xmlns:p15="http://schemas.microsoft.com/office/powerpoint/2012/main" xmlns:mc="http://schemas.openxmlformats.org/markup-compatibility/2006" type="blank" preserve="1">
+<p:sldLayout xmlns:a="http://schemas.openxmlformats.org/drawingml/2006/main" xmlns:r="http://schemas.openxmlformats.org/officeDocument/2006/relationships" xmlns:p="http://schemas.openxmlformats.org/presentationml/2006/main" type="blank" preserve="1">
   <p:cSld name="Title, 6 Content">
     <p:spTree>
       <p:nvGrpSpPr>
@@ -378,13 +479,13 @@
           </a:prstGeom>
         </p:spPr>
         <p:txBody>
-          <a:bodyPr lIns="0" rIns="0" tIns="0" bIns="0" anchor="ctr">
+          <a:bodyPr lIns="0" tIns="0" rIns="0" bIns="0" anchor="ctr">
             <a:spAutoFit/>
           </a:bodyPr>
           <a:p>
             <a:pPr algn="ctr"/>
-            <a:endParaRPr b="0" lang="en-US" sz="4400" spc="-1" strike="noStrike">
-              <a:latin typeface="Arial"/>
+            <a:endParaRPr lang="en-US" sz="4400" b="0" strike="noStrike" spc="-1">
+              <a:latin typeface="Arial" panose="020B0604020202020204"/>
             </a:endParaRPr>
           </a:p>
         </p:txBody>
@@ -409,12 +510,12 @@
           </a:prstGeom>
         </p:spPr>
         <p:txBody>
-          <a:bodyPr lIns="0" rIns="0" tIns="0" bIns="0">
+          <a:bodyPr lIns="0" tIns="0" rIns="0" bIns="0">
             <a:spAutoFit/>
           </a:bodyPr>
           <a:p>
-            <a:endParaRPr b="0" lang="en-US" sz="3200" spc="-1" strike="noStrike">
-              <a:latin typeface="Arial"/>
+            <a:endParaRPr lang="en-US" sz="3200" b="0" strike="noStrike" spc="-1">
+              <a:latin typeface="Arial" panose="020B0604020202020204"/>
             </a:endParaRPr>
           </a:p>
         </p:txBody>
@@ -439,12 +540,12 @@
           </a:prstGeom>
         </p:spPr>
         <p:txBody>
-          <a:bodyPr lIns="0" rIns="0" tIns="0" bIns="0">
+          <a:bodyPr lIns="0" tIns="0" rIns="0" bIns="0">
             <a:spAutoFit/>
           </a:bodyPr>
           <a:p>
-            <a:endParaRPr b="0" lang="en-US" sz="3200" spc="-1" strike="noStrike">
-              <a:latin typeface="Arial"/>
+            <a:endParaRPr lang="en-US" sz="3200" b="0" strike="noStrike" spc="-1">
+              <a:latin typeface="Arial" panose="020B0604020202020204"/>
             </a:endParaRPr>
           </a:p>
         </p:txBody>
@@ -469,12 +570,12 @@
           </a:prstGeom>
         </p:spPr>
         <p:txBody>
-          <a:bodyPr lIns="0" rIns="0" tIns="0" bIns="0">
+          <a:bodyPr lIns="0" tIns="0" rIns="0" bIns="0">
             <a:spAutoFit/>
           </a:bodyPr>
           <a:p>
-            <a:endParaRPr b="0" lang="en-US" sz="3200" spc="-1" strike="noStrike">
-              <a:latin typeface="Arial"/>
+            <a:endParaRPr lang="en-US" sz="3200" b="0" strike="noStrike" spc="-1">
+              <a:latin typeface="Arial" panose="020B0604020202020204"/>
             </a:endParaRPr>
           </a:p>
         </p:txBody>
@@ -499,12 +600,12 @@
           </a:prstGeom>
         </p:spPr>
         <p:txBody>
-          <a:bodyPr lIns="0" rIns="0" tIns="0" bIns="0">
+          <a:bodyPr lIns="0" tIns="0" rIns="0" bIns="0">
             <a:spAutoFit/>
           </a:bodyPr>
           <a:p>
-            <a:endParaRPr b="0" lang="en-US" sz="3200" spc="-1" strike="noStrike">
-              <a:latin typeface="Arial"/>
+            <a:endParaRPr lang="en-US" sz="3200" b="0" strike="noStrike" spc="-1">
+              <a:latin typeface="Arial" panose="020B0604020202020204"/>
             </a:endParaRPr>
           </a:p>
         </p:txBody>
@@ -529,12 +630,12 @@
           </a:prstGeom>
         </p:spPr>
         <p:txBody>
-          <a:bodyPr lIns="0" rIns="0" tIns="0" bIns="0">
+          <a:bodyPr lIns="0" tIns="0" rIns="0" bIns="0">
             <a:spAutoFit/>
           </a:bodyPr>
           <a:p>
-            <a:endParaRPr b="0" lang="en-US" sz="3200" spc="-1" strike="noStrike">
-              <a:latin typeface="Arial"/>
+            <a:endParaRPr lang="en-US" sz="3200" b="0" strike="noStrike" spc="-1">
+              <a:latin typeface="Arial" panose="020B0604020202020204"/>
             </a:endParaRPr>
           </a:p>
         </p:txBody>
@@ -559,23 +660,26 @@
           </a:prstGeom>
         </p:spPr>
         <p:txBody>
-          <a:bodyPr lIns="0" rIns="0" tIns="0" bIns="0">
+          <a:bodyPr lIns="0" tIns="0" rIns="0" bIns="0">
             <a:spAutoFit/>
           </a:bodyPr>
           <a:p>
-            <a:endParaRPr b="0" lang="en-US" sz="3200" spc="-1" strike="noStrike">
-              <a:latin typeface="Arial"/>
+            <a:endParaRPr lang="en-US" sz="3200" b="0" strike="noStrike" spc="-1">
+              <a:latin typeface="Arial" panose="020B0604020202020204"/>
             </a:endParaRPr>
           </a:p>
         </p:txBody>
       </p:sp>
     </p:spTree>
   </p:cSld>
+  <p:clrMapOvr>
+    <a:masterClrMapping/>
+  </p:clrMapOvr>
 </p:sldLayout>
 </file>
 
 <file path=ppt/slideLayouts/slideLayout13.xml><?xml version="1.0" encoding="utf-8"?>
-<p:sldLayout xmlns:a="http://schemas.openxmlformats.org/drawingml/2006/main" xmlns:p="http://schemas.openxmlformats.org/presentationml/2006/main" xmlns:r="http://schemas.openxmlformats.org/officeDocument/2006/relationships" xmlns:p14="http://schemas.microsoft.com/office/powerpoint/2010/main" xmlns:p15="http://schemas.microsoft.com/office/powerpoint/2012/main" xmlns:mc="http://schemas.openxmlformats.org/markup-compatibility/2006" type="blank" preserve="1">
+<p:sldLayout xmlns:a="http://schemas.openxmlformats.org/drawingml/2006/main" xmlns:r="http://schemas.openxmlformats.org/officeDocument/2006/relationships" xmlns:p="http://schemas.openxmlformats.org/presentationml/2006/main" type="blank" preserve="1">
   <p:cSld name="Blank Slide">
     <p:spTree>
       <p:nvGrpSpPr>
@@ -593,11 +697,14 @@
       </p:grpSpPr>
     </p:spTree>
   </p:cSld>
+  <p:clrMapOvr>
+    <a:masterClrMapping/>
+  </p:clrMapOvr>
 </p:sldLayout>
 </file>
 
 <file path=ppt/slideLayouts/slideLayout14.xml><?xml version="1.0" encoding="utf-8"?>
-<p:sldLayout xmlns:a="http://schemas.openxmlformats.org/drawingml/2006/main" xmlns:p="http://schemas.openxmlformats.org/presentationml/2006/main" xmlns:r="http://schemas.openxmlformats.org/officeDocument/2006/relationships" xmlns:p14="http://schemas.microsoft.com/office/powerpoint/2010/main" xmlns:p15="http://schemas.microsoft.com/office/powerpoint/2012/main" xmlns:mc="http://schemas.openxmlformats.org/markup-compatibility/2006" type="tx" preserve="1">
+<p:sldLayout xmlns:a="http://schemas.openxmlformats.org/drawingml/2006/main" xmlns:r="http://schemas.openxmlformats.org/officeDocument/2006/relationships" xmlns:p="http://schemas.openxmlformats.org/presentationml/2006/main" type="tx" preserve="1">
   <p:cSld name="Title Slide">
     <p:spTree>
       <p:nvGrpSpPr>
@@ -633,13 +740,13 @@
           </a:prstGeom>
         </p:spPr>
         <p:txBody>
-          <a:bodyPr lIns="0" rIns="0" tIns="0" bIns="0" anchor="ctr">
+          <a:bodyPr lIns="0" tIns="0" rIns="0" bIns="0" anchor="ctr">
             <a:spAutoFit/>
           </a:bodyPr>
           <a:p>
             <a:pPr algn="ctr"/>
-            <a:endParaRPr b="0" lang="en-US" sz="4400" spc="-1" strike="noStrike">
-              <a:latin typeface="Arial"/>
+            <a:endParaRPr lang="en-US" sz="4400" b="0" strike="noStrike" spc="-1">
+              <a:latin typeface="Arial" panose="020B0604020202020204"/>
             </a:endParaRPr>
           </a:p>
         </p:txBody>
@@ -664,24 +771,27 @@
           </a:prstGeom>
         </p:spPr>
         <p:txBody>
-          <a:bodyPr lIns="0" rIns="0" tIns="0" bIns="0" anchor="ctr">
+          <a:bodyPr lIns="0" tIns="0" rIns="0" bIns="0" anchor="ctr">
             <a:spAutoFit/>
           </a:bodyPr>
           <a:p>
             <a:pPr algn="ctr"/>
-            <a:endParaRPr b="0" lang="en-US" sz="3200" spc="-1" strike="noStrike">
-              <a:latin typeface="Arial"/>
+            <a:endParaRPr lang="en-US" sz="3200" b="0" strike="noStrike" spc="-1">
+              <a:latin typeface="Arial" panose="020B0604020202020204"/>
             </a:endParaRPr>
           </a:p>
         </p:txBody>
       </p:sp>
     </p:spTree>
   </p:cSld>
+  <p:clrMapOvr>
+    <a:masterClrMapping/>
+  </p:clrMapOvr>
 </p:sldLayout>
 </file>
 
 <file path=ppt/slideLayouts/slideLayout15.xml><?xml version="1.0" encoding="utf-8"?>
-<p:sldLayout xmlns:a="http://schemas.openxmlformats.org/drawingml/2006/main" xmlns:p="http://schemas.openxmlformats.org/presentationml/2006/main" xmlns:r="http://schemas.openxmlformats.org/officeDocument/2006/relationships" xmlns:p14="http://schemas.microsoft.com/office/powerpoint/2010/main" xmlns:p15="http://schemas.microsoft.com/office/powerpoint/2012/main" xmlns:mc="http://schemas.openxmlformats.org/markup-compatibility/2006" type="obj" preserve="1">
+<p:sldLayout xmlns:a="http://schemas.openxmlformats.org/drawingml/2006/main" xmlns:r="http://schemas.openxmlformats.org/officeDocument/2006/relationships" xmlns:p="http://schemas.openxmlformats.org/presentationml/2006/main" type="obj" preserve="1">
   <p:cSld name="Title, Content">
     <p:spTree>
       <p:nvGrpSpPr>
@@ -717,13 +827,13 @@
           </a:prstGeom>
         </p:spPr>
         <p:txBody>
-          <a:bodyPr lIns="0" rIns="0" tIns="0" bIns="0" anchor="ctr">
+          <a:bodyPr lIns="0" tIns="0" rIns="0" bIns="0" anchor="ctr">
             <a:spAutoFit/>
           </a:bodyPr>
           <a:p>
             <a:pPr algn="ctr"/>
-            <a:endParaRPr b="0" lang="en-US" sz="4400" spc="-1" strike="noStrike">
-              <a:latin typeface="Arial"/>
+            <a:endParaRPr lang="en-US" sz="4400" b="0" strike="noStrike" spc="-1">
+              <a:latin typeface="Arial" panose="020B0604020202020204"/>
             </a:endParaRPr>
           </a:p>
         </p:txBody>
@@ -748,23 +858,26 @@
           </a:prstGeom>
         </p:spPr>
         <p:txBody>
-          <a:bodyPr lIns="0" rIns="0" tIns="0" bIns="0">
+          <a:bodyPr lIns="0" tIns="0" rIns="0" bIns="0">
             <a:spAutoFit/>
           </a:bodyPr>
           <a:p>
-            <a:endParaRPr b="0" lang="en-US" sz="3200" spc="-1" strike="noStrike">
-              <a:latin typeface="Arial"/>
+            <a:endParaRPr lang="en-US" sz="3200" b="0" strike="noStrike" spc="-1">
+              <a:latin typeface="Arial" panose="020B0604020202020204"/>
             </a:endParaRPr>
           </a:p>
         </p:txBody>
       </p:sp>
     </p:spTree>
   </p:cSld>
+  <p:clrMapOvr>
+    <a:masterClrMapping/>
+  </p:clrMapOvr>
 </p:sldLayout>
 </file>
 
 <file path=ppt/slideLayouts/slideLayout16.xml><?xml version="1.0" encoding="utf-8"?>
-<p:sldLayout xmlns:a="http://schemas.openxmlformats.org/drawingml/2006/main" xmlns:p="http://schemas.openxmlformats.org/presentationml/2006/main" xmlns:r="http://schemas.openxmlformats.org/officeDocument/2006/relationships" xmlns:p14="http://schemas.microsoft.com/office/powerpoint/2010/main" xmlns:p15="http://schemas.microsoft.com/office/powerpoint/2012/main" xmlns:mc="http://schemas.openxmlformats.org/markup-compatibility/2006" type="twoObj" preserve="1">
+<p:sldLayout xmlns:a="http://schemas.openxmlformats.org/drawingml/2006/main" xmlns:r="http://schemas.openxmlformats.org/officeDocument/2006/relationships" xmlns:p="http://schemas.openxmlformats.org/presentationml/2006/main" type="twoObj" preserve="1">
   <p:cSld name="Title, 2 Content">
     <p:spTree>
       <p:nvGrpSpPr>
@@ -800,13 +913,13 @@
           </a:prstGeom>
         </p:spPr>
         <p:txBody>
-          <a:bodyPr lIns="0" rIns="0" tIns="0" bIns="0" anchor="ctr">
+          <a:bodyPr lIns="0" tIns="0" rIns="0" bIns="0" anchor="ctr">
             <a:spAutoFit/>
           </a:bodyPr>
           <a:p>
             <a:pPr algn="ctr"/>
-            <a:endParaRPr b="0" lang="en-US" sz="4400" spc="-1" strike="noStrike">
-              <a:latin typeface="Arial"/>
+            <a:endParaRPr lang="en-US" sz="4400" b="0" strike="noStrike" spc="-1">
+              <a:latin typeface="Arial" panose="020B0604020202020204"/>
             </a:endParaRPr>
           </a:p>
         </p:txBody>
@@ -831,12 +944,12 @@
           </a:prstGeom>
         </p:spPr>
         <p:txBody>
-          <a:bodyPr lIns="0" rIns="0" tIns="0" bIns="0">
+          <a:bodyPr lIns="0" tIns="0" rIns="0" bIns="0">
             <a:spAutoFit/>
           </a:bodyPr>
           <a:p>
-            <a:endParaRPr b="0" lang="en-US" sz="3200" spc="-1" strike="noStrike">
-              <a:latin typeface="Arial"/>
+            <a:endParaRPr lang="en-US" sz="3200" b="0" strike="noStrike" spc="-1">
+              <a:latin typeface="Arial" panose="020B0604020202020204"/>
             </a:endParaRPr>
           </a:p>
         </p:txBody>
@@ -861,23 +974,26 @@
           </a:prstGeom>
         </p:spPr>
         <p:txBody>
-          <a:bodyPr lIns="0" rIns="0" tIns="0" bIns="0">
+          <a:bodyPr lIns="0" tIns="0" rIns="0" bIns="0">
             <a:spAutoFit/>
           </a:bodyPr>
           <a:p>
-            <a:endParaRPr b="0" lang="en-US" sz="3200" spc="-1" strike="noStrike">
-              <a:latin typeface="Arial"/>
+            <a:endParaRPr lang="en-US" sz="3200" b="0" strike="noStrike" spc="-1">
+              <a:latin typeface="Arial" panose="020B0604020202020204"/>
             </a:endParaRPr>
           </a:p>
         </p:txBody>
       </p:sp>
     </p:spTree>
   </p:cSld>
+  <p:clrMapOvr>
+    <a:masterClrMapping/>
+  </p:clrMapOvr>
 </p:sldLayout>
 </file>
 
 <file path=ppt/slideLayouts/slideLayout17.xml><?xml version="1.0" encoding="utf-8"?>
-<p:sldLayout xmlns:a="http://schemas.openxmlformats.org/drawingml/2006/main" xmlns:p="http://schemas.openxmlformats.org/presentationml/2006/main" xmlns:r="http://schemas.openxmlformats.org/officeDocument/2006/relationships" xmlns:p14="http://schemas.microsoft.com/office/powerpoint/2010/main" xmlns:p15="http://schemas.microsoft.com/office/powerpoint/2012/main" xmlns:mc="http://schemas.openxmlformats.org/markup-compatibility/2006" type="titleOnly" preserve="1">
+<p:sldLayout xmlns:a="http://schemas.openxmlformats.org/drawingml/2006/main" xmlns:r="http://schemas.openxmlformats.org/officeDocument/2006/relationships" xmlns:p="http://schemas.openxmlformats.org/presentationml/2006/main" type="titleOnly" preserve="1">
   <p:cSld name="Title Only">
     <p:spTree>
       <p:nvGrpSpPr>
@@ -913,24 +1029,27 @@
           </a:prstGeom>
         </p:spPr>
         <p:txBody>
-          <a:bodyPr lIns="0" rIns="0" tIns="0" bIns="0" anchor="ctr">
+          <a:bodyPr lIns="0" tIns="0" rIns="0" bIns="0" anchor="ctr">
             <a:spAutoFit/>
           </a:bodyPr>
           <a:p>
             <a:pPr algn="ctr"/>
-            <a:endParaRPr b="0" lang="en-US" sz="4400" spc="-1" strike="noStrike">
-              <a:latin typeface="Arial"/>
+            <a:endParaRPr lang="en-US" sz="4400" b="0" strike="noStrike" spc="-1">
+              <a:latin typeface="Arial" panose="020B0604020202020204"/>
             </a:endParaRPr>
           </a:p>
         </p:txBody>
       </p:sp>
     </p:spTree>
   </p:cSld>
+  <p:clrMapOvr>
+    <a:masterClrMapping/>
+  </p:clrMapOvr>
 </p:sldLayout>
 </file>
 
 <file path=ppt/slideLayouts/slideLayout18.xml><?xml version="1.0" encoding="utf-8"?>
-<p:sldLayout xmlns:a="http://schemas.openxmlformats.org/drawingml/2006/main" xmlns:p="http://schemas.openxmlformats.org/presentationml/2006/main" xmlns:r="http://schemas.openxmlformats.org/officeDocument/2006/relationships" xmlns:p14="http://schemas.microsoft.com/office/powerpoint/2010/main" xmlns:p15="http://schemas.microsoft.com/office/powerpoint/2012/main" xmlns:mc="http://schemas.openxmlformats.org/markup-compatibility/2006" type="objOnly" preserve="1">
+<p:sldLayout xmlns:a="http://schemas.openxmlformats.org/drawingml/2006/main" xmlns:r="http://schemas.openxmlformats.org/officeDocument/2006/relationships" xmlns:p="http://schemas.openxmlformats.org/presentationml/2006/main" type="objOnly" preserve="1">
   <p:cSld name="Centered Text">
     <p:spTree>
       <p:nvGrpSpPr>
@@ -966,24 +1085,27 @@
           </a:prstGeom>
         </p:spPr>
         <p:txBody>
-          <a:bodyPr lIns="0" rIns="0" tIns="0" bIns="0" anchor="ctr">
+          <a:bodyPr lIns="0" tIns="0" rIns="0" bIns="0" anchor="ctr">
             <a:spAutoFit/>
           </a:bodyPr>
           <a:p>
             <a:pPr algn="ctr"/>
-            <a:endParaRPr b="0" lang="en-US" sz="3200" spc="-1" strike="noStrike">
-              <a:latin typeface="Arial"/>
+            <a:endParaRPr lang="en-US" sz="3200" b="0" strike="noStrike" spc="-1">
+              <a:latin typeface="Arial" panose="020B0604020202020204"/>
             </a:endParaRPr>
           </a:p>
         </p:txBody>
       </p:sp>
     </p:spTree>
   </p:cSld>
+  <p:clrMapOvr>
+    <a:masterClrMapping/>
+  </p:clrMapOvr>
 </p:sldLayout>
 </file>
 
 <file path=ppt/slideLayouts/slideLayout19.xml><?xml version="1.0" encoding="utf-8"?>
-<p:sldLayout xmlns:a="http://schemas.openxmlformats.org/drawingml/2006/main" xmlns:p="http://schemas.openxmlformats.org/presentationml/2006/main" xmlns:r="http://schemas.openxmlformats.org/officeDocument/2006/relationships" xmlns:p14="http://schemas.microsoft.com/office/powerpoint/2010/main" xmlns:p15="http://schemas.microsoft.com/office/powerpoint/2012/main" xmlns:mc="http://schemas.openxmlformats.org/markup-compatibility/2006" type="twoObjAndObj" preserve="1">
+<p:sldLayout xmlns:a="http://schemas.openxmlformats.org/drawingml/2006/main" xmlns:r="http://schemas.openxmlformats.org/officeDocument/2006/relationships" xmlns:p="http://schemas.openxmlformats.org/presentationml/2006/main" type="twoObjAndObj" preserve="1">
   <p:cSld name="Title, 2 Content and Content">
     <p:spTree>
       <p:nvGrpSpPr>
@@ -1019,13 +1141,13 @@
           </a:prstGeom>
         </p:spPr>
         <p:txBody>
-          <a:bodyPr lIns="0" rIns="0" tIns="0" bIns="0" anchor="ctr">
+          <a:bodyPr lIns="0" tIns="0" rIns="0" bIns="0" anchor="ctr">
             <a:spAutoFit/>
           </a:bodyPr>
           <a:p>
             <a:pPr algn="ctr"/>
-            <a:endParaRPr b="0" lang="en-US" sz="4400" spc="-1" strike="noStrike">
-              <a:latin typeface="Arial"/>
+            <a:endParaRPr lang="en-US" sz="4400" b="0" strike="noStrike" spc="-1">
+              <a:latin typeface="Arial" panose="020B0604020202020204"/>
             </a:endParaRPr>
           </a:p>
         </p:txBody>
@@ -1050,12 +1172,12 @@
           </a:prstGeom>
         </p:spPr>
         <p:txBody>
-          <a:bodyPr lIns="0" rIns="0" tIns="0" bIns="0">
+          <a:bodyPr lIns="0" tIns="0" rIns="0" bIns="0">
             <a:spAutoFit/>
           </a:bodyPr>
           <a:p>
-            <a:endParaRPr b="0" lang="en-US" sz="3200" spc="-1" strike="noStrike">
-              <a:latin typeface="Arial"/>
+            <a:endParaRPr lang="en-US" sz="3200" b="0" strike="noStrike" spc="-1">
+              <a:latin typeface="Arial" panose="020B0604020202020204"/>
             </a:endParaRPr>
           </a:p>
         </p:txBody>
@@ -1080,12 +1202,12 @@
           </a:prstGeom>
         </p:spPr>
         <p:txBody>
-          <a:bodyPr lIns="0" rIns="0" tIns="0" bIns="0">
+          <a:bodyPr lIns="0" tIns="0" rIns="0" bIns="0">
             <a:spAutoFit/>
           </a:bodyPr>
           <a:p>
-            <a:endParaRPr b="0" lang="en-US" sz="3200" spc="-1" strike="noStrike">
-              <a:latin typeface="Arial"/>
+            <a:endParaRPr lang="en-US" sz="3200" b="0" strike="noStrike" spc="-1">
+              <a:latin typeface="Arial" panose="020B0604020202020204"/>
             </a:endParaRPr>
           </a:p>
         </p:txBody>
@@ -1110,23 +1232,26 @@
           </a:prstGeom>
         </p:spPr>
         <p:txBody>
-          <a:bodyPr lIns="0" rIns="0" tIns="0" bIns="0">
+          <a:bodyPr lIns="0" tIns="0" rIns="0" bIns="0">
             <a:spAutoFit/>
           </a:bodyPr>
           <a:p>
-            <a:endParaRPr b="0" lang="en-US" sz="3200" spc="-1" strike="noStrike">
-              <a:latin typeface="Arial"/>
+            <a:endParaRPr lang="en-US" sz="3200" b="0" strike="noStrike" spc="-1">
+              <a:latin typeface="Arial" panose="020B0604020202020204"/>
             </a:endParaRPr>
           </a:p>
         </p:txBody>
       </p:sp>
     </p:spTree>
   </p:cSld>
+  <p:clrMapOvr>
+    <a:masterClrMapping/>
+  </p:clrMapOvr>
 </p:sldLayout>
 </file>
 
 <file path=ppt/slideLayouts/slideLayout2.xml><?xml version="1.0" encoding="utf-8"?>
-<p:sldLayout xmlns:a="http://schemas.openxmlformats.org/drawingml/2006/main" xmlns:p="http://schemas.openxmlformats.org/presentationml/2006/main" xmlns:r="http://schemas.openxmlformats.org/officeDocument/2006/relationships" xmlns:p14="http://schemas.microsoft.com/office/powerpoint/2010/main" xmlns:p15="http://schemas.microsoft.com/office/powerpoint/2012/main" xmlns:mc="http://schemas.openxmlformats.org/markup-compatibility/2006" type="tx" preserve="1">
+<p:sldLayout xmlns:a="http://schemas.openxmlformats.org/drawingml/2006/main" xmlns:r="http://schemas.openxmlformats.org/officeDocument/2006/relationships" xmlns:p="http://schemas.openxmlformats.org/presentationml/2006/main" type="tx" preserve="1">
   <p:cSld name="Title Slide">
     <p:spTree>
       <p:nvGrpSpPr>
@@ -1162,13 +1287,13 @@
           </a:prstGeom>
         </p:spPr>
         <p:txBody>
-          <a:bodyPr lIns="0" rIns="0" tIns="0" bIns="0" anchor="ctr">
+          <a:bodyPr lIns="0" tIns="0" rIns="0" bIns="0" anchor="ctr">
             <a:spAutoFit/>
           </a:bodyPr>
           <a:p>
             <a:pPr algn="ctr"/>
-            <a:endParaRPr b="0" lang="en-US" sz="4400" spc="-1" strike="noStrike">
-              <a:latin typeface="Arial"/>
+            <a:endParaRPr lang="en-US" sz="4400" b="0" strike="noStrike" spc="-1">
+              <a:latin typeface="Arial" panose="020B0604020202020204"/>
             </a:endParaRPr>
           </a:p>
         </p:txBody>
@@ -1193,24 +1318,27 @@
           </a:prstGeom>
         </p:spPr>
         <p:txBody>
-          <a:bodyPr lIns="0" rIns="0" tIns="0" bIns="0" anchor="ctr">
+          <a:bodyPr lIns="0" tIns="0" rIns="0" bIns="0" anchor="ctr">
             <a:spAutoFit/>
           </a:bodyPr>
           <a:p>
             <a:pPr algn="ctr"/>
-            <a:endParaRPr b="0" lang="en-US" sz="3200" spc="-1" strike="noStrike">
-              <a:latin typeface="Arial"/>
+            <a:endParaRPr lang="en-US" sz="3200" b="0" strike="noStrike" spc="-1">
+              <a:latin typeface="Arial" panose="020B0604020202020204"/>
             </a:endParaRPr>
           </a:p>
         </p:txBody>
       </p:sp>
     </p:spTree>
   </p:cSld>
+  <p:clrMapOvr>
+    <a:masterClrMapping/>
+  </p:clrMapOvr>
 </p:sldLayout>
 </file>
 
 <file path=ppt/slideLayouts/slideLayout20.xml><?xml version="1.0" encoding="utf-8"?>
-<p:sldLayout xmlns:a="http://schemas.openxmlformats.org/drawingml/2006/main" xmlns:p="http://schemas.openxmlformats.org/presentationml/2006/main" xmlns:r="http://schemas.openxmlformats.org/officeDocument/2006/relationships" xmlns:p14="http://schemas.microsoft.com/office/powerpoint/2010/main" xmlns:p15="http://schemas.microsoft.com/office/powerpoint/2012/main" xmlns:mc="http://schemas.openxmlformats.org/markup-compatibility/2006" type="objAndTwoObj" preserve="1">
+<p:sldLayout xmlns:a="http://schemas.openxmlformats.org/drawingml/2006/main" xmlns:r="http://schemas.openxmlformats.org/officeDocument/2006/relationships" xmlns:p="http://schemas.openxmlformats.org/presentationml/2006/main" type="objAndTwoObj" preserve="1">
   <p:cSld name="Title Content and 2 Content">
     <p:spTree>
       <p:nvGrpSpPr>
@@ -1246,13 +1374,13 @@
           </a:prstGeom>
         </p:spPr>
         <p:txBody>
-          <a:bodyPr lIns="0" rIns="0" tIns="0" bIns="0" anchor="ctr">
+          <a:bodyPr lIns="0" tIns="0" rIns="0" bIns="0" anchor="ctr">
             <a:spAutoFit/>
           </a:bodyPr>
           <a:p>
             <a:pPr algn="ctr"/>
-            <a:endParaRPr b="0" lang="en-US" sz="4400" spc="-1" strike="noStrike">
-              <a:latin typeface="Arial"/>
+            <a:endParaRPr lang="en-US" sz="4400" b="0" strike="noStrike" spc="-1">
+              <a:latin typeface="Arial" panose="020B0604020202020204"/>
             </a:endParaRPr>
           </a:p>
         </p:txBody>
@@ -1277,12 +1405,12 @@
           </a:prstGeom>
         </p:spPr>
         <p:txBody>
-          <a:bodyPr lIns="0" rIns="0" tIns="0" bIns="0">
+          <a:bodyPr lIns="0" tIns="0" rIns="0" bIns="0">
             <a:spAutoFit/>
           </a:bodyPr>
           <a:p>
-            <a:endParaRPr b="0" lang="en-US" sz="3200" spc="-1" strike="noStrike">
-              <a:latin typeface="Arial"/>
+            <a:endParaRPr lang="en-US" sz="3200" b="0" strike="noStrike" spc="-1">
+              <a:latin typeface="Arial" panose="020B0604020202020204"/>
             </a:endParaRPr>
           </a:p>
         </p:txBody>
@@ -1307,12 +1435,12 @@
           </a:prstGeom>
         </p:spPr>
         <p:txBody>
-          <a:bodyPr lIns="0" rIns="0" tIns="0" bIns="0">
+          <a:bodyPr lIns="0" tIns="0" rIns="0" bIns="0">
             <a:spAutoFit/>
           </a:bodyPr>
           <a:p>
-            <a:endParaRPr b="0" lang="en-US" sz="3200" spc="-1" strike="noStrike">
-              <a:latin typeface="Arial"/>
+            <a:endParaRPr lang="en-US" sz="3200" b="0" strike="noStrike" spc="-1">
+              <a:latin typeface="Arial" panose="020B0604020202020204"/>
             </a:endParaRPr>
           </a:p>
         </p:txBody>
@@ -1337,23 +1465,26 @@
           </a:prstGeom>
         </p:spPr>
         <p:txBody>
-          <a:bodyPr lIns="0" rIns="0" tIns="0" bIns="0">
+          <a:bodyPr lIns="0" tIns="0" rIns="0" bIns="0">
             <a:spAutoFit/>
           </a:bodyPr>
           <a:p>
-            <a:endParaRPr b="0" lang="en-US" sz="3200" spc="-1" strike="noStrike">
-              <a:latin typeface="Arial"/>
+            <a:endParaRPr lang="en-US" sz="3200" b="0" strike="noStrike" spc="-1">
+              <a:latin typeface="Arial" panose="020B0604020202020204"/>
             </a:endParaRPr>
           </a:p>
         </p:txBody>
       </p:sp>
     </p:spTree>
   </p:cSld>
+  <p:clrMapOvr>
+    <a:masterClrMapping/>
+  </p:clrMapOvr>
 </p:sldLayout>
 </file>
 
 <file path=ppt/slideLayouts/slideLayout21.xml><?xml version="1.0" encoding="utf-8"?>
-<p:sldLayout xmlns:a="http://schemas.openxmlformats.org/drawingml/2006/main" xmlns:p="http://schemas.openxmlformats.org/presentationml/2006/main" xmlns:r="http://schemas.openxmlformats.org/officeDocument/2006/relationships" xmlns:p14="http://schemas.microsoft.com/office/powerpoint/2010/main" xmlns:p15="http://schemas.microsoft.com/office/powerpoint/2012/main" xmlns:mc="http://schemas.openxmlformats.org/markup-compatibility/2006" type="twoObjOverTx" preserve="1">
+<p:sldLayout xmlns:a="http://schemas.openxmlformats.org/drawingml/2006/main" xmlns:r="http://schemas.openxmlformats.org/officeDocument/2006/relationships" xmlns:p="http://schemas.openxmlformats.org/presentationml/2006/main" type="twoObjOverTx" preserve="1">
   <p:cSld name="Title, 2 Content over Content">
     <p:spTree>
       <p:nvGrpSpPr>
@@ -1389,13 +1520,13 @@
           </a:prstGeom>
         </p:spPr>
         <p:txBody>
-          <a:bodyPr lIns="0" rIns="0" tIns="0" bIns="0" anchor="ctr">
+          <a:bodyPr lIns="0" tIns="0" rIns="0" bIns="0" anchor="ctr">
             <a:spAutoFit/>
           </a:bodyPr>
           <a:p>
             <a:pPr algn="ctr"/>
-            <a:endParaRPr b="0" lang="en-US" sz="4400" spc="-1" strike="noStrike">
-              <a:latin typeface="Arial"/>
+            <a:endParaRPr lang="en-US" sz="4400" b="0" strike="noStrike" spc="-1">
+              <a:latin typeface="Arial" panose="020B0604020202020204"/>
             </a:endParaRPr>
           </a:p>
         </p:txBody>
@@ -1420,12 +1551,12 @@
           </a:prstGeom>
         </p:spPr>
         <p:txBody>
-          <a:bodyPr lIns="0" rIns="0" tIns="0" bIns="0">
+          <a:bodyPr lIns="0" tIns="0" rIns="0" bIns="0">
             <a:spAutoFit/>
           </a:bodyPr>
           <a:p>
-            <a:endParaRPr b="0" lang="en-US" sz="3200" spc="-1" strike="noStrike">
-              <a:latin typeface="Arial"/>
+            <a:endParaRPr lang="en-US" sz="3200" b="0" strike="noStrike" spc="-1">
+              <a:latin typeface="Arial" panose="020B0604020202020204"/>
             </a:endParaRPr>
           </a:p>
         </p:txBody>
@@ -1450,12 +1581,12 @@
           </a:prstGeom>
         </p:spPr>
         <p:txBody>
-          <a:bodyPr lIns="0" rIns="0" tIns="0" bIns="0">
+          <a:bodyPr lIns="0" tIns="0" rIns="0" bIns="0">
             <a:spAutoFit/>
           </a:bodyPr>
           <a:p>
-            <a:endParaRPr b="0" lang="en-US" sz="3200" spc="-1" strike="noStrike">
-              <a:latin typeface="Arial"/>
+            <a:endParaRPr lang="en-US" sz="3200" b="0" strike="noStrike" spc="-1">
+              <a:latin typeface="Arial" panose="020B0604020202020204"/>
             </a:endParaRPr>
           </a:p>
         </p:txBody>
@@ -1480,23 +1611,26 @@
           </a:prstGeom>
         </p:spPr>
         <p:txBody>
-          <a:bodyPr lIns="0" rIns="0" tIns="0" bIns="0">
+          <a:bodyPr lIns="0" tIns="0" rIns="0" bIns="0">
             <a:spAutoFit/>
           </a:bodyPr>
           <a:p>
-            <a:endParaRPr b="0" lang="en-US" sz="3200" spc="-1" strike="noStrike">
-              <a:latin typeface="Arial"/>
+            <a:endParaRPr lang="en-US" sz="3200" b="0" strike="noStrike" spc="-1">
+              <a:latin typeface="Arial" panose="020B0604020202020204"/>
             </a:endParaRPr>
           </a:p>
         </p:txBody>
       </p:sp>
     </p:spTree>
   </p:cSld>
+  <p:clrMapOvr>
+    <a:masterClrMapping/>
+  </p:clrMapOvr>
 </p:sldLayout>
 </file>
 
 <file path=ppt/slideLayouts/slideLayout22.xml><?xml version="1.0" encoding="utf-8"?>
-<p:sldLayout xmlns:a="http://schemas.openxmlformats.org/drawingml/2006/main" xmlns:p="http://schemas.openxmlformats.org/presentationml/2006/main" xmlns:r="http://schemas.openxmlformats.org/officeDocument/2006/relationships" xmlns:p14="http://schemas.microsoft.com/office/powerpoint/2010/main" xmlns:p15="http://schemas.microsoft.com/office/powerpoint/2012/main" xmlns:mc="http://schemas.openxmlformats.org/markup-compatibility/2006" type="objOverTx" preserve="1">
+<p:sldLayout xmlns:a="http://schemas.openxmlformats.org/drawingml/2006/main" xmlns:r="http://schemas.openxmlformats.org/officeDocument/2006/relationships" xmlns:p="http://schemas.openxmlformats.org/presentationml/2006/main" type="objOverTx" preserve="1">
   <p:cSld name="Title, Content over Content">
     <p:spTree>
       <p:nvGrpSpPr>
@@ -1532,13 +1666,13 @@
           </a:prstGeom>
         </p:spPr>
         <p:txBody>
-          <a:bodyPr lIns="0" rIns="0" tIns="0" bIns="0" anchor="ctr">
+          <a:bodyPr lIns="0" tIns="0" rIns="0" bIns="0" anchor="ctr">
             <a:spAutoFit/>
           </a:bodyPr>
           <a:p>
             <a:pPr algn="ctr"/>
-            <a:endParaRPr b="0" lang="en-US" sz="4400" spc="-1" strike="noStrike">
-              <a:latin typeface="Arial"/>
+            <a:endParaRPr lang="en-US" sz="4400" b="0" strike="noStrike" spc="-1">
+              <a:latin typeface="Arial" panose="020B0604020202020204"/>
             </a:endParaRPr>
           </a:p>
         </p:txBody>
@@ -1563,12 +1697,12 @@
           </a:prstGeom>
         </p:spPr>
         <p:txBody>
-          <a:bodyPr lIns="0" rIns="0" tIns="0" bIns="0">
+          <a:bodyPr lIns="0" tIns="0" rIns="0" bIns="0">
             <a:spAutoFit/>
           </a:bodyPr>
           <a:p>
-            <a:endParaRPr b="0" lang="en-US" sz="3200" spc="-1" strike="noStrike">
-              <a:latin typeface="Arial"/>
+            <a:endParaRPr lang="en-US" sz="3200" b="0" strike="noStrike" spc="-1">
+              <a:latin typeface="Arial" panose="020B0604020202020204"/>
             </a:endParaRPr>
           </a:p>
         </p:txBody>
@@ -1593,23 +1727,26 @@
           </a:prstGeom>
         </p:spPr>
         <p:txBody>
-          <a:bodyPr lIns="0" rIns="0" tIns="0" bIns="0">
+          <a:bodyPr lIns="0" tIns="0" rIns="0" bIns="0">
             <a:spAutoFit/>
           </a:bodyPr>
           <a:p>
-            <a:endParaRPr b="0" lang="en-US" sz="3200" spc="-1" strike="noStrike">
-              <a:latin typeface="Arial"/>
+            <a:endParaRPr lang="en-US" sz="3200" b="0" strike="noStrike" spc="-1">
+              <a:latin typeface="Arial" panose="020B0604020202020204"/>
             </a:endParaRPr>
           </a:p>
         </p:txBody>
       </p:sp>
     </p:spTree>
   </p:cSld>
+  <p:clrMapOvr>
+    <a:masterClrMapping/>
+  </p:clrMapOvr>
 </p:sldLayout>
 </file>
 
 <file path=ppt/slideLayouts/slideLayout23.xml><?xml version="1.0" encoding="utf-8"?>
-<p:sldLayout xmlns:a="http://schemas.openxmlformats.org/drawingml/2006/main" xmlns:p="http://schemas.openxmlformats.org/presentationml/2006/main" xmlns:r="http://schemas.openxmlformats.org/officeDocument/2006/relationships" xmlns:p14="http://schemas.microsoft.com/office/powerpoint/2010/main" xmlns:p15="http://schemas.microsoft.com/office/powerpoint/2012/main" xmlns:mc="http://schemas.openxmlformats.org/markup-compatibility/2006" type="fourObj" preserve="1">
+<p:sldLayout xmlns:a="http://schemas.openxmlformats.org/drawingml/2006/main" xmlns:r="http://schemas.openxmlformats.org/officeDocument/2006/relationships" xmlns:p="http://schemas.openxmlformats.org/presentationml/2006/main" type="fourObj" preserve="1">
   <p:cSld name="Title, 4 Content">
     <p:spTree>
       <p:nvGrpSpPr>
@@ -1645,13 +1782,13 @@
           </a:prstGeom>
         </p:spPr>
         <p:txBody>
-          <a:bodyPr lIns="0" rIns="0" tIns="0" bIns="0" anchor="ctr">
+          <a:bodyPr lIns="0" tIns="0" rIns="0" bIns="0" anchor="ctr">
             <a:spAutoFit/>
           </a:bodyPr>
           <a:p>
             <a:pPr algn="ctr"/>
-            <a:endParaRPr b="0" lang="en-US" sz="4400" spc="-1" strike="noStrike">
-              <a:latin typeface="Arial"/>
+            <a:endParaRPr lang="en-US" sz="4400" b="0" strike="noStrike" spc="-1">
+              <a:latin typeface="Arial" panose="020B0604020202020204"/>
             </a:endParaRPr>
           </a:p>
         </p:txBody>
@@ -1676,12 +1813,12 @@
           </a:prstGeom>
         </p:spPr>
         <p:txBody>
-          <a:bodyPr lIns="0" rIns="0" tIns="0" bIns="0">
+          <a:bodyPr lIns="0" tIns="0" rIns="0" bIns="0">
             <a:spAutoFit/>
           </a:bodyPr>
           <a:p>
-            <a:endParaRPr b="0" lang="en-US" sz="3200" spc="-1" strike="noStrike">
-              <a:latin typeface="Arial"/>
+            <a:endParaRPr lang="en-US" sz="3200" b="0" strike="noStrike" spc="-1">
+              <a:latin typeface="Arial" panose="020B0604020202020204"/>
             </a:endParaRPr>
           </a:p>
         </p:txBody>
@@ -1706,12 +1843,12 @@
           </a:prstGeom>
         </p:spPr>
         <p:txBody>
-          <a:bodyPr lIns="0" rIns="0" tIns="0" bIns="0">
+          <a:bodyPr lIns="0" tIns="0" rIns="0" bIns="0">
             <a:spAutoFit/>
           </a:bodyPr>
           <a:p>
-            <a:endParaRPr b="0" lang="en-US" sz="3200" spc="-1" strike="noStrike">
-              <a:latin typeface="Arial"/>
+            <a:endParaRPr lang="en-US" sz="3200" b="0" strike="noStrike" spc="-1">
+              <a:latin typeface="Arial" panose="020B0604020202020204"/>
             </a:endParaRPr>
           </a:p>
         </p:txBody>
@@ -1736,12 +1873,12 @@
           </a:prstGeom>
         </p:spPr>
         <p:txBody>
-          <a:bodyPr lIns="0" rIns="0" tIns="0" bIns="0">
+          <a:bodyPr lIns="0" tIns="0" rIns="0" bIns="0">
             <a:spAutoFit/>
           </a:bodyPr>
           <a:p>
-            <a:endParaRPr b="0" lang="en-US" sz="3200" spc="-1" strike="noStrike">
-              <a:latin typeface="Arial"/>
+            <a:endParaRPr lang="en-US" sz="3200" b="0" strike="noStrike" spc="-1">
+              <a:latin typeface="Arial" panose="020B0604020202020204"/>
             </a:endParaRPr>
           </a:p>
         </p:txBody>
@@ -1766,23 +1903,26 @@
           </a:prstGeom>
         </p:spPr>
         <p:txBody>
-          <a:bodyPr lIns="0" rIns="0" tIns="0" bIns="0">
+          <a:bodyPr lIns="0" tIns="0" rIns="0" bIns="0">
             <a:spAutoFit/>
           </a:bodyPr>
           <a:p>
-            <a:endParaRPr b="0" lang="en-US" sz="3200" spc="-1" strike="noStrike">
-              <a:latin typeface="Arial"/>
+            <a:endParaRPr lang="en-US" sz="3200" b="0" strike="noStrike" spc="-1">
+              <a:latin typeface="Arial" panose="020B0604020202020204"/>
             </a:endParaRPr>
           </a:p>
         </p:txBody>
       </p:sp>
     </p:spTree>
   </p:cSld>
+  <p:clrMapOvr>
+    <a:masterClrMapping/>
+  </p:clrMapOvr>
 </p:sldLayout>
 </file>
 
 <file path=ppt/slideLayouts/slideLayout24.xml><?xml version="1.0" encoding="utf-8"?>
-<p:sldLayout xmlns:a="http://schemas.openxmlformats.org/drawingml/2006/main" xmlns:p="http://schemas.openxmlformats.org/presentationml/2006/main" xmlns:r="http://schemas.openxmlformats.org/officeDocument/2006/relationships" xmlns:p14="http://schemas.microsoft.com/office/powerpoint/2010/main" xmlns:p15="http://schemas.microsoft.com/office/powerpoint/2012/main" xmlns:mc="http://schemas.openxmlformats.org/markup-compatibility/2006" type="blank" preserve="1">
+<p:sldLayout xmlns:a="http://schemas.openxmlformats.org/drawingml/2006/main" xmlns:r="http://schemas.openxmlformats.org/officeDocument/2006/relationships" xmlns:p="http://schemas.openxmlformats.org/presentationml/2006/main" type="blank" preserve="1">
   <p:cSld name="Title, 6 Content">
     <p:spTree>
       <p:nvGrpSpPr>
@@ -1818,13 +1958,13 @@
           </a:prstGeom>
         </p:spPr>
         <p:txBody>
-          <a:bodyPr lIns="0" rIns="0" tIns="0" bIns="0" anchor="ctr">
+          <a:bodyPr lIns="0" tIns="0" rIns="0" bIns="0" anchor="ctr">
             <a:spAutoFit/>
           </a:bodyPr>
           <a:p>
             <a:pPr algn="ctr"/>
-            <a:endParaRPr b="0" lang="en-US" sz="4400" spc="-1" strike="noStrike">
-              <a:latin typeface="Arial"/>
+            <a:endParaRPr lang="en-US" sz="4400" b="0" strike="noStrike" spc="-1">
+              <a:latin typeface="Arial" panose="020B0604020202020204"/>
             </a:endParaRPr>
           </a:p>
         </p:txBody>
@@ -1849,12 +1989,12 @@
           </a:prstGeom>
         </p:spPr>
         <p:txBody>
-          <a:bodyPr lIns="0" rIns="0" tIns="0" bIns="0">
+          <a:bodyPr lIns="0" tIns="0" rIns="0" bIns="0">
             <a:spAutoFit/>
           </a:bodyPr>
           <a:p>
-            <a:endParaRPr b="0" lang="en-US" sz="3200" spc="-1" strike="noStrike">
-              <a:latin typeface="Arial"/>
+            <a:endParaRPr lang="en-US" sz="3200" b="0" strike="noStrike" spc="-1">
+              <a:latin typeface="Arial" panose="020B0604020202020204"/>
             </a:endParaRPr>
           </a:p>
         </p:txBody>
@@ -1879,12 +2019,12 @@
           </a:prstGeom>
         </p:spPr>
         <p:txBody>
-          <a:bodyPr lIns="0" rIns="0" tIns="0" bIns="0">
+          <a:bodyPr lIns="0" tIns="0" rIns="0" bIns="0">
             <a:spAutoFit/>
           </a:bodyPr>
           <a:p>
-            <a:endParaRPr b="0" lang="en-US" sz="3200" spc="-1" strike="noStrike">
-              <a:latin typeface="Arial"/>
+            <a:endParaRPr lang="en-US" sz="3200" b="0" strike="noStrike" spc="-1">
+              <a:latin typeface="Arial" panose="020B0604020202020204"/>
             </a:endParaRPr>
           </a:p>
         </p:txBody>
@@ -1909,12 +2049,12 @@
           </a:prstGeom>
         </p:spPr>
         <p:txBody>
-          <a:bodyPr lIns="0" rIns="0" tIns="0" bIns="0">
+          <a:bodyPr lIns="0" tIns="0" rIns="0" bIns="0">
             <a:spAutoFit/>
           </a:bodyPr>
           <a:p>
-            <a:endParaRPr b="0" lang="en-US" sz="3200" spc="-1" strike="noStrike">
-              <a:latin typeface="Arial"/>
+            <a:endParaRPr lang="en-US" sz="3200" b="0" strike="noStrike" spc="-1">
+              <a:latin typeface="Arial" panose="020B0604020202020204"/>
             </a:endParaRPr>
           </a:p>
         </p:txBody>
@@ -1939,12 +2079,12 @@
           </a:prstGeom>
         </p:spPr>
         <p:txBody>
-          <a:bodyPr lIns="0" rIns="0" tIns="0" bIns="0">
+          <a:bodyPr lIns="0" tIns="0" rIns="0" bIns="0">
             <a:spAutoFit/>
           </a:bodyPr>
           <a:p>
-            <a:endParaRPr b="0" lang="en-US" sz="3200" spc="-1" strike="noStrike">
-              <a:latin typeface="Arial"/>
+            <a:endParaRPr lang="en-US" sz="3200" b="0" strike="noStrike" spc="-1">
+              <a:latin typeface="Arial" panose="020B0604020202020204"/>
             </a:endParaRPr>
           </a:p>
         </p:txBody>
@@ -1969,12 +2109,12 @@
           </a:prstGeom>
         </p:spPr>
         <p:txBody>
-          <a:bodyPr lIns="0" rIns="0" tIns="0" bIns="0">
+          <a:bodyPr lIns="0" tIns="0" rIns="0" bIns="0">
             <a:spAutoFit/>
           </a:bodyPr>
           <a:p>
-            <a:endParaRPr b="0" lang="en-US" sz="3200" spc="-1" strike="noStrike">
-              <a:latin typeface="Arial"/>
+            <a:endParaRPr lang="en-US" sz="3200" b="0" strike="noStrike" spc="-1">
+              <a:latin typeface="Arial" panose="020B0604020202020204"/>
             </a:endParaRPr>
           </a:p>
         </p:txBody>
@@ -1999,23 +2139,26 @@
           </a:prstGeom>
         </p:spPr>
         <p:txBody>
-          <a:bodyPr lIns="0" rIns="0" tIns="0" bIns="0">
+          <a:bodyPr lIns="0" tIns="0" rIns="0" bIns="0">
             <a:spAutoFit/>
           </a:bodyPr>
           <a:p>
-            <a:endParaRPr b="0" lang="en-US" sz="3200" spc="-1" strike="noStrike">
-              <a:latin typeface="Arial"/>
+            <a:endParaRPr lang="en-US" sz="3200" b="0" strike="noStrike" spc="-1">
+              <a:latin typeface="Arial" panose="020B0604020202020204"/>
             </a:endParaRPr>
           </a:p>
         </p:txBody>
       </p:sp>
     </p:spTree>
   </p:cSld>
+  <p:clrMapOvr>
+    <a:masterClrMapping/>
+  </p:clrMapOvr>
 </p:sldLayout>
 </file>
 
 <file path=ppt/slideLayouts/slideLayout3.xml><?xml version="1.0" encoding="utf-8"?>
-<p:sldLayout xmlns:a="http://schemas.openxmlformats.org/drawingml/2006/main" xmlns:p="http://schemas.openxmlformats.org/presentationml/2006/main" xmlns:r="http://schemas.openxmlformats.org/officeDocument/2006/relationships" xmlns:p14="http://schemas.microsoft.com/office/powerpoint/2010/main" xmlns:p15="http://schemas.microsoft.com/office/powerpoint/2012/main" xmlns:mc="http://schemas.openxmlformats.org/markup-compatibility/2006" type="obj" preserve="1">
+<p:sldLayout xmlns:a="http://schemas.openxmlformats.org/drawingml/2006/main" xmlns:r="http://schemas.openxmlformats.org/officeDocument/2006/relationships" xmlns:p="http://schemas.openxmlformats.org/presentationml/2006/main" type="obj" preserve="1">
   <p:cSld name="Title, Content">
     <p:spTree>
       <p:nvGrpSpPr>
@@ -2051,13 +2194,13 @@
           </a:prstGeom>
         </p:spPr>
         <p:txBody>
-          <a:bodyPr lIns="0" rIns="0" tIns="0" bIns="0" anchor="ctr">
+          <a:bodyPr lIns="0" tIns="0" rIns="0" bIns="0" anchor="ctr">
             <a:spAutoFit/>
           </a:bodyPr>
           <a:p>
             <a:pPr algn="ctr"/>
-            <a:endParaRPr b="0" lang="en-US" sz="4400" spc="-1" strike="noStrike">
-              <a:latin typeface="Arial"/>
+            <a:endParaRPr lang="en-US" sz="4400" b="0" strike="noStrike" spc="-1">
+              <a:latin typeface="Arial" panose="020B0604020202020204"/>
             </a:endParaRPr>
           </a:p>
         </p:txBody>
@@ -2082,23 +2225,26 @@
           </a:prstGeom>
         </p:spPr>
         <p:txBody>
-          <a:bodyPr lIns="0" rIns="0" tIns="0" bIns="0">
+          <a:bodyPr lIns="0" tIns="0" rIns="0" bIns="0">
             <a:spAutoFit/>
           </a:bodyPr>
           <a:p>
-            <a:endParaRPr b="0" lang="en-US" sz="3200" spc="-1" strike="noStrike">
-              <a:latin typeface="Arial"/>
+            <a:endParaRPr lang="en-US" sz="3200" b="0" strike="noStrike" spc="-1">
+              <a:latin typeface="Arial" panose="020B0604020202020204"/>
             </a:endParaRPr>
           </a:p>
         </p:txBody>
       </p:sp>
     </p:spTree>
   </p:cSld>
+  <p:clrMapOvr>
+    <a:masterClrMapping/>
+  </p:clrMapOvr>
 </p:sldLayout>
 </file>
 
 <file path=ppt/slideLayouts/slideLayout4.xml><?xml version="1.0" encoding="utf-8"?>
-<p:sldLayout xmlns:a="http://schemas.openxmlformats.org/drawingml/2006/main" xmlns:p="http://schemas.openxmlformats.org/presentationml/2006/main" xmlns:r="http://schemas.openxmlformats.org/officeDocument/2006/relationships" xmlns:p14="http://schemas.microsoft.com/office/powerpoint/2010/main" xmlns:p15="http://schemas.microsoft.com/office/powerpoint/2012/main" xmlns:mc="http://schemas.openxmlformats.org/markup-compatibility/2006" type="twoObj" preserve="1">
+<p:sldLayout xmlns:a="http://schemas.openxmlformats.org/drawingml/2006/main" xmlns:r="http://schemas.openxmlformats.org/officeDocument/2006/relationships" xmlns:p="http://schemas.openxmlformats.org/presentationml/2006/main" type="twoObj" preserve="1">
   <p:cSld name="Title, 2 Content">
     <p:spTree>
       <p:nvGrpSpPr>
@@ -2134,13 +2280,13 @@
           </a:prstGeom>
         </p:spPr>
         <p:txBody>
-          <a:bodyPr lIns="0" rIns="0" tIns="0" bIns="0" anchor="ctr">
+          <a:bodyPr lIns="0" tIns="0" rIns="0" bIns="0" anchor="ctr">
             <a:spAutoFit/>
           </a:bodyPr>
           <a:p>
             <a:pPr algn="ctr"/>
-            <a:endParaRPr b="0" lang="en-US" sz="4400" spc="-1" strike="noStrike">
-              <a:latin typeface="Arial"/>
+            <a:endParaRPr lang="en-US" sz="4400" b="0" strike="noStrike" spc="-1">
+              <a:latin typeface="Arial" panose="020B0604020202020204"/>
             </a:endParaRPr>
           </a:p>
         </p:txBody>
@@ -2165,12 +2311,12 @@
           </a:prstGeom>
         </p:spPr>
         <p:txBody>
-          <a:bodyPr lIns="0" rIns="0" tIns="0" bIns="0">
+          <a:bodyPr lIns="0" tIns="0" rIns="0" bIns="0">
             <a:spAutoFit/>
           </a:bodyPr>
           <a:p>
-            <a:endParaRPr b="0" lang="en-US" sz="3200" spc="-1" strike="noStrike">
-              <a:latin typeface="Arial"/>
+            <a:endParaRPr lang="en-US" sz="3200" b="0" strike="noStrike" spc="-1">
+              <a:latin typeface="Arial" panose="020B0604020202020204"/>
             </a:endParaRPr>
           </a:p>
         </p:txBody>
@@ -2195,23 +2341,26 @@
           </a:prstGeom>
         </p:spPr>
         <p:txBody>
-          <a:bodyPr lIns="0" rIns="0" tIns="0" bIns="0">
+          <a:bodyPr lIns="0" tIns="0" rIns="0" bIns="0">
             <a:spAutoFit/>
           </a:bodyPr>
           <a:p>
-            <a:endParaRPr b="0" lang="en-US" sz="3200" spc="-1" strike="noStrike">
-              <a:latin typeface="Arial"/>
+            <a:endParaRPr lang="en-US" sz="3200" b="0" strike="noStrike" spc="-1">
+              <a:latin typeface="Arial" panose="020B0604020202020204"/>
             </a:endParaRPr>
           </a:p>
         </p:txBody>
       </p:sp>
     </p:spTree>
   </p:cSld>
+  <p:clrMapOvr>
+    <a:masterClrMapping/>
+  </p:clrMapOvr>
 </p:sldLayout>
 </file>
 
 <file path=ppt/slideLayouts/slideLayout5.xml><?xml version="1.0" encoding="utf-8"?>
-<p:sldLayout xmlns:a="http://schemas.openxmlformats.org/drawingml/2006/main" xmlns:p="http://schemas.openxmlformats.org/presentationml/2006/main" xmlns:r="http://schemas.openxmlformats.org/officeDocument/2006/relationships" xmlns:p14="http://schemas.microsoft.com/office/powerpoint/2010/main" xmlns:p15="http://schemas.microsoft.com/office/powerpoint/2012/main" xmlns:mc="http://schemas.openxmlformats.org/markup-compatibility/2006" type="titleOnly" preserve="1">
+<p:sldLayout xmlns:a="http://schemas.openxmlformats.org/drawingml/2006/main" xmlns:r="http://schemas.openxmlformats.org/officeDocument/2006/relationships" xmlns:p="http://schemas.openxmlformats.org/presentationml/2006/main" type="titleOnly" preserve="1">
   <p:cSld name="Title Only">
     <p:spTree>
       <p:nvGrpSpPr>
@@ -2247,24 +2396,27 @@
           </a:prstGeom>
         </p:spPr>
         <p:txBody>
-          <a:bodyPr lIns="0" rIns="0" tIns="0" bIns="0" anchor="ctr">
+          <a:bodyPr lIns="0" tIns="0" rIns="0" bIns="0" anchor="ctr">
             <a:spAutoFit/>
           </a:bodyPr>
           <a:p>
             <a:pPr algn="ctr"/>
-            <a:endParaRPr b="0" lang="en-US" sz="4400" spc="-1" strike="noStrike">
-              <a:latin typeface="Arial"/>
+            <a:endParaRPr lang="en-US" sz="4400" b="0" strike="noStrike" spc="-1">
+              <a:latin typeface="Arial" panose="020B0604020202020204"/>
             </a:endParaRPr>
           </a:p>
         </p:txBody>
       </p:sp>
     </p:spTree>
   </p:cSld>
+  <p:clrMapOvr>
+    <a:masterClrMapping/>
+  </p:clrMapOvr>
 </p:sldLayout>
 </file>
 
 <file path=ppt/slideLayouts/slideLayout6.xml><?xml version="1.0" encoding="utf-8"?>
-<p:sldLayout xmlns:a="http://schemas.openxmlformats.org/drawingml/2006/main" xmlns:p="http://schemas.openxmlformats.org/presentationml/2006/main" xmlns:r="http://schemas.openxmlformats.org/officeDocument/2006/relationships" xmlns:p14="http://schemas.microsoft.com/office/powerpoint/2010/main" xmlns:p15="http://schemas.microsoft.com/office/powerpoint/2012/main" xmlns:mc="http://schemas.openxmlformats.org/markup-compatibility/2006" type="objOnly" preserve="1">
+<p:sldLayout xmlns:a="http://schemas.openxmlformats.org/drawingml/2006/main" xmlns:r="http://schemas.openxmlformats.org/officeDocument/2006/relationships" xmlns:p="http://schemas.openxmlformats.org/presentationml/2006/main" type="objOnly" preserve="1">
   <p:cSld name="Centered Text">
     <p:spTree>
       <p:nvGrpSpPr>
@@ -2300,24 +2452,27 @@
           </a:prstGeom>
         </p:spPr>
         <p:txBody>
-          <a:bodyPr lIns="0" rIns="0" tIns="0" bIns="0" anchor="ctr">
+          <a:bodyPr lIns="0" tIns="0" rIns="0" bIns="0" anchor="ctr">
             <a:spAutoFit/>
           </a:bodyPr>
           <a:p>
             <a:pPr algn="ctr"/>
-            <a:endParaRPr b="0" lang="en-US" sz="3200" spc="-1" strike="noStrike">
-              <a:latin typeface="Arial"/>
+            <a:endParaRPr lang="en-US" sz="3200" b="0" strike="noStrike" spc="-1">
+              <a:latin typeface="Arial" panose="020B0604020202020204"/>
             </a:endParaRPr>
           </a:p>
         </p:txBody>
       </p:sp>
     </p:spTree>
   </p:cSld>
+  <p:clrMapOvr>
+    <a:masterClrMapping/>
+  </p:clrMapOvr>
 </p:sldLayout>
 </file>
 
 <file path=ppt/slideLayouts/slideLayout7.xml><?xml version="1.0" encoding="utf-8"?>
-<p:sldLayout xmlns:a="http://schemas.openxmlformats.org/drawingml/2006/main" xmlns:p="http://schemas.openxmlformats.org/presentationml/2006/main" xmlns:r="http://schemas.openxmlformats.org/officeDocument/2006/relationships" xmlns:p14="http://schemas.microsoft.com/office/powerpoint/2010/main" xmlns:p15="http://schemas.microsoft.com/office/powerpoint/2012/main" xmlns:mc="http://schemas.openxmlformats.org/markup-compatibility/2006" type="twoObjAndObj" preserve="1">
+<p:sldLayout xmlns:a="http://schemas.openxmlformats.org/drawingml/2006/main" xmlns:r="http://schemas.openxmlformats.org/officeDocument/2006/relationships" xmlns:p="http://schemas.openxmlformats.org/presentationml/2006/main" type="twoObjAndObj" preserve="1">
   <p:cSld name="Title, 2 Content and Content">
     <p:spTree>
       <p:nvGrpSpPr>
@@ -2353,13 +2508,13 @@
           </a:prstGeom>
         </p:spPr>
         <p:txBody>
-          <a:bodyPr lIns="0" rIns="0" tIns="0" bIns="0" anchor="ctr">
+          <a:bodyPr lIns="0" tIns="0" rIns="0" bIns="0" anchor="ctr">
             <a:spAutoFit/>
           </a:bodyPr>
           <a:p>
             <a:pPr algn="ctr"/>
-            <a:endParaRPr b="0" lang="en-US" sz="4400" spc="-1" strike="noStrike">
-              <a:latin typeface="Arial"/>
+            <a:endParaRPr lang="en-US" sz="4400" b="0" strike="noStrike" spc="-1">
+              <a:latin typeface="Arial" panose="020B0604020202020204"/>
             </a:endParaRPr>
           </a:p>
         </p:txBody>
@@ -2384,12 +2539,12 @@
           </a:prstGeom>
         </p:spPr>
         <p:txBody>
-          <a:bodyPr lIns="0" rIns="0" tIns="0" bIns="0">
+          <a:bodyPr lIns="0" tIns="0" rIns="0" bIns="0">
             <a:spAutoFit/>
           </a:bodyPr>
           <a:p>
-            <a:endParaRPr b="0" lang="en-US" sz="3200" spc="-1" strike="noStrike">
-              <a:latin typeface="Arial"/>
+            <a:endParaRPr lang="en-US" sz="3200" b="0" strike="noStrike" spc="-1">
+              <a:latin typeface="Arial" panose="020B0604020202020204"/>
             </a:endParaRPr>
           </a:p>
         </p:txBody>
@@ -2414,12 +2569,12 @@
           </a:prstGeom>
         </p:spPr>
         <p:txBody>
-          <a:bodyPr lIns="0" rIns="0" tIns="0" bIns="0">
+          <a:bodyPr lIns="0" tIns="0" rIns="0" bIns="0">
             <a:spAutoFit/>
           </a:bodyPr>
           <a:p>
-            <a:endParaRPr b="0" lang="en-US" sz="3200" spc="-1" strike="noStrike">
-              <a:latin typeface="Arial"/>
+            <a:endParaRPr lang="en-US" sz="3200" b="0" strike="noStrike" spc="-1">
+              <a:latin typeface="Arial" panose="020B0604020202020204"/>
             </a:endParaRPr>
           </a:p>
         </p:txBody>
@@ -2444,23 +2599,26 @@
           </a:prstGeom>
         </p:spPr>
         <p:txBody>
-          <a:bodyPr lIns="0" rIns="0" tIns="0" bIns="0">
+          <a:bodyPr lIns="0" tIns="0" rIns="0" bIns="0">
             <a:spAutoFit/>
           </a:bodyPr>
           <a:p>
-            <a:endParaRPr b="0" lang="en-US" sz="3200" spc="-1" strike="noStrike">
-              <a:latin typeface="Arial"/>
+            <a:endParaRPr lang="en-US" sz="3200" b="0" strike="noStrike" spc="-1">
+              <a:latin typeface="Arial" panose="020B0604020202020204"/>
             </a:endParaRPr>
           </a:p>
         </p:txBody>
       </p:sp>
     </p:spTree>
   </p:cSld>
+  <p:clrMapOvr>
+    <a:masterClrMapping/>
+  </p:clrMapOvr>
 </p:sldLayout>
 </file>
 
 <file path=ppt/slideLayouts/slideLayout8.xml><?xml version="1.0" encoding="utf-8"?>
-<p:sldLayout xmlns:a="http://schemas.openxmlformats.org/drawingml/2006/main" xmlns:p="http://schemas.openxmlformats.org/presentationml/2006/main" xmlns:r="http://schemas.openxmlformats.org/officeDocument/2006/relationships" xmlns:p14="http://schemas.microsoft.com/office/powerpoint/2010/main" xmlns:p15="http://schemas.microsoft.com/office/powerpoint/2012/main" xmlns:mc="http://schemas.openxmlformats.org/markup-compatibility/2006" type="objAndTwoObj" preserve="1">
+<p:sldLayout xmlns:a="http://schemas.openxmlformats.org/drawingml/2006/main" xmlns:r="http://schemas.openxmlformats.org/officeDocument/2006/relationships" xmlns:p="http://schemas.openxmlformats.org/presentationml/2006/main" type="objAndTwoObj" preserve="1">
   <p:cSld name="Title Content and 2 Content">
     <p:spTree>
       <p:nvGrpSpPr>
@@ -2496,13 +2654,13 @@
           </a:prstGeom>
         </p:spPr>
         <p:txBody>
-          <a:bodyPr lIns="0" rIns="0" tIns="0" bIns="0" anchor="ctr">
+          <a:bodyPr lIns="0" tIns="0" rIns="0" bIns="0" anchor="ctr">
             <a:spAutoFit/>
           </a:bodyPr>
           <a:p>
             <a:pPr algn="ctr"/>
-            <a:endParaRPr b="0" lang="en-US" sz="4400" spc="-1" strike="noStrike">
-              <a:latin typeface="Arial"/>
+            <a:endParaRPr lang="en-US" sz="4400" b="0" strike="noStrike" spc="-1">
+              <a:latin typeface="Arial" panose="020B0604020202020204"/>
             </a:endParaRPr>
           </a:p>
         </p:txBody>
@@ -2527,12 +2685,12 @@
           </a:prstGeom>
         </p:spPr>
         <p:txBody>
-          <a:bodyPr lIns="0" rIns="0" tIns="0" bIns="0">
+          <a:bodyPr lIns="0" tIns="0" rIns="0" bIns="0">
             <a:spAutoFit/>
           </a:bodyPr>
           <a:p>
-            <a:endParaRPr b="0" lang="en-US" sz="3200" spc="-1" strike="noStrike">
-              <a:latin typeface="Arial"/>
+            <a:endParaRPr lang="en-US" sz="3200" b="0" strike="noStrike" spc="-1">
+              <a:latin typeface="Arial" panose="020B0604020202020204"/>
             </a:endParaRPr>
           </a:p>
         </p:txBody>
@@ -2557,12 +2715,12 @@
           </a:prstGeom>
         </p:spPr>
         <p:txBody>
-          <a:bodyPr lIns="0" rIns="0" tIns="0" bIns="0">
+          <a:bodyPr lIns="0" tIns="0" rIns="0" bIns="0">
             <a:spAutoFit/>
           </a:bodyPr>
           <a:p>
-            <a:endParaRPr b="0" lang="en-US" sz="3200" spc="-1" strike="noStrike">
-              <a:latin typeface="Arial"/>
+            <a:endParaRPr lang="en-US" sz="3200" b="0" strike="noStrike" spc="-1">
+              <a:latin typeface="Arial" panose="020B0604020202020204"/>
             </a:endParaRPr>
           </a:p>
         </p:txBody>
@@ -2587,23 +2745,26 @@
           </a:prstGeom>
         </p:spPr>
         <p:txBody>
-          <a:bodyPr lIns="0" rIns="0" tIns="0" bIns="0">
+          <a:bodyPr lIns="0" tIns="0" rIns="0" bIns="0">
             <a:spAutoFit/>
           </a:bodyPr>
           <a:p>
-            <a:endParaRPr b="0" lang="en-US" sz="3200" spc="-1" strike="noStrike">
-              <a:latin typeface="Arial"/>
+            <a:endParaRPr lang="en-US" sz="3200" b="0" strike="noStrike" spc="-1">
+              <a:latin typeface="Arial" panose="020B0604020202020204"/>
             </a:endParaRPr>
           </a:p>
         </p:txBody>
       </p:sp>
     </p:spTree>
   </p:cSld>
+  <p:clrMapOvr>
+    <a:masterClrMapping/>
+  </p:clrMapOvr>
 </p:sldLayout>
 </file>
 
 <file path=ppt/slideLayouts/slideLayout9.xml><?xml version="1.0" encoding="utf-8"?>
-<p:sldLayout xmlns:a="http://schemas.openxmlformats.org/drawingml/2006/main" xmlns:p="http://schemas.openxmlformats.org/presentationml/2006/main" xmlns:r="http://schemas.openxmlformats.org/officeDocument/2006/relationships" xmlns:p14="http://schemas.microsoft.com/office/powerpoint/2010/main" xmlns:p15="http://schemas.microsoft.com/office/powerpoint/2012/main" xmlns:mc="http://schemas.openxmlformats.org/markup-compatibility/2006" type="twoObjOverTx" preserve="1">
+<p:sldLayout xmlns:a="http://schemas.openxmlformats.org/drawingml/2006/main" xmlns:r="http://schemas.openxmlformats.org/officeDocument/2006/relationships" xmlns:p="http://schemas.openxmlformats.org/presentationml/2006/main" type="twoObjOverTx" preserve="1">
   <p:cSld name="Title, 2 Content over Content">
     <p:spTree>
       <p:nvGrpSpPr>
@@ -2639,13 +2800,13 @@
           </a:prstGeom>
         </p:spPr>
         <p:txBody>
-          <a:bodyPr lIns="0" rIns="0" tIns="0" bIns="0" anchor="ctr">
+          <a:bodyPr lIns="0" tIns="0" rIns="0" bIns="0" anchor="ctr">
             <a:spAutoFit/>
           </a:bodyPr>
           <a:p>
             <a:pPr algn="ctr"/>
-            <a:endParaRPr b="0" lang="en-US" sz="4400" spc="-1" strike="noStrike">
-              <a:latin typeface="Arial"/>
+            <a:endParaRPr lang="en-US" sz="4400" b="0" strike="noStrike" spc="-1">
+              <a:latin typeface="Arial" panose="020B0604020202020204"/>
             </a:endParaRPr>
           </a:p>
         </p:txBody>
@@ -2670,12 +2831,12 @@
           </a:prstGeom>
         </p:spPr>
         <p:txBody>
-          <a:bodyPr lIns="0" rIns="0" tIns="0" bIns="0">
+          <a:bodyPr lIns="0" tIns="0" rIns="0" bIns="0">
             <a:spAutoFit/>
           </a:bodyPr>
           <a:p>
-            <a:endParaRPr b="0" lang="en-US" sz="3200" spc="-1" strike="noStrike">
-              <a:latin typeface="Arial"/>
+            <a:endParaRPr lang="en-US" sz="3200" b="0" strike="noStrike" spc="-1">
+              <a:latin typeface="Arial" panose="020B0604020202020204"/>
             </a:endParaRPr>
           </a:p>
         </p:txBody>
@@ -2700,12 +2861,12 @@
           </a:prstGeom>
         </p:spPr>
         <p:txBody>
-          <a:bodyPr lIns="0" rIns="0" tIns="0" bIns="0">
+          <a:bodyPr lIns="0" tIns="0" rIns="0" bIns="0">
             <a:spAutoFit/>
           </a:bodyPr>
           <a:p>
-            <a:endParaRPr b="0" lang="en-US" sz="3200" spc="-1" strike="noStrike">
-              <a:latin typeface="Arial"/>
+            <a:endParaRPr lang="en-US" sz="3200" b="0" strike="noStrike" spc="-1">
+              <a:latin typeface="Arial" panose="020B0604020202020204"/>
             </a:endParaRPr>
           </a:p>
         </p:txBody>
@@ -2730,24 +2891,32 @@
           </a:prstGeom>
         </p:spPr>
         <p:txBody>
-          <a:bodyPr lIns="0" rIns="0" tIns="0" bIns="0">
+          <a:bodyPr lIns="0" tIns="0" rIns="0" bIns="0">
             <a:spAutoFit/>
           </a:bodyPr>
           <a:p>
-            <a:endParaRPr b="0" lang="en-US" sz="3200" spc="-1" strike="noStrike">
-              <a:latin typeface="Arial"/>
+            <a:endParaRPr lang="en-US" sz="3200" b="0" strike="noStrike" spc="-1">
+              <a:latin typeface="Arial" panose="020B0604020202020204"/>
             </a:endParaRPr>
           </a:p>
         </p:txBody>
       </p:sp>
     </p:spTree>
   </p:cSld>
+  <p:clrMapOvr>
+    <a:masterClrMapping/>
+  </p:clrMapOvr>
 </p:sldLayout>
 </file>
 
 <file path=ppt/slideMasters/slideMaster1.xml><?xml version="1.0" encoding="utf-8"?>
-<p:sldMaster xmlns:a="http://schemas.openxmlformats.org/drawingml/2006/main" xmlns:p="http://schemas.openxmlformats.org/presentationml/2006/main" xmlns:r="http://schemas.openxmlformats.org/officeDocument/2006/relationships" xmlns:p14="http://schemas.microsoft.com/office/powerpoint/2010/main" xmlns:p15="http://schemas.microsoft.com/office/powerpoint/2012/main" xmlns:mc="http://schemas.openxmlformats.org/markup-compatibility/2006">
+<p:sldMaster xmlns:a="http://schemas.openxmlformats.org/drawingml/2006/main" xmlns:r="http://schemas.openxmlformats.org/officeDocument/2006/relationships" xmlns:p="http://schemas.openxmlformats.org/presentationml/2006/main">
   <p:cSld>
+    <p:bg>
+      <p:bgRef idx="1001">
+        <a:schemeClr val="bg1"/>
+      </p:bgRef>
+    </p:bg>
     <p:spTree>
       <p:nvGrpSpPr>
         <p:cNvPr id="1" name=""/>
@@ -2782,26 +2951,26 @@
           </a:prstGeom>
         </p:spPr>
         <p:txBody>
-          <a:bodyPr lIns="0" rIns="0" tIns="0" bIns="0" anchor="ctr">
+          <a:bodyPr lIns="0" tIns="0" rIns="0" bIns="0" anchor="ctr">
             <a:noAutofit/>
           </a:bodyPr>
           <a:p>
             <a:pPr algn="ctr"/>
             <a:r>
-              <a:rPr b="0" lang="en-US" sz="4400" spc="-1" strike="noStrike">
-                <a:latin typeface="Arial"/>
+              <a:rPr lang="en-US" sz="4400" b="0" strike="noStrike" spc="-1">
+                <a:latin typeface="Arial" panose="020B0604020202020204"/>
               </a:rPr>
               <a:t>Click to edit the title text format</a:t>
             </a:r>
-            <a:endParaRPr b="0" lang="en-US" sz="4400" spc="-1" strike="noStrike">
-              <a:latin typeface="Arial"/>
-            </a:endParaRPr>
-          </a:p>
-        </p:txBody>
-      </p:sp>
-      <p:sp>
-        <p:nvSpPr>
-          <p:cNvPr id="1" name="PlaceHolder 2"/>
+            <a:endParaRPr lang="en-US" sz="4400" b="0" strike="noStrike" spc="-1">
+              <a:latin typeface="Arial" panose="020B0604020202020204"/>
+            </a:endParaRPr>
+          </a:p>
+        </p:txBody>
+      </p:sp>
+      <p:sp>
+        <p:nvSpPr>
+          <p:cNvPr id="2" name="PlaceHolder 2"/>
           <p:cNvSpPr>
             <a:spLocks noGrp="1"/>
           </p:cNvSpPr>
@@ -2819,55 +2988,55 @@
           </a:prstGeom>
         </p:spPr>
         <p:txBody>
-          <a:bodyPr lIns="0" rIns="0" tIns="0" bIns="0">
+          <a:bodyPr lIns="0" tIns="0" rIns="0" bIns="0">
             <a:spAutoFit/>
           </a:bodyPr>
           <a:p>
-            <a:pPr marL="432000" indent="-324000">
+            <a:pPr marL="431800" indent="-323850">
               <a:spcAft>
-                <a:spcPts val="1417"/>
+                <a:spcPts val="1415"/>
               </a:spcAft>
               <a:buClr>
                 <a:srgbClr val="000000"/>
               </a:buClr>
               <a:buSzPct val="45000"/>
-              <a:buFont typeface="Wingdings" charset="2"/>
+              <a:buFont typeface="Wingdings" panose="05000000000000000000" pitchFamily="2" charset="2"/>
               <a:buChar char=""/>
             </a:pPr>
             <a:r>
-              <a:rPr b="0" lang="en-US" sz="3200" spc="-1" strike="noStrike">
-                <a:latin typeface="Arial"/>
+              <a:rPr lang="en-US" sz="3200" b="0" strike="noStrike" spc="-1">
+                <a:latin typeface="Arial" panose="020B0604020202020204"/>
               </a:rPr>
               <a:t>Click to edit the outline text format</a:t>
             </a:r>
-            <a:endParaRPr b="0" lang="en-US" sz="3200" spc="-1" strike="noStrike">
-              <a:latin typeface="Arial"/>
-            </a:endParaRPr>
-          </a:p>
-          <a:p>
-            <a:pPr lvl="1" marL="864000" indent="-324000">
+            <a:endParaRPr lang="en-US" sz="3200" b="0" strike="noStrike" spc="-1">
+              <a:latin typeface="Arial" panose="020B0604020202020204"/>
+            </a:endParaRPr>
+          </a:p>
+          <a:p>
+            <a:pPr marL="864235" lvl="1" indent="-323850">
               <a:spcAft>
-                <a:spcPts val="1134"/>
+                <a:spcPts val="1135"/>
               </a:spcAft>
               <a:buClr>
                 <a:srgbClr val="000000"/>
               </a:buClr>
               <a:buSzPct val="75000"/>
-              <a:buFont typeface="Symbol" charset="2"/>
+              <a:buFont typeface="Symbol" panose="05050102010706020507" charset="2"/>
               <a:buChar char=""/>
             </a:pPr>
             <a:r>
-              <a:rPr b="0" lang="en-US" sz="2800" spc="-1" strike="noStrike">
-                <a:latin typeface="Arial"/>
+              <a:rPr lang="en-US" sz="2800" b="0" strike="noStrike" spc="-1">
+                <a:latin typeface="Arial" panose="020B0604020202020204"/>
               </a:rPr>
               <a:t>Second Outline Level</a:t>
             </a:r>
-            <a:endParaRPr b="0" lang="en-US" sz="2800" spc="-1" strike="noStrike">
-              <a:latin typeface="Arial"/>
-            </a:endParaRPr>
-          </a:p>
-          <a:p>
-            <a:pPr lvl="2" marL="1296000" indent="-288000">
+            <a:endParaRPr lang="en-US" sz="2800" b="0" strike="noStrike" spc="-1">
+              <a:latin typeface="Arial" panose="020B0604020202020204"/>
+            </a:endParaRPr>
+          </a:p>
+          <a:p>
+            <a:pPr marL="1296035" lvl="2" indent="-288290">
               <a:spcAft>
                 <a:spcPts val="850"/>
               </a:spcAft>
@@ -2875,112 +3044,112 @@
                 <a:srgbClr val="000000"/>
               </a:buClr>
               <a:buSzPct val="45000"/>
-              <a:buFont typeface="Wingdings" charset="2"/>
+              <a:buFont typeface="Wingdings" panose="05000000000000000000" pitchFamily="2" charset="2"/>
               <a:buChar char=""/>
             </a:pPr>
             <a:r>
-              <a:rPr b="0" lang="en-US" sz="2400" spc="-1" strike="noStrike">
-                <a:latin typeface="Arial"/>
+              <a:rPr lang="en-US" sz="2400" b="0" strike="noStrike" spc="-1">
+                <a:latin typeface="Arial" panose="020B0604020202020204"/>
               </a:rPr>
               <a:t>Third Outline Level</a:t>
             </a:r>
-            <a:endParaRPr b="0" lang="en-US" sz="2400" spc="-1" strike="noStrike">
-              <a:latin typeface="Arial"/>
-            </a:endParaRPr>
-          </a:p>
-          <a:p>
-            <a:pPr lvl="3" marL="1728000" indent="-216000">
+            <a:endParaRPr lang="en-US" sz="2400" b="0" strike="noStrike" spc="-1">
+              <a:latin typeface="Arial" panose="020B0604020202020204"/>
+            </a:endParaRPr>
+          </a:p>
+          <a:p>
+            <a:pPr marL="1727835" lvl="3" indent="-215900">
               <a:spcAft>
-                <a:spcPts val="567"/>
+                <a:spcPts val="565"/>
               </a:spcAft>
               <a:buClr>
                 <a:srgbClr val="000000"/>
               </a:buClr>
               <a:buSzPct val="75000"/>
-              <a:buFont typeface="Symbol" charset="2"/>
+              <a:buFont typeface="Symbol" panose="05050102010706020507" charset="2"/>
               <a:buChar char=""/>
             </a:pPr>
             <a:r>
-              <a:rPr b="0" lang="en-US" sz="2000" spc="-1" strike="noStrike">
-                <a:latin typeface="Arial"/>
+              <a:rPr lang="en-US" sz="2000" b="0" strike="noStrike" spc="-1">
+                <a:latin typeface="Arial" panose="020B0604020202020204"/>
               </a:rPr>
               <a:t>Fourth Outline Level</a:t>
             </a:r>
-            <a:endParaRPr b="0" lang="en-US" sz="2000" spc="-1" strike="noStrike">
-              <a:latin typeface="Arial"/>
-            </a:endParaRPr>
-          </a:p>
-          <a:p>
-            <a:pPr lvl="4" marL="2160000" indent="-216000">
+            <a:endParaRPr lang="en-US" sz="2000" b="0" strike="noStrike" spc="-1">
+              <a:latin typeface="Arial" panose="020B0604020202020204"/>
+            </a:endParaRPr>
+          </a:p>
+          <a:p>
+            <a:pPr marL="2160270" lvl="4" indent="-215900">
               <a:spcAft>
-                <a:spcPts val="283"/>
+                <a:spcPts val="285"/>
               </a:spcAft>
               <a:buClr>
                 <a:srgbClr val="000000"/>
               </a:buClr>
               <a:buSzPct val="45000"/>
-              <a:buFont typeface="Wingdings" charset="2"/>
+              <a:buFont typeface="Wingdings" panose="05000000000000000000" pitchFamily="2" charset="2"/>
               <a:buChar char=""/>
             </a:pPr>
             <a:r>
-              <a:rPr b="0" lang="en-US" sz="2000" spc="-1" strike="noStrike">
-                <a:latin typeface="Arial"/>
+              <a:rPr lang="en-US" sz="2000" b="0" strike="noStrike" spc="-1">
+                <a:latin typeface="Arial" panose="020B0604020202020204"/>
               </a:rPr>
               <a:t>Fifth Outline Level</a:t>
             </a:r>
-            <a:endParaRPr b="0" lang="en-US" sz="2000" spc="-1" strike="noStrike">
-              <a:latin typeface="Arial"/>
-            </a:endParaRPr>
-          </a:p>
-          <a:p>
-            <a:pPr lvl="5" marL="2592000" indent="-216000">
+            <a:endParaRPr lang="en-US" sz="2000" b="0" strike="noStrike" spc="-1">
+              <a:latin typeface="Arial" panose="020B0604020202020204"/>
+            </a:endParaRPr>
+          </a:p>
+          <a:p>
+            <a:pPr marL="2592070" lvl="5" indent="-215900">
               <a:spcAft>
-                <a:spcPts val="283"/>
+                <a:spcPts val="285"/>
               </a:spcAft>
               <a:buClr>
                 <a:srgbClr val="000000"/>
               </a:buClr>
               <a:buSzPct val="45000"/>
-              <a:buFont typeface="Wingdings" charset="2"/>
+              <a:buFont typeface="Wingdings" panose="05000000000000000000" pitchFamily="2" charset="2"/>
               <a:buChar char=""/>
             </a:pPr>
             <a:r>
-              <a:rPr b="0" lang="en-US" sz="2000" spc="-1" strike="noStrike">
-                <a:latin typeface="Arial"/>
+              <a:rPr lang="en-US" sz="2000" b="0" strike="noStrike" spc="-1">
+                <a:latin typeface="Arial" panose="020B0604020202020204"/>
               </a:rPr>
               <a:t>Sixth Outline Level</a:t>
             </a:r>
-            <a:endParaRPr b="0" lang="en-US" sz="2000" spc="-1" strike="noStrike">
-              <a:latin typeface="Arial"/>
-            </a:endParaRPr>
-          </a:p>
-          <a:p>
-            <a:pPr lvl="6" marL="3024000" indent="-216000">
+            <a:endParaRPr lang="en-US" sz="2000" b="0" strike="noStrike" spc="-1">
+              <a:latin typeface="Arial" panose="020B0604020202020204"/>
+            </a:endParaRPr>
+          </a:p>
+          <a:p>
+            <a:pPr marL="3023870" lvl="6" indent="-215900">
               <a:spcAft>
-                <a:spcPts val="283"/>
+                <a:spcPts val="285"/>
               </a:spcAft>
               <a:buClr>
                 <a:srgbClr val="000000"/>
               </a:buClr>
               <a:buSzPct val="45000"/>
-              <a:buFont typeface="Wingdings" charset="2"/>
+              <a:buFont typeface="Wingdings" panose="05000000000000000000" pitchFamily="2" charset="2"/>
               <a:buChar char=""/>
             </a:pPr>
             <a:r>
-              <a:rPr b="0" lang="en-US" sz="2000" spc="-1" strike="noStrike">
-                <a:latin typeface="Arial"/>
+              <a:rPr lang="en-US" sz="2000" b="0" strike="noStrike" spc="-1">
+                <a:latin typeface="Arial" panose="020B0604020202020204"/>
               </a:rPr>
               <a:t>Seventh Outline Level</a:t>
             </a:r>
-            <a:endParaRPr b="0" lang="en-US" sz="2000" spc="-1" strike="noStrike">
-              <a:latin typeface="Arial"/>
-            </a:endParaRPr>
-          </a:p>
-        </p:txBody>
-      </p:sp>
-      <p:sp>
-        <p:nvSpPr>
-          <p:cNvPr id="2" name="PlaceHolder 3"/>
+            <a:endParaRPr lang="en-US" sz="2000" b="0" strike="noStrike" spc="-1">
+              <a:latin typeface="Arial" panose="020B0604020202020204"/>
+            </a:endParaRPr>
+          </a:p>
+        </p:txBody>
+      </p:sp>
+      <p:sp>
+        <p:nvSpPr>
+          <p:cNvPr id="3" name="PlaceHolder 3"/>
           <p:cNvSpPr>
             <a:spLocks noGrp="1"/>
           </p:cNvSpPr>
@@ -2998,25 +3167,25 @@
           </a:prstGeom>
         </p:spPr>
         <p:txBody>
-          <a:bodyPr lIns="0" rIns="0" tIns="0" bIns="0">
+          <a:bodyPr lIns="0" tIns="0" rIns="0" bIns="0">
             <a:noAutofit/>
           </a:bodyPr>
           <a:p>
             <a:r>
-              <a:rPr b="0" lang="en-US" sz="1400" spc="-1" strike="noStrike">
-                <a:latin typeface="Times New Roman"/>
+              <a:rPr lang="en-US" sz="1400" b="0" strike="noStrike" spc="-1">
+                <a:latin typeface="Times New Roman" panose="02020603050405020304"/>
               </a:rPr>
               <a:t>&lt;date/time&gt;</a:t>
             </a:r>
-            <a:endParaRPr b="0" lang="en-US" sz="1400" spc="-1" strike="noStrike">
-              <a:latin typeface="Times New Roman"/>
-            </a:endParaRPr>
-          </a:p>
-        </p:txBody>
-      </p:sp>
-      <p:sp>
-        <p:nvSpPr>
-          <p:cNvPr id="3" name="PlaceHolder 4"/>
+            <a:endParaRPr lang="en-US" sz="1400" b="0" strike="noStrike" spc="-1">
+              <a:latin typeface="Times New Roman" panose="02020603050405020304"/>
+            </a:endParaRPr>
+          </a:p>
+        </p:txBody>
+      </p:sp>
+      <p:sp>
+        <p:nvSpPr>
+          <p:cNvPr id="4" name="PlaceHolder 4"/>
           <p:cNvSpPr>
             <a:spLocks noGrp="1"/>
           </p:cNvSpPr>
@@ -3034,26 +3203,26 @@
           </a:prstGeom>
         </p:spPr>
         <p:txBody>
-          <a:bodyPr lIns="0" rIns="0" tIns="0" bIns="0">
+          <a:bodyPr lIns="0" tIns="0" rIns="0" bIns="0">
             <a:noAutofit/>
           </a:bodyPr>
           <a:p>
             <a:pPr algn="ctr"/>
             <a:r>
-              <a:rPr b="0" lang="en-US" sz="1400" spc="-1" strike="noStrike">
-                <a:latin typeface="Times New Roman"/>
+              <a:rPr lang="en-US" sz="1400" b="0" strike="noStrike" spc="-1">
+                <a:latin typeface="Times New Roman" panose="02020603050405020304"/>
               </a:rPr>
               <a:t>&lt;footer&gt;</a:t>
             </a:r>
-            <a:endParaRPr b="0" lang="en-US" sz="1400" spc="-1" strike="noStrike">
-              <a:latin typeface="Times New Roman"/>
-            </a:endParaRPr>
-          </a:p>
-        </p:txBody>
-      </p:sp>
-      <p:sp>
-        <p:nvSpPr>
-          <p:cNvPr id="4" name="PlaceHolder 5"/>
+            <a:endParaRPr lang="en-US" sz="1400" b="0" strike="noStrike" spc="-1">
+              <a:latin typeface="Times New Roman" panose="02020603050405020304"/>
+            </a:endParaRPr>
+          </a:p>
+        </p:txBody>
+      </p:sp>
+      <p:sp>
+        <p:nvSpPr>
+          <p:cNvPr id="5" name="PlaceHolder 5"/>
           <p:cNvSpPr>
             <a:spLocks noGrp="1"/>
           </p:cNvSpPr>
@@ -3071,51 +3240,56 @@
           </a:prstGeom>
         </p:spPr>
         <p:txBody>
-          <a:bodyPr lIns="0" rIns="0" tIns="0" bIns="0">
+          <a:bodyPr lIns="0" tIns="0" rIns="0" bIns="0">
             <a:noAutofit/>
           </a:bodyPr>
           <a:p>
             <a:pPr algn="r"/>
             <a:fld id="{F72372F0-3CE8-474A-B77D-FE0A81D7571C}" type="slidenum">
-              <a:rPr b="0" lang="en-US" sz="1400" spc="-1" strike="noStrike">
-                <a:latin typeface="Times New Roman"/>
-              </a:rPr>
-              <a:t>&lt;number&gt;</a:t>
+              <a:rPr lang="en-US" sz="1400" b="0" strike="noStrike" spc="-1">
+                <a:latin typeface="Times New Roman" panose="02020603050405020304"/>
+              </a:rPr>
             </a:fld>
-            <a:endParaRPr b="0" lang="en-US" sz="1400" spc="-1" strike="noStrike">
-              <a:latin typeface="Times New Roman"/>
+            <a:endParaRPr lang="en-US" sz="1400" b="0" strike="noStrike" spc="-1">
+              <a:latin typeface="Times New Roman" panose="02020603050405020304"/>
             </a:endParaRPr>
           </a:p>
         </p:txBody>
       </p:sp>
     </p:spTree>
   </p:cSld>
-  <p:clrMap bg1="lt1" bg2="lt2" tx1="dk1" tx2="dk2" accent1="accent1" accent2="accent2" accent3="accent3" accent4="accent4" accent5="accent5" accent6="accent6" hlink="hlink" folHlink="folHlink"/>
+  <p:clrMap bg1="lt1" tx1="dk1" bg2="lt2" tx2="dk2" accent1="accent1" accent2="accent2" accent3="accent3" accent4="accent4" accent5="accent5" accent6="accent6" hlink="hlink" folHlink="folHlink"/>
   <p:sldLayoutIdLst>
-    <p:sldLayoutId id="2147483649" r:id="rId2"/>
-    <p:sldLayoutId id="2147483650" r:id="rId3"/>
-    <p:sldLayoutId id="2147483651" r:id="rId4"/>
-    <p:sldLayoutId id="2147483652" r:id="rId5"/>
-    <p:sldLayoutId id="2147483653" r:id="rId6"/>
-    <p:sldLayoutId id="2147483654" r:id="rId7"/>
-    <p:sldLayoutId id="2147483655" r:id="rId8"/>
-    <p:sldLayoutId id="2147483656" r:id="rId9"/>
-    <p:sldLayoutId id="2147483657" r:id="rId10"/>
-    <p:sldLayoutId id="2147483658" r:id="rId11"/>
-    <p:sldLayoutId id="2147483659" r:id="rId12"/>
-    <p:sldLayoutId id="2147483660" r:id="rId13"/>
+    <p:sldLayoutId id="2147483649" r:id="rId1"/>
+    <p:sldLayoutId id="2147483650" r:id="rId2"/>
+    <p:sldLayoutId id="2147483651" r:id="rId3"/>
+    <p:sldLayoutId id="2147483652" r:id="rId4"/>
+    <p:sldLayoutId id="2147483653" r:id="rId5"/>
+    <p:sldLayoutId id="2147483654" r:id="rId6"/>
+    <p:sldLayoutId id="2147483655" r:id="rId7"/>
+    <p:sldLayoutId id="2147483656" r:id="rId8"/>
+    <p:sldLayoutId id="2147483657" r:id="rId9"/>
+    <p:sldLayoutId id="2147483658" r:id="rId10"/>
+    <p:sldLayoutId id="2147483659" r:id="rId11"/>
+    <p:sldLayoutId id="2147483660" r:id="rId12"/>
   </p:sldLayoutIdLst>
+  <p:txStyles>
+    <p:titleStyle/>
+    <p:bodyStyle/>
+    <p:otherStyle/>
+  </p:txStyles>
 </p:sldMaster>
 </file>
 
 <file path=ppt/slideMasters/slideMaster2.xml><?xml version="1.0" encoding="utf-8"?>
-<p:sldMaster xmlns:a="http://schemas.openxmlformats.org/drawingml/2006/main" xmlns:p="http://schemas.openxmlformats.org/presentationml/2006/main" xmlns:r="http://schemas.openxmlformats.org/officeDocument/2006/relationships" xmlns:p14="http://schemas.microsoft.com/office/powerpoint/2010/main" xmlns:p15="http://schemas.microsoft.com/office/powerpoint/2012/main" xmlns:mc="http://schemas.openxmlformats.org/markup-compatibility/2006">
+<p:sldMaster xmlns:a="http://schemas.openxmlformats.org/drawingml/2006/main" xmlns:r="http://schemas.openxmlformats.org/officeDocument/2006/relationships" xmlns:p="http://schemas.openxmlformats.org/presentationml/2006/main">
   <p:cSld>
     <p:bg>
       <p:bgPr>
         <a:solidFill>
-          <a:srgbClr val="ffffff"/>
+          <a:srgbClr val="FFFFFF"/>
         </a:solidFill>
+        <a:effectLst/>
       </p:bgPr>
     </p:bg>
     <p:spTree>
@@ -3152,12 +3326,12 @@
           </a:prstGeom>
         </p:spPr>
         <p:txBody>
-          <a:bodyPr lIns="0" rIns="0" tIns="0" bIns="0">
+          <a:bodyPr lIns="0" tIns="0" rIns="0" bIns="0">
             <a:noAutofit/>
           </a:bodyPr>
           <a:p>
-            <a:endParaRPr b="0" lang="en-US" sz="2400" spc="-1" strike="noStrike">
-              <a:latin typeface="Times New Roman"/>
+            <a:endParaRPr lang="en-US" sz="2400" b="0" strike="noStrike" spc="-1">
+              <a:latin typeface="Times New Roman" panose="02020603050405020304"/>
             </a:endParaRPr>
           </a:p>
         </p:txBody>
@@ -3182,12 +3356,12 @@
           </a:prstGeom>
         </p:spPr>
         <p:txBody>
-          <a:bodyPr lIns="0" rIns="0" tIns="0" bIns="0" anchorCtr="1">
+          <a:bodyPr lIns="0" tIns="0" rIns="0" bIns="0" anchorCtr="1">
             <a:noAutofit/>
           </a:bodyPr>
           <a:p>
-            <a:endParaRPr b="0" lang="en-US" sz="2400" spc="-1" strike="noStrike">
-              <a:latin typeface="Times New Roman"/>
+            <a:endParaRPr lang="en-US" sz="2400" b="0" strike="noStrike" spc="-1">
+              <a:latin typeface="Times New Roman" panose="02020603050405020304"/>
             </a:endParaRPr>
           </a:p>
         </p:txBody>
@@ -3212,7 +3386,7 @@
           </a:prstGeom>
         </p:spPr>
         <p:txBody>
-          <a:bodyPr lIns="0" rIns="0" tIns="0" bIns="0">
+          <a:bodyPr lIns="0" tIns="0" rIns="0" bIns="0">
             <a:noAutofit/>
           </a:bodyPr>
           <a:p>
@@ -3222,17 +3396,16 @@
               </a:lnSpc>
             </a:pPr>
             <a:fld id="{45C93FE2-4B31-4AD6-A661-54CB4469ABE2}" type="slidenum">
-              <a:rPr b="0" lang="en-US" sz="1400" spc="-1" strike="noStrike">
+              <a:rPr lang="en-US" sz="1400" b="0" strike="noStrike" spc="-1">
                 <a:solidFill>
                   <a:srgbClr val="000000"/>
                 </a:solidFill>
-                <a:latin typeface="Times New Roman"/>
-                <a:ea typeface="Lucida Sans Unicode"/>
-              </a:rPr>
-              <a:t>&lt;number&gt;</a:t>
+                <a:latin typeface="Times New Roman" panose="02020603050405020304"/>
+                <a:ea typeface="Lucida Sans Unicode" panose="020B0602030504020204"/>
+              </a:rPr>
             </a:fld>
-            <a:endParaRPr b="0" lang="en-US" sz="1400" spc="-1" strike="noStrike">
-              <a:latin typeface="Times New Roman"/>
+            <a:endParaRPr lang="en-US" sz="1400" b="0" strike="noStrike" spc="-1">
+              <a:latin typeface="Times New Roman" panose="02020603050405020304"/>
             </a:endParaRPr>
           </a:p>
         </p:txBody>
@@ -3257,19 +3430,19 @@
           </a:prstGeom>
         </p:spPr>
         <p:txBody>
-          <a:bodyPr lIns="0" rIns="0" tIns="0" bIns="0" anchor="ctr">
+          <a:bodyPr lIns="0" tIns="0" rIns="0" bIns="0" anchor="ctr">
             <a:noAutofit/>
           </a:bodyPr>
           <a:p>
             <a:pPr algn="ctr"/>
             <a:r>
-              <a:rPr b="0" lang="en-US" sz="4400" spc="-1" strike="noStrike">
-                <a:latin typeface="Arial"/>
+              <a:rPr lang="en-US" sz="4400" b="0" strike="noStrike" spc="-1">
+                <a:latin typeface="Arial" panose="020B0604020202020204"/>
               </a:rPr>
               <a:t>Click to edit the title text format</a:t>
             </a:r>
-            <a:endParaRPr b="0" lang="en-US" sz="4400" spc="-1" strike="noStrike">
-              <a:latin typeface="Arial"/>
+            <a:endParaRPr lang="en-US" sz="4400" b="0" strike="noStrike" spc="-1">
+              <a:latin typeface="Arial" panose="020B0604020202020204"/>
             </a:endParaRPr>
           </a:p>
         </p:txBody>
@@ -3294,55 +3467,55 @@
           </a:prstGeom>
         </p:spPr>
         <p:txBody>
-          <a:bodyPr lIns="0" rIns="0" tIns="0" bIns="0">
+          <a:bodyPr lIns="0" tIns="0" rIns="0" bIns="0">
             <a:spAutoFit/>
           </a:bodyPr>
           <a:p>
-            <a:pPr marL="432000" indent="-324000">
+            <a:pPr marL="431800" indent="-323850">
               <a:spcAft>
-                <a:spcPts val="1417"/>
+                <a:spcPts val="1415"/>
               </a:spcAft>
               <a:buClr>
                 <a:srgbClr val="000000"/>
               </a:buClr>
               <a:buSzPct val="45000"/>
-              <a:buFont typeface="Wingdings" charset="2"/>
+              <a:buFont typeface="Wingdings" panose="05000000000000000000" pitchFamily="2" charset="2"/>
               <a:buChar char=""/>
             </a:pPr>
             <a:r>
-              <a:rPr b="0" lang="en-US" sz="3200" spc="-1" strike="noStrike">
-                <a:latin typeface="Arial"/>
+              <a:rPr lang="en-US" sz="3200" b="0" strike="noStrike" spc="-1">
+                <a:latin typeface="Arial" panose="020B0604020202020204"/>
               </a:rPr>
               <a:t>Click to edit the outline text format</a:t>
             </a:r>
-            <a:endParaRPr b="0" lang="en-US" sz="3200" spc="-1" strike="noStrike">
-              <a:latin typeface="Arial"/>
-            </a:endParaRPr>
-          </a:p>
-          <a:p>
-            <a:pPr lvl="1" marL="864000" indent="-324000">
+            <a:endParaRPr lang="en-US" sz="3200" b="0" strike="noStrike" spc="-1">
+              <a:latin typeface="Arial" panose="020B0604020202020204"/>
+            </a:endParaRPr>
+          </a:p>
+          <a:p>
+            <a:pPr marL="864235" lvl="1" indent="-323850">
               <a:spcAft>
-                <a:spcPts val="1134"/>
+                <a:spcPts val="1135"/>
               </a:spcAft>
               <a:buClr>
                 <a:srgbClr val="000000"/>
               </a:buClr>
               <a:buSzPct val="75000"/>
-              <a:buFont typeface="Symbol" charset="2"/>
+              <a:buFont typeface="Symbol" panose="05050102010706020507" charset="2"/>
               <a:buChar char=""/>
             </a:pPr>
             <a:r>
-              <a:rPr b="0" lang="en-US" sz="2800" spc="-1" strike="noStrike">
-                <a:latin typeface="Arial"/>
+              <a:rPr lang="en-US" sz="2800" b="0" strike="noStrike" spc="-1">
+                <a:latin typeface="Arial" panose="020B0604020202020204"/>
               </a:rPr>
               <a:t>Second Outline Level</a:t>
             </a:r>
-            <a:endParaRPr b="0" lang="en-US" sz="2800" spc="-1" strike="noStrike">
-              <a:latin typeface="Arial"/>
-            </a:endParaRPr>
-          </a:p>
-          <a:p>
-            <a:pPr lvl="2" marL="1296000" indent="-288000">
+            <a:endParaRPr lang="en-US" sz="2800" b="0" strike="noStrike" spc="-1">
+              <a:latin typeface="Arial" panose="020B0604020202020204"/>
+            </a:endParaRPr>
+          </a:p>
+          <a:p>
+            <a:pPr marL="1296035" lvl="2" indent="-288290">
               <a:spcAft>
                 <a:spcPts val="850"/>
               </a:spcAft>
@@ -3350,131 +3523,136 @@
                 <a:srgbClr val="000000"/>
               </a:buClr>
               <a:buSzPct val="45000"/>
-              <a:buFont typeface="Wingdings" charset="2"/>
+              <a:buFont typeface="Wingdings" panose="05000000000000000000" pitchFamily="2" charset="2"/>
               <a:buChar char=""/>
             </a:pPr>
             <a:r>
-              <a:rPr b="0" lang="en-US" sz="2400" spc="-1" strike="noStrike">
-                <a:latin typeface="Arial"/>
+              <a:rPr lang="en-US" sz="2400" b="0" strike="noStrike" spc="-1">
+                <a:latin typeface="Arial" panose="020B0604020202020204"/>
               </a:rPr>
               <a:t>Third Outline Level</a:t>
             </a:r>
-            <a:endParaRPr b="0" lang="en-US" sz="2400" spc="-1" strike="noStrike">
-              <a:latin typeface="Arial"/>
-            </a:endParaRPr>
-          </a:p>
-          <a:p>
-            <a:pPr lvl="3" marL="1728000" indent="-216000">
+            <a:endParaRPr lang="en-US" sz="2400" b="0" strike="noStrike" spc="-1">
+              <a:latin typeface="Arial" panose="020B0604020202020204"/>
+            </a:endParaRPr>
+          </a:p>
+          <a:p>
+            <a:pPr marL="1727835" lvl="3" indent="-215900">
               <a:spcAft>
-                <a:spcPts val="567"/>
+                <a:spcPts val="565"/>
               </a:spcAft>
               <a:buClr>
                 <a:srgbClr val="000000"/>
               </a:buClr>
               <a:buSzPct val="75000"/>
-              <a:buFont typeface="Symbol" charset="2"/>
+              <a:buFont typeface="Symbol" panose="05050102010706020507" charset="2"/>
               <a:buChar char=""/>
             </a:pPr>
             <a:r>
-              <a:rPr b="0" lang="en-US" sz="2000" spc="-1" strike="noStrike">
-                <a:latin typeface="Arial"/>
+              <a:rPr lang="en-US" sz="2000" b="0" strike="noStrike" spc="-1">
+                <a:latin typeface="Arial" panose="020B0604020202020204"/>
               </a:rPr>
               <a:t>Fourth Outline Level</a:t>
             </a:r>
-            <a:endParaRPr b="0" lang="en-US" sz="2000" spc="-1" strike="noStrike">
-              <a:latin typeface="Arial"/>
-            </a:endParaRPr>
-          </a:p>
-          <a:p>
-            <a:pPr lvl="4" marL="2160000" indent="-216000">
+            <a:endParaRPr lang="en-US" sz="2000" b="0" strike="noStrike" spc="-1">
+              <a:latin typeface="Arial" panose="020B0604020202020204"/>
+            </a:endParaRPr>
+          </a:p>
+          <a:p>
+            <a:pPr marL="2160270" lvl="4" indent="-215900">
               <a:spcAft>
-                <a:spcPts val="283"/>
+                <a:spcPts val="285"/>
               </a:spcAft>
               <a:buClr>
                 <a:srgbClr val="000000"/>
               </a:buClr>
               <a:buSzPct val="45000"/>
-              <a:buFont typeface="Wingdings" charset="2"/>
+              <a:buFont typeface="Wingdings" panose="05000000000000000000" pitchFamily="2" charset="2"/>
               <a:buChar char=""/>
             </a:pPr>
             <a:r>
-              <a:rPr b="0" lang="en-US" sz="2000" spc="-1" strike="noStrike">
-                <a:latin typeface="Arial"/>
+              <a:rPr lang="en-US" sz="2000" b="0" strike="noStrike" spc="-1">
+                <a:latin typeface="Arial" panose="020B0604020202020204"/>
               </a:rPr>
               <a:t>Fifth Outline Level</a:t>
             </a:r>
-            <a:endParaRPr b="0" lang="en-US" sz="2000" spc="-1" strike="noStrike">
-              <a:latin typeface="Arial"/>
-            </a:endParaRPr>
-          </a:p>
-          <a:p>
-            <a:pPr lvl="5" marL="2592000" indent="-216000">
+            <a:endParaRPr lang="en-US" sz="2000" b="0" strike="noStrike" spc="-1">
+              <a:latin typeface="Arial" panose="020B0604020202020204"/>
+            </a:endParaRPr>
+          </a:p>
+          <a:p>
+            <a:pPr marL="2592070" lvl="5" indent="-215900">
               <a:spcAft>
-                <a:spcPts val="283"/>
+                <a:spcPts val="285"/>
               </a:spcAft>
               <a:buClr>
                 <a:srgbClr val="000000"/>
               </a:buClr>
               <a:buSzPct val="45000"/>
-              <a:buFont typeface="Wingdings" charset="2"/>
+              <a:buFont typeface="Wingdings" panose="05000000000000000000" pitchFamily="2" charset="2"/>
               <a:buChar char=""/>
             </a:pPr>
             <a:r>
-              <a:rPr b="0" lang="en-US" sz="2000" spc="-1" strike="noStrike">
-                <a:latin typeface="Arial"/>
+              <a:rPr lang="en-US" sz="2000" b="0" strike="noStrike" spc="-1">
+                <a:latin typeface="Arial" panose="020B0604020202020204"/>
               </a:rPr>
               <a:t>Sixth Outline Level</a:t>
             </a:r>
-            <a:endParaRPr b="0" lang="en-US" sz="2000" spc="-1" strike="noStrike">
-              <a:latin typeface="Arial"/>
-            </a:endParaRPr>
-          </a:p>
-          <a:p>
-            <a:pPr lvl="6" marL="3024000" indent="-216000">
+            <a:endParaRPr lang="en-US" sz="2000" b="0" strike="noStrike" spc="-1">
+              <a:latin typeface="Arial" panose="020B0604020202020204"/>
+            </a:endParaRPr>
+          </a:p>
+          <a:p>
+            <a:pPr marL="3023870" lvl="6" indent="-215900">
               <a:spcAft>
-                <a:spcPts val="283"/>
+                <a:spcPts val="285"/>
               </a:spcAft>
               <a:buClr>
                 <a:srgbClr val="000000"/>
               </a:buClr>
               <a:buSzPct val="45000"/>
-              <a:buFont typeface="Wingdings" charset="2"/>
+              <a:buFont typeface="Wingdings" panose="05000000000000000000" pitchFamily="2" charset="2"/>
               <a:buChar char=""/>
             </a:pPr>
             <a:r>
-              <a:rPr b="0" lang="en-US" sz="2000" spc="-1" strike="noStrike">
-                <a:latin typeface="Arial"/>
+              <a:rPr lang="en-US" sz="2000" b="0" strike="noStrike" spc="-1">
+                <a:latin typeface="Arial" panose="020B0604020202020204"/>
               </a:rPr>
               <a:t>Seventh Outline Level</a:t>
             </a:r>
-            <a:endParaRPr b="0" lang="en-US" sz="2000" spc="-1" strike="noStrike">
-              <a:latin typeface="Arial"/>
+            <a:endParaRPr lang="en-US" sz="2000" b="0" strike="noStrike" spc="-1">
+              <a:latin typeface="Arial" panose="020B0604020202020204"/>
             </a:endParaRPr>
           </a:p>
         </p:txBody>
       </p:sp>
     </p:spTree>
   </p:cSld>
-  <p:clrMap bg1="lt1" bg2="lt2" tx1="dk1" tx2="dk2" accent1="accent1" accent2="accent2" accent3="accent3" accent4="accent4" accent5="accent5" accent6="accent6" hlink="hlink" folHlink="folHlink"/>
+  <p:clrMap bg1="lt1" tx1="dk1" bg2="lt2" tx2="dk2" accent1="accent1" accent2="accent2" accent3="accent3" accent4="accent4" accent5="accent5" accent6="accent6" hlink="hlink" folHlink="folHlink"/>
   <p:sldLayoutIdLst>
-    <p:sldLayoutId id="2147483662" r:id="rId2"/>
-    <p:sldLayoutId id="2147483663" r:id="rId3"/>
-    <p:sldLayoutId id="2147483664" r:id="rId4"/>
-    <p:sldLayoutId id="2147483665" r:id="rId5"/>
-    <p:sldLayoutId id="2147483666" r:id="rId6"/>
-    <p:sldLayoutId id="2147483667" r:id="rId7"/>
-    <p:sldLayoutId id="2147483668" r:id="rId8"/>
-    <p:sldLayoutId id="2147483669" r:id="rId9"/>
-    <p:sldLayoutId id="2147483670" r:id="rId10"/>
-    <p:sldLayoutId id="2147483671" r:id="rId11"/>
-    <p:sldLayoutId id="2147483672" r:id="rId12"/>
-    <p:sldLayoutId id="2147483673" r:id="rId13"/>
+    <p:sldLayoutId id="2147483662" r:id="rId1"/>
+    <p:sldLayoutId id="2147483663" r:id="rId2"/>
+    <p:sldLayoutId id="2147483664" r:id="rId3"/>
+    <p:sldLayoutId id="2147483665" r:id="rId4"/>
+    <p:sldLayoutId id="2147483666" r:id="rId5"/>
+    <p:sldLayoutId id="2147483667" r:id="rId6"/>
+    <p:sldLayoutId id="2147483668" r:id="rId7"/>
+    <p:sldLayoutId id="2147483669" r:id="rId8"/>
+    <p:sldLayoutId id="2147483670" r:id="rId9"/>
+    <p:sldLayoutId id="2147483671" r:id="rId10"/>
+    <p:sldLayoutId id="2147483672" r:id="rId11"/>
+    <p:sldLayoutId id="2147483673" r:id="rId12"/>
   </p:sldLayoutIdLst>
+  <p:txStyles>
+    <p:titleStyle/>
+    <p:bodyStyle/>
+    <p:otherStyle/>
+  </p:txStyles>
 </p:sldMaster>
 </file>
 
 <file path=ppt/slides/slide1.xml><?xml version="1.0" encoding="utf-8"?>
-<p:sld xmlns:a="http://schemas.openxmlformats.org/drawingml/2006/main" xmlns:p="http://schemas.openxmlformats.org/presentationml/2006/main" xmlns:r="http://schemas.openxmlformats.org/officeDocument/2006/relationships" xmlns:p14="http://schemas.microsoft.com/office/powerpoint/2010/main" xmlns:p15="http://schemas.microsoft.com/office/powerpoint/2012/main" xmlns:mc="http://schemas.openxmlformats.org/markup-compatibility/2006">
+<p:sld xmlns:a="http://schemas.openxmlformats.org/drawingml/2006/main" xmlns:r="http://schemas.openxmlformats.org/officeDocument/2006/relationships" xmlns:p="http://schemas.openxmlformats.org/presentationml/2006/main">
   <p:cSld>
     <p:spTree>
       <p:nvGrpSpPr>
@@ -3510,7 +3688,7 @@
           </a:ln>
         </p:spPr>
         <p:txBody>
-          <a:bodyPr lIns="0" rIns="0" tIns="0" bIns="0" anchor="ctr" anchorCtr="1">
+          <a:bodyPr lIns="0" tIns="0" rIns="0" bIns="0" anchor="ctr" anchorCtr="1">
             <a:noAutofit/>
           </a:bodyPr>
           <a:p>
@@ -3520,17 +3698,17 @@
               </a:lnSpc>
             </a:pPr>
             <a:r>
-              <a:rPr b="0" lang="en-US" sz="4400" spc="-1" strike="noStrike">
+              <a:rPr lang="en-US" sz="4400" b="0" strike="noStrike" spc="-1">
                 <a:solidFill>
                   <a:srgbClr val="000000"/>
                 </a:solidFill>
-                <a:latin typeface="Arial"/>
-                <a:ea typeface="Microsoft YaHei"/>
+                <a:latin typeface="Arial" panose="020B0604020202020204"/>
+                <a:ea typeface="Microsoft YaHei" panose="020B0503020204020204" charset="-122"/>
               </a:rPr>
               <a:t>Java EE</a:t>
             </a:r>
-            <a:endParaRPr b="0" lang="en-US" sz="4400" spc="-1" strike="noStrike">
-              <a:latin typeface="Arial"/>
+            <a:endParaRPr lang="en-US" sz="4400" b="0" strike="noStrike" spc="-1">
+              <a:latin typeface="Arial" panose="020B0604020202020204"/>
             </a:endParaRPr>
           </a:p>
         </p:txBody>
@@ -3555,247 +3733,250 @@
           </a:ln>
         </p:spPr>
         <p:txBody>
-          <a:bodyPr lIns="0" rIns="0" tIns="0" bIns="0">
+          <a:bodyPr lIns="0" tIns="0" rIns="0" bIns="0">
             <a:noAutofit/>
           </a:bodyPr>
           <a:p>
-            <a:pPr marL="432000" indent="-324000">
+            <a:pPr marL="431800" indent="-323850">
               <a:lnSpc>
                 <a:spcPct val="100000"/>
               </a:lnSpc>
               <a:spcAft>
-                <a:spcPts val="1414"/>
+                <a:spcPts val="1415"/>
               </a:spcAft>
               <a:buClr>
                 <a:srgbClr val="000000"/>
               </a:buClr>
               <a:buSzPct val="45000"/>
-              <a:buFont typeface="Wingdings" charset="2"/>
+              <a:buFont typeface="Wingdings" panose="05000000000000000000" pitchFamily="2" charset="2"/>
               <a:buChar char=""/>
             </a:pPr>
             <a:r>
-              <a:rPr b="0" lang="en-US" sz="3200" spc="-1" strike="noStrike">
+              <a:rPr lang="en-US" sz="3200" b="0" strike="noStrike" spc="-1">
                 <a:solidFill>
                   <a:srgbClr val="000000"/>
                 </a:solidFill>
-                <a:latin typeface="Arial"/>
-                <a:ea typeface="Microsoft YaHei"/>
+                <a:latin typeface="Arial" panose="020B0604020202020204"/>
+                <a:ea typeface="Microsoft YaHei" panose="020B0503020204020204" charset="-122"/>
               </a:rPr>
               <a:t>J2EE architecture</a:t>
             </a:r>
-            <a:endParaRPr b="0" lang="en-US" sz="3200" spc="-1" strike="noStrike">
-              <a:latin typeface="Arial"/>
-            </a:endParaRPr>
-          </a:p>
-          <a:p>
-            <a:pPr marL="432000" indent="-324000">
+            <a:endParaRPr lang="en-US" sz="3200" b="0" strike="noStrike" spc="-1">
+              <a:latin typeface="Arial" panose="020B0604020202020204"/>
+            </a:endParaRPr>
+          </a:p>
+          <a:p>
+            <a:pPr marL="431800" indent="-323850">
               <a:lnSpc>
                 <a:spcPct val="100000"/>
               </a:lnSpc>
               <a:spcAft>
-                <a:spcPts val="1414"/>
+                <a:spcPts val="1415"/>
               </a:spcAft>
               <a:buClr>
                 <a:srgbClr val="000000"/>
               </a:buClr>
               <a:buSzPct val="45000"/>
-              <a:buFont typeface="Wingdings" charset="2"/>
+              <a:buFont typeface="Wingdings" panose="05000000000000000000" pitchFamily="2" charset="2"/>
               <a:buChar char=""/>
             </a:pPr>
             <a:r>
-              <a:rPr b="0" lang="en-US" sz="3200" spc="-1" strike="noStrike">
+              <a:rPr lang="en-US" sz="3200" b="0" strike="noStrike" spc="-1">
                 <a:solidFill>
                   <a:srgbClr val="000000"/>
                 </a:solidFill>
-                <a:latin typeface="Arial"/>
-                <a:ea typeface="Microsoft YaHei"/>
+                <a:latin typeface="Arial" panose="020B0604020202020204"/>
+                <a:ea typeface="Microsoft YaHei" panose="020B0503020204020204" charset="-122"/>
               </a:rPr>
               <a:t>Interceptor</a:t>
             </a:r>
-            <a:endParaRPr b="0" lang="en-US" sz="3200" spc="-1" strike="noStrike">
-              <a:latin typeface="Arial"/>
-            </a:endParaRPr>
-          </a:p>
-          <a:p>
-            <a:pPr marL="432000" indent="-324000">
+            <a:endParaRPr lang="en-US" sz="3200" b="0" strike="noStrike" spc="-1">
+              <a:latin typeface="Arial" panose="020B0604020202020204"/>
+            </a:endParaRPr>
+          </a:p>
+          <a:p>
+            <a:pPr marL="431800" indent="-323850">
               <a:lnSpc>
                 <a:spcPct val="100000"/>
               </a:lnSpc>
               <a:spcAft>
-                <a:spcPts val="1414"/>
+                <a:spcPts val="1415"/>
               </a:spcAft>
               <a:buClr>
                 <a:srgbClr val="000000"/>
               </a:buClr>
               <a:buSzPct val="45000"/>
-              <a:buFont typeface="Wingdings" charset="2"/>
+              <a:buFont typeface="Wingdings" panose="05000000000000000000" pitchFamily="2" charset="2"/>
               <a:buChar char=""/>
             </a:pPr>
             <a:r>
-              <a:rPr b="0" lang="en-US" sz="3200" spc="-1" strike="noStrike">
+              <a:rPr lang="en-US" sz="3200" b="0" strike="noStrike" spc="-1">
                 <a:solidFill>
                   <a:srgbClr val="000000"/>
                 </a:solidFill>
-                <a:latin typeface="Arial"/>
-                <a:ea typeface="Microsoft YaHei"/>
+                <a:latin typeface="Arial" panose="020B0604020202020204"/>
+                <a:ea typeface="Microsoft YaHei" panose="020B0503020204020204" charset="-122"/>
               </a:rPr>
               <a:t>Stateful vs Stateless</a:t>
             </a:r>
-            <a:endParaRPr b="0" lang="en-US" sz="3200" spc="-1" strike="noStrike">
-              <a:latin typeface="Arial"/>
-            </a:endParaRPr>
-          </a:p>
-          <a:p>
-            <a:pPr marL="432000" indent="-324000">
+            <a:endParaRPr lang="en-US" sz="3200" b="0" strike="noStrike" spc="-1">
+              <a:latin typeface="Arial" panose="020B0604020202020204"/>
+            </a:endParaRPr>
+          </a:p>
+          <a:p>
+            <a:pPr marL="431800" indent="-323850">
               <a:lnSpc>
                 <a:spcPct val="100000"/>
               </a:lnSpc>
               <a:spcAft>
-                <a:spcPts val="1414"/>
+                <a:spcPts val="1415"/>
               </a:spcAft>
               <a:buClr>
                 <a:srgbClr val="000000"/>
               </a:buClr>
               <a:buSzPct val="45000"/>
-              <a:buFont typeface="Wingdings" charset="2"/>
+              <a:buFont typeface="Wingdings" panose="05000000000000000000" pitchFamily="2" charset="2"/>
               <a:buChar char=""/>
             </a:pPr>
             <a:r>
-              <a:rPr b="0" lang="en-US" sz="3200" spc="-1" strike="noStrike">
+              <a:rPr lang="en-US" sz="3200" b="0" strike="noStrike" spc="-1">
                 <a:solidFill>
                   <a:srgbClr val="000000"/>
                 </a:solidFill>
-                <a:latin typeface="Arial"/>
-                <a:ea typeface="Microsoft YaHei"/>
+                <a:latin typeface="Arial" panose="020B0604020202020204"/>
+                <a:ea typeface="Microsoft YaHei" panose="020B0503020204020204" charset="-122"/>
               </a:rPr>
               <a:t>JPA vs Hibernate</a:t>
             </a:r>
-            <a:endParaRPr b="0" lang="en-US" sz="3200" spc="-1" strike="noStrike">
-              <a:latin typeface="Arial"/>
-            </a:endParaRPr>
-          </a:p>
-          <a:p>
-            <a:pPr marL="432000" indent="-324000">
+            <a:endParaRPr lang="en-US" sz="3200" b="0" strike="noStrike" spc="-1">
+              <a:latin typeface="Arial" panose="020B0604020202020204"/>
+            </a:endParaRPr>
+          </a:p>
+          <a:p>
+            <a:pPr marL="431800" indent="-323850">
               <a:lnSpc>
                 <a:spcPct val="100000"/>
               </a:lnSpc>
               <a:spcAft>
-                <a:spcPts val="1414"/>
+                <a:spcPts val="1415"/>
               </a:spcAft>
               <a:buClr>
                 <a:srgbClr val="000000"/>
               </a:buClr>
               <a:buSzPct val="45000"/>
-              <a:buFont typeface="Wingdings" charset="2"/>
+              <a:buFont typeface="Wingdings" panose="05000000000000000000" pitchFamily="2" charset="2"/>
               <a:buChar char=""/>
             </a:pPr>
             <a:r>
-              <a:rPr b="0" lang="en-US" sz="3200" spc="-1" strike="noStrike">
+              <a:rPr lang="en-US" sz="3200" b="0" strike="noStrike" spc="-1">
                 <a:solidFill>
                   <a:srgbClr val="000000"/>
                 </a:solidFill>
-                <a:latin typeface="Arial"/>
-                <a:ea typeface="Microsoft YaHei"/>
+                <a:latin typeface="Arial" panose="020B0604020202020204"/>
+                <a:ea typeface="Microsoft YaHei" panose="020B0503020204020204" charset="-122"/>
               </a:rPr>
               <a:t>EntityManager vs Hibernate Session</a:t>
             </a:r>
-            <a:endParaRPr b="0" lang="en-US" sz="3200" spc="-1" strike="noStrike">
-              <a:latin typeface="Arial"/>
-            </a:endParaRPr>
-          </a:p>
-          <a:p>
-            <a:pPr marL="432000" indent="-324000">
+            <a:endParaRPr lang="en-US" sz="3200" b="0" strike="noStrike" spc="-1">
+              <a:latin typeface="Arial" panose="020B0604020202020204"/>
+            </a:endParaRPr>
+          </a:p>
+          <a:p>
+            <a:pPr marL="431800" indent="-323850">
               <a:lnSpc>
                 <a:spcPct val="100000"/>
               </a:lnSpc>
               <a:spcAft>
-                <a:spcPts val="1414"/>
+                <a:spcPts val="1415"/>
               </a:spcAft>
               <a:buClr>
                 <a:srgbClr val="000000"/>
               </a:buClr>
               <a:buSzPct val="45000"/>
-              <a:buFont typeface="Wingdings" charset="2"/>
+              <a:buFont typeface="Wingdings" panose="05000000000000000000" pitchFamily="2" charset="2"/>
               <a:buChar char=""/>
             </a:pPr>
             <a:r>
-              <a:rPr b="0" lang="en-US" sz="3200" spc="-1" strike="noStrike">
+              <a:rPr lang="en-US" sz="3200" b="0" strike="noStrike" spc="-1">
                 <a:solidFill>
                   <a:srgbClr val="000000"/>
                 </a:solidFill>
-                <a:latin typeface="Arial"/>
-                <a:ea typeface="Microsoft YaHei"/>
+                <a:latin typeface="Arial" panose="020B0604020202020204"/>
+                <a:ea typeface="Microsoft YaHei" panose="020B0503020204020204" charset="-122"/>
               </a:rPr>
               <a:t>FetchType? Lazy loading vs Eager loading</a:t>
             </a:r>
-            <a:endParaRPr b="0" lang="en-US" sz="3200" spc="-1" strike="noStrike">
-              <a:latin typeface="Arial"/>
-            </a:endParaRPr>
-          </a:p>
-          <a:p>
-            <a:pPr marL="432000" indent="-324000">
+            <a:endParaRPr lang="en-US" sz="3200" b="0" strike="noStrike" spc="-1">
+              <a:latin typeface="Arial" panose="020B0604020202020204"/>
+            </a:endParaRPr>
+          </a:p>
+          <a:p>
+            <a:pPr marL="431800" indent="-323850">
               <a:lnSpc>
                 <a:spcPct val="100000"/>
               </a:lnSpc>
               <a:spcAft>
-                <a:spcPts val="1414"/>
+                <a:spcPts val="1415"/>
               </a:spcAft>
               <a:buClr>
                 <a:srgbClr val="000000"/>
               </a:buClr>
               <a:buSzPct val="45000"/>
-              <a:buFont typeface="Wingdings" charset="2"/>
+              <a:buFont typeface="Wingdings" panose="05000000000000000000" pitchFamily="2" charset="2"/>
               <a:buChar char=""/>
             </a:pPr>
             <a:r>
-              <a:rPr b="0" lang="en-US" sz="3200" spc="-1" strike="noStrike">
+              <a:rPr lang="en-US" sz="3200" b="0" strike="noStrike" spc="-1">
                 <a:solidFill>
                   <a:srgbClr val="000000"/>
                 </a:solidFill>
-                <a:latin typeface="Arial"/>
-                <a:ea typeface="Microsoft YaHei"/>
+                <a:latin typeface="Arial" panose="020B0604020202020204"/>
+                <a:ea typeface="Microsoft YaHei" panose="020B0503020204020204" charset="-122"/>
               </a:rPr>
               <a:t>Hibernate – annotation</a:t>
             </a:r>
-            <a:endParaRPr b="0" lang="en-US" sz="3200" spc="-1" strike="noStrike">
-              <a:latin typeface="Arial"/>
-            </a:endParaRPr>
-          </a:p>
-          <a:p>
-            <a:pPr marL="432000" indent="-324000">
+            <a:endParaRPr lang="en-US" sz="3200" b="0" strike="noStrike" spc="-1">
+              <a:latin typeface="Arial" panose="020B0604020202020204"/>
+            </a:endParaRPr>
+          </a:p>
+          <a:p>
+            <a:pPr marL="431800" indent="-323850">
               <a:lnSpc>
                 <a:spcPct val="100000"/>
               </a:lnSpc>
               <a:spcAft>
-                <a:spcPts val="1414"/>
+                <a:spcPts val="1415"/>
               </a:spcAft>
               <a:buClr>
                 <a:srgbClr val="000000"/>
               </a:buClr>
               <a:buSzPct val="45000"/>
-              <a:buFont typeface="Wingdings" charset="2"/>
+              <a:buFont typeface="Wingdings" panose="05000000000000000000" pitchFamily="2" charset="2"/>
               <a:buChar char=""/>
             </a:pPr>
             <a:r>
-              <a:rPr b="0" lang="en-US" sz="3200" spc="-1" strike="noStrike">
+              <a:rPr lang="en-US" sz="3200" b="0" strike="noStrike" spc="-1">
                 <a:solidFill>
                   <a:srgbClr val="000000"/>
                 </a:solidFill>
-                <a:latin typeface="Arial"/>
-                <a:ea typeface="Microsoft YaHei"/>
+                <a:latin typeface="Arial" panose="020B0604020202020204"/>
+                <a:ea typeface="Microsoft YaHei" panose="020B0503020204020204" charset="-122"/>
               </a:rPr>
               <a:t>RESTFul Web Services</a:t>
             </a:r>
-            <a:endParaRPr b="0" lang="en-US" sz="3200" spc="-1" strike="noStrike">
-              <a:latin typeface="Arial"/>
+            <a:endParaRPr lang="en-US" sz="3200" b="0" strike="noStrike" spc="-1">
+              <a:latin typeface="Arial" panose="020B0604020202020204"/>
             </a:endParaRPr>
           </a:p>
         </p:txBody>
       </p:sp>
     </p:spTree>
   </p:cSld>
-  <mc:AlternateContent>
-    <mc:Choice Requires="p14">
+  <p:clrMapOvr>
+    <a:masterClrMapping/>
+  </p:clrMapOvr>
+  <mc:AlternateContent xmlns:mc="http://schemas.openxmlformats.org/markup-compatibility/2006">
+    <mc:Choice xmlns:p14="http://schemas.microsoft.com/office/powerpoint/2010/main" Requires="p14">
       <p:transition spd="slow" p14:dur="3000"/>
     </mc:Choice>
     <mc:Fallback>
@@ -3806,7 +3987,7 @@
 </file>
 
 <file path=ppt/slides/slide10.xml><?xml version="1.0" encoding="utf-8"?>
-<p:sld xmlns:a="http://schemas.openxmlformats.org/drawingml/2006/main" xmlns:p="http://schemas.openxmlformats.org/presentationml/2006/main" xmlns:r="http://schemas.openxmlformats.org/officeDocument/2006/relationships" xmlns:p14="http://schemas.microsoft.com/office/powerpoint/2010/main" xmlns:p15="http://schemas.microsoft.com/office/powerpoint/2012/main" xmlns:mc="http://schemas.openxmlformats.org/markup-compatibility/2006">
+<p:sld xmlns:a="http://schemas.openxmlformats.org/drawingml/2006/main" xmlns:r="http://schemas.openxmlformats.org/officeDocument/2006/relationships" xmlns:p="http://schemas.openxmlformats.org/presentationml/2006/main">
   <p:cSld>
     <p:spTree>
       <p:nvGrpSpPr>
@@ -3842,7 +4023,7 @@
           </a:ln>
         </p:spPr>
         <p:txBody>
-          <a:bodyPr lIns="0" rIns="0" tIns="0" bIns="0" anchor="ctr" anchorCtr="1">
+          <a:bodyPr lIns="0" tIns="0" rIns="0" bIns="0" anchor="ctr" anchorCtr="1">
             <a:noAutofit/>
           </a:bodyPr>
           <a:p>
@@ -3852,17 +4033,17 @@
               </a:lnSpc>
             </a:pPr>
             <a:r>
-              <a:rPr b="0" lang="en-US" sz="4400" spc="-1" strike="noStrike">
+              <a:rPr lang="en-US" sz="4400" b="0" strike="noStrike" spc="-1">
                 <a:solidFill>
                   <a:srgbClr val="000000"/>
                 </a:solidFill>
-                <a:latin typeface="Arial"/>
-                <a:ea typeface="Microsoft YaHei"/>
+                <a:latin typeface="Arial" panose="020B0604020202020204"/>
+                <a:ea typeface="Microsoft YaHei" panose="020B0503020204020204" charset="-122"/>
               </a:rPr>
               <a:t>Hibernate</a:t>
             </a:r>
-            <a:endParaRPr b="0" lang="en-US" sz="4400" spc="-1" strike="noStrike">
-              <a:latin typeface="Arial"/>
+            <a:endParaRPr lang="en-US" sz="4400" b="0" strike="noStrike" spc="-1">
+              <a:latin typeface="Arial" panose="020B0604020202020204"/>
             </a:endParaRPr>
           </a:p>
         </p:txBody>
@@ -3887,49 +4068,51 @@
           </a:ln>
         </p:spPr>
         <p:txBody>
-          <a:bodyPr lIns="0" rIns="0" tIns="0" bIns="0">
+          <a:bodyPr lIns="0" tIns="0" rIns="0" bIns="0">
             <a:noAutofit/>
           </a:bodyPr>
           <a:p>
-            <a:pPr marL="432000" indent="-324000">
+            <a:pPr marL="431800" indent="-323850">
               <a:lnSpc>
                 <a:spcPct val="100000"/>
               </a:lnSpc>
               <a:spcAft>
-                <a:spcPts val="1414"/>
+                <a:spcPts val="1415"/>
               </a:spcAft>
               <a:buClr>
                 <a:srgbClr val="000000"/>
               </a:buClr>
               <a:buSzPct val="45000"/>
-              <a:buFont typeface="Wingdings" charset="2"/>
+              <a:buFont typeface="Wingdings" panose="05000000000000000000" pitchFamily="2" charset="2"/>
               <a:buChar char=""/>
             </a:pPr>
             <a:r>
-              <a:rPr b="0" lang="en-US" sz="3200" spc="-1" strike="noStrike">
+              <a:rPr lang="en-US" sz="3200" b="0" strike="noStrike" spc="-1">
                 <a:solidFill>
                   <a:srgbClr val="000000"/>
                 </a:solidFill>
-                <a:latin typeface="Arial"/>
-                <a:ea typeface="Microsoft YaHei"/>
+                <a:latin typeface="Arial" panose="020B0604020202020204"/>
+                <a:ea typeface="Microsoft YaHei" panose="020B0503020204020204" charset="-122"/>
               </a:rPr>
               <a:t>Ngoài Hibernate ra có 1 số framework khác như Open JPA, Eclipselink cũng thực hiện implements JPA nhưng Hibernate được sử dụng phổ biến hơn cả.</a:t>
             </a:r>
-            <a:endParaRPr b="0" lang="en-US" sz="3200" spc="-1" strike="noStrike">
-              <a:latin typeface="Arial"/>
+            <a:endParaRPr lang="en-US" sz="3200" b="0" strike="noStrike" spc="-1">
+              <a:latin typeface="Arial" panose="020B0604020202020204"/>
             </a:endParaRPr>
           </a:p>
         </p:txBody>
       </p:sp>
       <p:pic>
         <p:nvPicPr>
-          <p:cNvPr id="105" name="Picture 3" descr=""/>
+          <p:cNvPr id="105" name="Picture 3"/>
           <p:cNvPicPr/>
           <p:nvPr/>
         </p:nvPicPr>
         <p:blipFill>
           <a:blip r:embed="rId1"/>
-          <a:stretch/>
+          <a:stretch>
+            <a:fillRect/>
+          </a:stretch>
         </p:blipFill>
         <p:spPr>
           <a:xfrm>
@@ -3946,8 +4129,11 @@
       </p:pic>
     </p:spTree>
   </p:cSld>
-  <mc:AlternateContent>
-    <mc:Choice Requires="p14">
+  <p:clrMapOvr>
+    <a:masterClrMapping/>
+  </p:clrMapOvr>
+  <mc:AlternateContent xmlns:mc="http://schemas.openxmlformats.org/markup-compatibility/2006">
+    <mc:Choice xmlns:p14="http://schemas.microsoft.com/office/powerpoint/2010/main" Requires="p14">
       <p:transition spd="slow" p14:dur="3000"/>
     </mc:Choice>
     <mc:Fallback>
@@ -3958,7 +4144,7 @@
 </file>
 
 <file path=ppt/slides/slide11.xml><?xml version="1.0" encoding="utf-8"?>
-<p:sld xmlns:a="http://schemas.openxmlformats.org/drawingml/2006/main" xmlns:p="http://schemas.openxmlformats.org/presentationml/2006/main" xmlns:r="http://schemas.openxmlformats.org/officeDocument/2006/relationships" xmlns:p14="http://schemas.microsoft.com/office/powerpoint/2010/main" xmlns:p15="http://schemas.microsoft.com/office/powerpoint/2012/main" xmlns:mc="http://schemas.openxmlformats.org/markup-compatibility/2006">
+<p:sld xmlns:a="http://schemas.openxmlformats.org/drawingml/2006/main" xmlns:r="http://schemas.openxmlformats.org/officeDocument/2006/relationships" xmlns:p="http://schemas.openxmlformats.org/presentationml/2006/main">
   <p:cSld>
     <p:spTree>
       <p:nvGrpSpPr>
@@ -3994,7 +4180,7 @@
           </a:ln>
         </p:spPr>
         <p:txBody>
-          <a:bodyPr lIns="0" rIns="0" tIns="0" bIns="0" anchor="ctr" anchorCtr="1">
+          <a:bodyPr lIns="0" tIns="0" rIns="0" bIns="0" anchor="ctr" anchorCtr="1">
             <a:noAutofit/>
           </a:bodyPr>
           <a:p>
@@ -4004,17 +4190,17 @@
               </a:lnSpc>
             </a:pPr>
             <a:r>
-              <a:rPr b="0" lang="en-US" sz="4400" spc="-1" strike="noStrike">
+              <a:rPr lang="en-US" sz="4400" b="0" strike="noStrike" spc="-1">
                 <a:solidFill>
                   <a:srgbClr val="000000"/>
                 </a:solidFill>
-                <a:latin typeface="Arial"/>
-                <a:ea typeface="Microsoft YaHei"/>
+                <a:latin typeface="Arial" panose="020B0604020202020204"/>
+                <a:ea typeface="Microsoft YaHei" panose="020B0503020204020204" charset="-122"/>
               </a:rPr>
               <a:t>JPA vs Hibernate</a:t>
             </a:r>
-            <a:endParaRPr b="0" lang="en-US" sz="4400" spc="-1" strike="noStrike">
-              <a:latin typeface="Arial"/>
+            <a:endParaRPr lang="en-US" sz="4400" b="0" strike="noStrike" spc="-1">
+              <a:latin typeface="Arial" panose="020B0604020202020204"/>
             </a:endParaRPr>
           </a:p>
         </p:txBody>
@@ -4039,73 +4225,76 @@
           </a:ln>
         </p:spPr>
         <p:txBody>
-          <a:bodyPr lIns="0" rIns="0" tIns="0" bIns="0">
+          <a:bodyPr lIns="0" tIns="0" rIns="0" bIns="0">
             <a:noAutofit/>
           </a:bodyPr>
           <a:p>
-            <a:pPr marL="432000" indent="-324000">
+            <a:pPr marL="431800" indent="-323850">
               <a:lnSpc>
                 <a:spcPct val="100000"/>
               </a:lnSpc>
               <a:spcAft>
-                <a:spcPts val="1414"/>
+                <a:spcPts val="1415"/>
               </a:spcAft>
               <a:buClr>
                 <a:srgbClr val="000000"/>
               </a:buClr>
               <a:buSzPct val="45000"/>
-              <a:buFont typeface="Wingdings" charset="2"/>
+              <a:buFont typeface="Wingdings" panose="05000000000000000000" pitchFamily="2" charset="2"/>
               <a:buChar char=""/>
             </a:pPr>
             <a:r>
-              <a:rPr b="0" lang="en-US" sz="3200" spc="-1" strike="noStrike">
+              <a:rPr lang="en-US" sz="3200" b="0" strike="noStrike" spc="-1">
                 <a:solidFill>
                   <a:srgbClr val="000000"/>
                 </a:solidFill>
-                <a:latin typeface="Arial"/>
-                <a:ea typeface="Microsoft YaHei"/>
+                <a:latin typeface="Arial" panose="020B0604020202020204"/>
+                <a:ea typeface="Microsoft YaHei" panose="020B0503020204020204" charset="-122"/>
               </a:rPr>
               <a:t>JPA is just a specification, meaning there is no implementation.</a:t>
             </a:r>
-            <a:endParaRPr b="0" lang="en-US" sz="3200" spc="-1" strike="noStrike">
-              <a:latin typeface="Arial"/>
-            </a:endParaRPr>
-          </a:p>
-          <a:p>
-            <a:pPr marL="432000" indent="-324000">
+            <a:endParaRPr lang="en-US" sz="3200" b="0" strike="noStrike" spc="-1">
+              <a:latin typeface="Arial" panose="020B0604020202020204"/>
+            </a:endParaRPr>
+          </a:p>
+          <a:p>
+            <a:pPr marL="431800" indent="-323850">
               <a:lnSpc>
                 <a:spcPct val="100000"/>
               </a:lnSpc>
               <a:spcAft>
-                <a:spcPts val="1414"/>
+                <a:spcPts val="1415"/>
               </a:spcAft>
               <a:buClr>
                 <a:srgbClr val="000000"/>
               </a:buClr>
               <a:buSzPct val="45000"/>
-              <a:buFont typeface="Wingdings" charset="2"/>
+              <a:buFont typeface="Wingdings" panose="05000000000000000000" pitchFamily="2" charset="2"/>
               <a:buChar char=""/>
             </a:pPr>
             <a:r>
-              <a:rPr b="0" lang="en-US" sz="3200" spc="-1" strike="noStrike">
+              <a:rPr lang="en-US" sz="3200" b="0" strike="noStrike" spc="-1">
                 <a:solidFill>
                   <a:srgbClr val="000000"/>
                 </a:solidFill>
-                <a:latin typeface="Arial"/>
-                <a:ea typeface="Microsoft YaHei"/>
+                <a:latin typeface="Arial" panose="020B0604020202020204"/>
+                <a:ea typeface="Microsoft YaHei" panose="020B0503020204020204" charset="-122"/>
               </a:rPr>
               <a:t>Hibernate implements các interface của JPA, định nghĩa đó.</a:t>
             </a:r>
-            <a:endParaRPr b="0" lang="en-US" sz="3200" spc="-1" strike="noStrike">
-              <a:latin typeface="Arial"/>
+            <a:endParaRPr lang="en-US" sz="3200" b="0" strike="noStrike" spc="-1">
+              <a:latin typeface="Arial" panose="020B0604020202020204"/>
             </a:endParaRPr>
           </a:p>
         </p:txBody>
       </p:sp>
     </p:spTree>
   </p:cSld>
-  <mc:AlternateContent>
-    <mc:Choice Requires="p14">
+  <p:clrMapOvr>
+    <a:masterClrMapping/>
+  </p:clrMapOvr>
+  <mc:AlternateContent xmlns:mc="http://schemas.openxmlformats.org/markup-compatibility/2006">
+    <mc:Choice xmlns:p14="http://schemas.microsoft.com/office/powerpoint/2010/main" Requires="p14">
       <p:transition spd="slow" p14:dur="3000"/>
     </mc:Choice>
     <mc:Fallback>
@@ -4116,7 +4305,7 @@
 </file>
 
 <file path=ppt/slides/slide12.xml><?xml version="1.0" encoding="utf-8"?>
-<p:sld xmlns:a="http://schemas.openxmlformats.org/drawingml/2006/main" xmlns:p="http://schemas.openxmlformats.org/presentationml/2006/main" xmlns:r="http://schemas.openxmlformats.org/officeDocument/2006/relationships" xmlns:p14="http://schemas.microsoft.com/office/powerpoint/2010/main" xmlns:p15="http://schemas.microsoft.com/office/powerpoint/2012/main" xmlns:mc="http://schemas.openxmlformats.org/markup-compatibility/2006">
+<p:sld xmlns:a="http://schemas.openxmlformats.org/drawingml/2006/main" xmlns:r="http://schemas.openxmlformats.org/officeDocument/2006/relationships" xmlns:p="http://schemas.openxmlformats.org/presentationml/2006/main">
   <p:cSld>
     <p:spTree>
       <p:nvGrpSpPr>
@@ -4152,7 +4341,7 @@
           </a:ln>
         </p:spPr>
         <p:txBody>
-          <a:bodyPr lIns="0" rIns="0" tIns="0" bIns="0" anchor="ctr" anchorCtr="1">
+          <a:bodyPr lIns="0" tIns="0" rIns="0" bIns="0" anchor="ctr" anchorCtr="1">
             <a:noAutofit/>
           </a:bodyPr>
           <a:p>
@@ -4162,17 +4351,17 @@
               </a:lnSpc>
             </a:pPr>
             <a:r>
-              <a:rPr b="0" lang="en-US" sz="3600" spc="-1" strike="noStrike">
+              <a:rPr lang="en-US" sz="3600" b="0" strike="noStrike" spc="-1">
                 <a:solidFill>
                   <a:srgbClr val="000000"/>
                 </a:solidFill>
-                <a:latin typeface="Arial"/>
-                <a:ea typeface="Microsoft YaHei"/>
+                <a:latin typeface="Arial" panose="020B0604020202020204"/>
+                <a:ea typeface="Microsoft YaHei" panose="020B0503020204020204" charset="-122"/>
               </a:rPr>
               <a:t>EntityManager vs Hibernate Session</a:t>
             </a:r>
-            <a:endParaRPr b="0" lang="en-US" sz="3600" spc="-1" strike="noStrike">
-              <a:latin typeface="Arial"/>
+            <a:endParaRPr lang="en-US" sz="3600" b="0" strike="noStrike" spc="-1">
+              <a:latin typeface="Arial" panose="020B0604020202020204"/>
             </a:endParaRPr>
           </a:p>
         </p:txBody>
@@ -4197,131 +4386,134 @@
           </a:ln>
         </p:spPr>
         <p:txBody>
-          <a:bodyPr lIns="0" rIns="0" tIns="0" bIns="0">
+          <a:bodyPr lIns="0" tIns="0" rIns="0" bIns="0">
             <a:noAutofit/>
           </a:bodyPr>
           <a:p>
-            <a:pPr marL="432000" indent="-324000">
+            <a:pPr marL="431800" indent="-323850">
               <a:lnSpc>
                 <a:spcPct val="100000"/>
               </a:lnSpc>
               <a:spcAft>
-                <a:spcPts val="1414"/>
+                <a:spcPts val="1415"/>
               </a:spcAft>
               <a:buClr>
                 <a:srgbClr val="000000"/>
               </a:buClr>
               <a:buSzPct val="45000"/>
-              <a:buFont typeface="Wingdings" charset="2"/>
+              <a:buFont typeface="Wingdings" panose="05000000000000000000" pitchFamily="2" charset="2"/>
               <a:buChar char=""/>
             </a:pPr>
             <a:r>
-              <a:rPr b="0" lang="en-US" sz="2400" spc="-1" strike="noStrike">
+              <a:rPr lang="en-US" sz="2400" b="0" strike="noStrike" spc="-1">
                 <a:solidFill>
                   <a:srgbClr val="000000"/>
                 </a:solidFill>
-                <a:latin typeface="Arial"/>
-                <a:ea typeface="Microsoft YaHei"/>
+                <a:latin typeface="Arial" panose="020B0604020202020204"/>
+                <a:ea typeface="Microsoft YaHei" panose="020B0503020204020204" charset="-122"/>
               </a:rPr>
               <a:t>EntityManager là chuẩn của JPA dùng để thực hiện truy vấn database (thêm, sửa, xóa…). Còn Session chỉ dùng riêng cho Hibernate.</a:t>
             </a:r>
-            <a:endParaRPr b="0" lang="en-US" sz="2400" spc="-1" strike="noStrike">
-              <a:latin typeface="Arial"/>
-            </a:endParaRPr>
-          </a:p>
-          <a:p>
-            <a:pPr marL="432000" indent="-324000">
+            <a:endParaRPr lang="en-US" sz="2400" b="0" strike="noStrike" spc="-1">
+              <a:latin typeface="Arial" panose="020B0604020202020204"/>
+            </a:endParaRPr>
+          </a:p>
+          <a:p>
+            <a:pPr marL="431800" indent="-323850">
               <a:lnSpc>
                 <a:spcPct val="100000"/>
               </a:lnSpc>
               <a:spcAft>
-                <a:spcPts val="1414"/>
+                <a:spcPts val="1415"/>
               </a:spcAft>
               <a:buClr>
                 <a:srgbClr val="000000"/>
               </a:buClr>
               <a:buSzPct val="45000"/>
-              <a:buFont typeface="Wingdings" charset="2"/>
+              <a:buFont typeface="Wingdings" panose="05000000000000000000" pitchFamily="2" charset="2"/>
               <a:buChar char=""/>
             </a:pPr>
             <a:r>
-              <a:rPr b="0" lang="en-US" sz="2400" spc="-1" strike="noStrike">
+              <a:rPr lang="en-US" sz="2400" b="0" strike="noStrike" spc="-1">
                 <a:solidFill>
                   <a:srgbClr val="000000"/>
                 </a:solidFill>
-                <a:latin typeface="Arial"/>
-                <a:ea typeface="Microsoft YaHei"/>
+                <a:latin typeface="Arial" panose="020B0604020202020204"/>
+                <a:ea typeface="Microsoft YaHei" panose="020B0503020204020204" charset="-122"/>
               </a:rPr>
               <a:t>Tất cả các framwork ORM thừa kế từ JPA đều có thể sử dụng lại EntityManager (mỗi framework có một cách cài đặt lại khác nhau).</a:t>
             </a:r>
-            <a:endParaRPr b="0" lang="en-US" sz="2400" spc="-1" strike="noStrike">
-              <a:latin typeface="Arial"/>
-            </a:endParaRPr>
-          </a:p>
-          <a:p>
-            <a:pPr marL="432000" indent="-324000">
+            <a:endParaRPr lang="en-US" sz="2400" b="0" strike="noStrike" spc="-1">
+              <a:latin typeface="Arial" panose="020B0604020202020204"/>
+            </a:endParaRPr>
+          </a:p>
+          <a:p>
+            <a:pPr marL="431800" indent="-323850">
               <a:lnSpc>
                 <a:spcPct val="100000"/>
               </a:lnSpc>
               <a:spcAft>
-                <a:spcPts val="1414"/>
+                <a:spcPts val="1415"/>
               </a:spcAft>
               <a:buClr>
                 <a:srgbClr val="000000"/>
               </a:buClr>
               <a:buSzPct val="45000"/>
-              <a:buFont typeface="Wingdings" charset="2"/>
+              <a:buFont typeface="Wingdings" panose="05000000000000000000" pitchFamily="2" charset="2"/>
               <a:buChar char=""/>
             </a:pPr>
             <a:r>
-              <a:rPr b="0" lang="en-US" sz="2400" spc="-1" strike="noStrike">
+              <a:rPr lang="en-US" sz="2400" b="0" strike="noStrike" spc="-1">
                 <a:solidFill>
                   <a:srgbClr val="000000"/>
                 </a:solidFill>
-                <a:latin typeface="Arial"/>
-                <a:ea typeface="Microsoft YaHei"/>
+                <a:latin typeface="Arial" panose="020B0604020202020204"/>
+                <a:ea typeface="Microsoft YaHei" panose="020B0503020204020204" charset="-122"/>
               </a:rPr>
               <a:t>Hibernate cũng cài đặt từ JPA nên ta cũng có thể sử dụng EntityManager với Hibernate.</a:t>
             </a:r>
-            <a:endParaRPr b="0" lang="en-US" sz="2400" spc="-1" strike="noStrike">
-              <a:latin typeface="Arial"/>
-            </a:endParaRPr>
-          </a:p>
-          <a:p>
-            <a:pPr marL="432000" indent="-324000">
+            <a:endParaRPr lang="en-US" sz="2400" b="0" strike="noStrike" spc="-1">
+              <a:latin typeface="Arial" panose="020B0604020202020204"/>
+            </a:endParaRPr>
+          </a:p>
+          <a:p>
+            <a:pPr marL="431800" indent="-323850">
               <a:lnSpc>
                 <a:spcPct val="100000"/>
               </a:lnSpc>
               <a:spcAft>
-                <a:spcPts val="1414"/>
+                <a:spcPts val="1415"/>
               </a:spcAft>
               <a:buClr>
                 <a:srgbClr val="000000"/>
               </a:buClr>
               <a:buSzPct val="45000"/>
-              <a:buFont typeface="Wingdings" charset="2"/>
+              <a:buFont typeface="Wingdings" panose="05000000000000000000" pitchFamily="2" charset="2"/>
               <a:buChar char=""/>
             </a:pPr>
             <a:r>
-              <a:rPr b="0" lang="en-US" sz="2400" spc="-1" strike="noStrike">
+              <a:rPr lang="en-US" sz="2400" b="0" strike="noStrike" spc="-1">
                 <a:solidFill>
                   <a:srgbClr val="000000"/>
                 </a:solidFill>
-                <a:latin typeface="Arial"/>
-                <a:ea typeface="Microsoft YaHei"/>
+                <a:latin typeface="Arial" panose="020B0604020202020204"/>
+                <a:ea typeface="Microsoft YaHei" panose="020B0503020204020204" charset="-122"/>
               </a:rPr>
               <a:t>Vậy sao lại còn cần Hibernate Session? Có lẽ lúc thực hiện cài đặt lại các interface của JPA, người ta muốn thực hiện nhiều chức năng hơn ban đầu, ví dụ Hibernate Session có những method riêng mà EntityManager không có như saveOrUpdate(), load()...</a:t>
             </a:r>
-            <a:endParaRPr b="0" lang="en-US" sz="2400" spc="-1" strike="noStrike">
-              <a:latin typeface="Arial"/>
+            <a:endParaRPr lang="en-US" sz="2400" b="0" strike="noStrike" spc="-1">
+              <a:latin typeface="Arial" panose="020B0604020202020204"/>
             </a:endParaRPr>
           </a:p>
         </p:txBody>
       </p:sp>
     </p:spTree>
   </p:cSld>
-  <mc:AlternateContent>
-    <mc:Choice Requires="p14">
+  <p:clrMapOvr>
+    <a:masterClrMapping/>
+  </p:clrMapOvr>
+  <mc:AlternateContent xmlns:mc="http://schemas.openxmlformats.org/markup-compatibility/2006">
+    <mc:Choice xmlns:p14="http://schemas.microsoft.com/office/powerpoint/2010/main" Requires="p14">
       <p:transition spd="slow" p14:dur="3000"/>
     </mc:Choice>
     <mc:Fallback>
@@ -4332,7 +4524,7 @@
 </file>
 
 <file path=ppt/slides/slide13.xml><?xml version="1.0" encoding="utf-8"?>
-<p:sld xmlns:a="http://schemas.openxmlformats.org/drawingml/2006/main" xmlns:p="http://schemas.openxmlformats.org/presentationml/2006/main" xmlns:r="http://schemas.openxmlformats.org/officeDocument/2006/relationships" xmlns:p14="http://schemas.microsoft.com/office/powerpoint/2010/main" xmlns:p15="http://schemas.microsoft.com/office/powerpoint/2012/main" xmlns:mc="http://schemas.openxmlformats.org/markup-compatibility/2006">
+<p:sld xmlns:a="http://schemas.openxmlformats.org/drawingml/2006/main" xmlns:r="http://schemas.openxmlformats.org/officeDocument/2006/relationships" xmlns:p="http://schemas.openxmlformats.org/presentationml/2006/main">
   <p:cSld>
     <p:spTree>
       <p:nvGrpSpPr>
@@ -4368,7 +4560,7 @@
           </a:ln>
         </p:spPr>
         <p:txBody>
-          <a:bodyPr lIns="0" rIns="0" tIns="0" bIns="0" anchor="ctr" anchorCtr="1">
+          <a:bodyPr lIns="0" tIns="0" rIns="0" bIns="0" anchor="ctr" anchorCtr="1">
             <a:noAutofit/>
           </a:bodyPr>
           <a:p>
@@ -4378,30 +4570,32 @@
               </a:lnSpc>
             </a:pPr>
             <a:r>
-              <a:rPr b="0" lang="en-US" sz="3600" spc="-1" strike="noStrike">
+              <a:rPr lang="en-US" sz="3600" b="0" strike="noStrike" spc="-1">
                 <a:solidFill>
                   <a:srgbClr val="000000"/>
                 </a:solidFill>
-                <a:latin typeface="Arial"/>
-                <a:ea typeface="Microsoft YaHei"/>
+                <a:latin typeface="Arial" panose="020B0604020202020204"/>
+                <a:ea typeface="Microsoft YaHei" panose="020B0503020204020204" charset="-122"/>
               </a:rPr>
               <a:t>EntityManager vs Hibernate Session</a:t>
             </a:r>
-            <a:endParaRPr b="0" lang="en-US" sz="3600" spc="-1" strike="noStrike">
-              <a:latin typeface="Arial"/>
+            <a:endParaRPr lang="en-US" sz="3600" b="0" strike="noStrike" spc="-1">
+              <a:latin typeface="Arial" panose="020B0604020202020204"/>
             </a:endParaRPr>
           </a:p>
         </p:txBody>
       </p:sp>
       <p:pic>
         <p:nvPicPr>
-          <p:cNvPr id="111" name="Picture 3" descr=""/>
+          <p:cNvPr id="111" name="Picture 3"/>
           <p:cNvPicPr/>
           <p:nvPr/>
         </p:nvPicPr>
         <p:blipFill>
           <a:blip r:embed="rId1"/>
-          <a:stretch/>
+          <a:stretch>
+            <a:fillRect/>
+          </a:stretch>
         </p:blipFill>
         <p:spPr>
           <a:xfrm>
@@ -4418,8 +4612,11 @@
       </p:pic>
     </p:spTree>
   </p:cSld>
-  <mc:AlternateContent>
-    <mc:Choice Requires="p14">
+  <p:clrMapOvr>
+    <a:masterClrMapping/>
+  </p:clrMapOvr>
+  <mc:AlternateContent xmlns:mc="http://schemas.openxmlformats.org/markup-compatibility/2006">
+    <mc:Choice xmlns:p14="http://schemas.microsoft.com/office/powerpoint/2010/main" Requires="p14">
       <p:transition spd="slow" p14:dur="3000"/>
     </mc:Choice>
     <mc:Fallback>
@@ -4430,7 +4627,7 @@
 </file>
 
 <file path=ppt/slides/slide14.xml><?xml version="1.0" encoding="utf-8"?>
-<p:sld xmlns:a="http://schemas.openxmlformats.org/drawingml/2006/main" xmlns:p="http://schemas.openxmlformats.org/presentationml/2006/main" xmlns:r="http://schemas.openxmlformats.org/officeDocument/2006/relationships" xmlns:p14="http://schemas.microsoft.com/office/powerpoint/2010/main" xmlns:p15="http://schemas.microsoft.com/office/powerpoint/2012/main" xmlns:mc="http://schemas.openxmlformats.org/markup-compatibility/2006">
+<p:sld xmlns:a="http://schemas.openxmlformats.org/drawingml/2006/main" xmlns:r="http://schemas.openxmlformats.org/officeDocument/2006/relationships" xmlns:p="http://schemas.openxmlformats.org/presentationml/2006/main">
   <p:cSld>
     <p:spTree>
       <p:nvGrpSpPr>
@@ -4466,7 +4663,7 @@
           </a:ln>
         </p:spPr>
         <p:txBody>
-          <a:bodyPr lIns="0" rIns="0" tIns="0" bIns="0" anchor="ctr" anchorCtr="1">
+          <a:bodyPr lIns="0" tIns="0" rIns="0" bIns="0" anchor="ctr" anchorCtr="1">
             <a:noAutofit/>
           </a:bodyPr>
           <a:p>
@@ -4476,17 +4673,17 @@
               </a:lnSpc>
             </a:pPr>
             <a:r>
-              <a:rPr b="0" lang="en-US" sz="3600" spc="-1" strike="noStrike">
+              <a:rPr lang="en-US" sz="3600" b="0" strike="noStrike" spc="-1">
                 <a:solidFill>
                   <a:srgbClr val="000000"/>
                 </a:solidFill>
-                <a:latin typeface="Arial"/>
-                <a:ea typeface="Microsoft YaHei"/>
+                <a:latin typeface="Arial" panose="020B0604020202020204"/>
+                <a:ea typeface="Microsoft YaHei" panose="020B0503020204020204" charset="-122"/>
               </a:rPr>
               <a:t>The life cycle of Entity</a:t>
             </a:r>
-            <a:endParaRPr b="0" lang="en-US" sz="3600" spc="-1" strike="noStrike">
-              <a:latin typeface="Arial"/>
+            <a:endParaRPr lang="en-US" sz="3600" b="0" strike="noStrike" spc="-1">
+              <a:latin typeface="Arial" panose="020B0604020202020204"/>
             </a:endParaRPr>
           </a:p>
         </p:txBody>
@@ -4511,31 +4708,33 @@
           </a:ln>
         </p:spPr>
         <p:txBody>
-          <a:bodyPr lIns="90000" rIns="90000" tIns="45000" bIns="45000">
+          <a:bodyPr lIns="90000" tIns="45000" rIns="90000" bIns="45000">
             <a:spAutoFit/>
           </a:bodyPr>
           <a:p>
             <a:r>
-              <a:rPr b="0" lang="en-US" sz="1800" spc="-1" strike="noStrike">
-                <a:latin typeface="Arial"/>
+              <a:rPr lang="en-US" sz="1800" b="0" strike="noStrike" spc="-1">
+                <a:latin typeface="Arial" panose="020B0604020202020204"/>
               </a:rPr>
               <a:t>Every Hibernate entity naturally has a lifecycle within the framework – it’s either in a transient, managed, detached or removed state.</a:t>
             </a:r>
-            <a:endParaRPr b="0" lang="en-US" sz="1800" spc="-1" strike="noStrike">
-              <a:latin typeface="Arial"/>
+            <a:endParaRPr lang="en-US" sz="1800" b="0" strike="noStrike" spc="-1">
+              <a:latin typeface="Arial" panose="020B0604020202020204"/>
             </a:endParaRPr>
           </a:p>
         </p:txBody>
       </p:sp>
       <p:pic>
         <p:nvPicPr>
-          <p:cNvPr id="114" name="" descr=""/>
+          <p:cNvPr id="114" name="Picture 113"/>
           <p:cNvPicPr/>
           <p:nvPr/>
         </p:nvPicPr>
         <p:blipFill>
           <a:blip r:embed="rId1"/>
-          <a:stretch/>
+          <a:stretch>
+            <a:fillRect/>
+          </a:stretch>
         </p:blipFill>
         <p:spPr>
           <a:xfrm>
@@ -4552,8 +4751,11 @@
       </p:pic>
     </p:spTree>
   </p:cSld>
-  <mc:AlternateContent>
-    <mc:Choice Requires="p14">
+  <p:clrMapOvr>
+    <a:masterClrMapping/>
+  </p:clrMapOvr>
+  <mc:AlternateContent xmlns:mc="http://schemas.openxmlformats.org/markup-compatibility/2006">
+    <mc:Choice xmlns:p14="http://schemas.microsoft.com/office/powerpoint/2010/main" Requires="p14">
       <p:transition spd="slow" p14:dur="3000"/>
     </mc:Choice>
     <mc:Fallback>
@@ -4564,7 +4766,7 @@
 </file>
 
 <file path=ppt/slides/slide15.xml><?xml version="1.0" encoding="utf-8"?>
-<p:sld xmlns:a="http://schemas.openxmlformats.org/drawingml/2006/main" xmlns:p="http://schemas.openxmlformats.org/presentationml/2006/main" xmlns:r="http://schemas.openxmlformats.org/officeDocument/2006/relationships" xmlns:p14="http://schemas.microsoft.com/office/powerpoint/2010/main" xmlns:p15="http://schemas.microsoft.com/office/powerpoint/2012/main" xmlns:mc="http://schemas.openxmlformats.org/markup-compatibility/2006">
+<p:sld xmlns:a="http://schemas.openxmlformats.org/drawingml/2006/main" xmlns:r="http://schemas.openxmlformats.org/officeDocument/2006/relationships" xmlns:p="http://schemas.openxmlformats.org/presentationml/2006/main">
   <p:cSld>
     <p:spTree>
       <p:nvGrpSpPr>
@@ -4600,7 +4802,7 @@
           </a:ln>
         </p:spPr>
         <p:txBody>
-          <a:bodyPr lIns="0" rIns="0" tIns="0" bIns="0" anchor="ctr" anchorCtr="1">
+          <a:bodyPr lIns="0" tIns="0" rIns="0" bIns="0" anchor="ctr" anchorCtr="1">
             <a:noAutofit/>
           </a:bodyPr>
           <a:p>
@@ -4610,17 +4812,17 @@
               </a:lnSpc>
             </a:pPr>
             <a:r>
-              <a:rPr b="0" lang="en-US" sz="4400" spc="-1" strike="noStrike">
+              <a:rPr lang="en-US" sz="4400" b="0" strike="noStrike" spc="-1">
                 <a:solidFill>
                   <a:srgbClr val="000000"/>
                 </a:solidFill>
-                <a:latin typeface="Arial"/>
-                <a:ea typeface="Microsoft YaHei"/>
+                <a:latin typeface="Arial" panose="020B0604020202020204"/>
+                <a:ea typeface="Microsoft YaHei" panose="020B0503020204020204" charset="-122"/>
               </a:rPr>
               <a:t>Callback Methods on JPA Entities</a:t>
             </a:r>
-            <a:endParaRPr b="0" lang="en-US" sz="4400" spc="-1" strike="noStrike">
-              <a:latin typeface="Arial"/>
+            <a:endParaRPr lang="en-US" sz="4400" b="0" strike="noStrike" spc="-1">
+              <a:latin typeface="Arial" panose="020B0604020202020204"/>
             </a:endParaRPr>
           </a:p>
         </p:txBody>
@@ -4633,8 +4835,8 @@
         </p:nvSpPr>
         <p:spPr>
           <a:xfrm>
-            <a:off x="503640" y="1769040"/>
-            <a:ext cx="9070920" cy="4989600"/>
+            <a:off x="503555" y="1769110"/>
+            <a:ext cx="9070975" cy="5253990"/>
           </a:xfrm>
           <a:prstGeom prst="rect">
             <a:avLst/>
@@ -4645,255 +4847,388 @@
           </a:ln>
         </p:spPr>
         <p:txBody>
-          <a:bodyPr lIns="0" rIns="0" tIns="0" bIns="0">
+          <a:bodyPr lIns="0" tIns="0" rIns="0" bIns="0">
             <a:noAutofit/>
           </a:bodyPr>
           <a:p>
-            <a:pPr marL="432000" indent="-324000">
+            <a:pPr marL="431800" indent="-323850">
               <a:lnSpc>
                 <a:spcPct val="100000"/>
               </a:lnSpc>
               <a:spcAft>
-                <a:spcPts val="1414"/>
+                <a:spcPts val="1415"/>
               </a:spcAft>
             </a:pPr>
             <a:r>
-              <a:rPr b="0" lang="en-US" sz="2000" spc="-1" strike="noStrike">
+              <a:rPr lang="en-US" sz="2000" b="0" strike="noStrike" spc="-1">
                 <a:solidFill>
                   <a:srgbClr val="000000"/>
                 </a:solidFill>
-                <a:latin typeface="Arial"/>
-                <a:ea typeface="Microsoft YaHei"/>
-              </a:rPr>
-              <a:t>@PrePersist: Thực thi trước khi entity được persist </a:t>
-            </a:r>
-            <a:endParaRPr b="0" lang="en-US" sz="2000" spc="-1" strike="noStrike">
-              <a:latin typeface="Arial"/>
-            </a:endParaRPr>
-          </a:p>
-          <a:p>
-            <a:pPr marL="432000" indent="-324000">
+                <a:latin typeface="Arial" panose="020B0604020202020204"/>
+                <a:ea typeface="Microsoft YaHei" panose="020B0503020204020204" charset="-122"/>
+              </a:rPr>
+              <a:t>@</a:t>
+            </a:r>
+            <a:r>
+              <a:rPr lang="en-US" sz="2000" b="1" strike="noStrike" spc="-1">
+                <a:solidFill>
+                  <a:srgbClr val="000000"/>
+                </a:solidFill>
+                <a:latin typeface="Arial" panose="020B0604020202020204"/>
+                <a:ea typeface="Microsoft YaHei" panose="020B0503020204020204" charset="-122"/>
+              </a:rPr>
+              <a:t>PrePersist</a:t>
+            </a:r>
+            <a:r>
+              <a:rPr lang="en-US" sz="2000" b="0" strike="noStrike" spc="-1">
+                <a:solidFill>
+                  <a:srgbClr val="000000"/>
+                </a:solidFill>
+                <a:latin typeface="Arial" panose="020B0604020202020204"/>
+                <a:ea typeface="Microsoft YaHei" panose="020B0503020204020204" charset="-122"/>
+              </a:rPr>
+              <a:t>: Thực thi trước khi entity được persist </a:t>
+            </a:r>
+            <a:endParaRPr lang="en-US" sz="2000" b="0" strike="noStrike" spc="-1">
+              <a:latin typeface="Arial" panose="020B0604020202020204"/>
+            </a:endParaRPr>
+          </a:p>
+          <a:p>
+            <a:pPr marL="431800" indent="-323850">
               <a:lnSpc>
                 <a:spcPct val="100000"/>
               </a:lnSpc>
               <a:spcAft>
-                <a:spcPts val="1414"/>
+                <a:spcPts val="1415"/>
               </a:spcAft>
             </a:pPr>
             <a:r>
-              <a:rPr b="0" lang="en-US" sz="2000" spc="-1" strike="noStrike">
+              <a:rPr lang="en-US" sz="2000" b="0" strike="noStrike" spc="-1">
                 <a:solidFill>
                   <a:srgbClr val="000000"/>
                 </a:solidFill>
-                <a:latin typeface="Arial"/>
-                <a:ea typeface="Microsoft YaHei"/>
-              </a:rPr>
-              <a:t>@PostPersist : Thực thi sau khi entity được persist</a:t>
-            </a:r>
-            <a:endParaRPr b="0" lang="en-US" sz="2000" spc="-1" strike="noStrike">
-              <a:latin typeface="Arial"/>
-            </a:endParaRPr>
-          </a:p>
-          <a:p>
-            <a:pPr marL="432000" indent="-324000">
+                <a:latin typeface="Arial" panose="020B0604020202020204"/>
+                <a:ea typeface="Microsoft YaHei" panose="020B0503020204020204" charset="-122"/>
+              </a:rPr>
+              <a:t>@</a:t>
+            </a:r>
+            <a:r>
+              <a:rPr lang="en-US" sz="2000" b="1" strike="noStrike" spc="-1">
+                <a:solidFill>
+                  <a:srgbClr val="000000"/>
+                </a:solidFill>
+                <a:latin typeface="Arial" panose="020B0604020202020204"/>
+                <a:ea typeface="Microsoft YaHei" panose="020B0503020204020204" charset="-122"/>
+              </a:rPr>
+              <a:t>PostPersist </a:t>
+            </a:r>
+            <a:r>
+              <a:rPr lang="en-US" sz="2000" b="0" strike="noStrike" spc="-1">
+                <a:solidFill>
+                  <a:srgbClr val="000000"/>
+                </a:solidFill>
+                <a:latin typeface="Arial" panose="020B0604020202020204"/>
+                <a:ea typeface="Microsoft YaHei" panose="020B0503020204020204" charset="-122"/>
+              </a:rPr>
+              <a:t>: Thực thi sau khi entity được persist</a:t>
+            </a:r>
+            <a:endParaRPr lang="en-US" sz="2000" b="0" strike="noStrike" spc="-1">
+              <a:latin typeface="Arial" panose="020B0604020202020204"/>
+            </a:endParaRPr>
+          </a:p>
+          <a:p>
+            <a:pPr marL="431800" indent="-323850">
               <a:lnSpc>
                 <a:spcPct val="100000"/>
               </a:lnSpc>
               <a:spcAft>
-                <a:spcPts val="1414"/>
+                <a:spcPts val="1415"/>
               </a:spcAft>
             </a:pPr>
             <a:r>
-              <a:rPr b="0" lang="en-US" sz="2000" spc="-1" strike="noStrike">
+              <a:rPr lang="en-US" sz="2000" b="0" strike="noStrike" spc="-1">
                 <a:solidFill>
                   <a:srgbClr val="000000"/>
                 </a:solidFill>
-                <a:latin typeface="Arial"/>
-                <a:ea typeface="Microsoft YaHei"/>
-              </a:rPr>
-              <a:t>@PostLoad:Thực thi sau khi một entity được load vào persistence context hiện tại hoặc một entity được refreshed</a:t>
-            </a:r>
-            <a:endParaRPr b="0" lang="en-US" sz="2000" spc="-1" strike="noStrike">
-              <a:latin typeface="Arial"/>
-            </a:endParaRPr>
-          </a:p>
-          <a:p>
-            <a:pPr marL="432000" indent="-324000">
+                <a:latin typeface="Arial" panose="020B0604020202020204"/>
+                <a:ea typeface="Microsoft YaHei" panose="020B0503020204020204" charset="-122"/>
+              </a:rPr>
+              <a:t>@</a:t>
+            </a:r>
+            <a:r>
+              <a:rPr lang="en-US" sz="2000" b="1" strike="noStrike" spc="-1">
+                <a:solidFill>
+                  <a:srgbClr val="000000"/>
+                </a:solidFill>
+                <a:latin typeface="Arial" panose="020B0604020202020204"/>
+                <a:ea typeface="Microsoft YaHei" panose="020B0503020204020204" charset="-122"/>
+              </a:rPr>
+              <a:t>PostLoad</a:t>
+            </a:r>
+            <a:r>
+              <a:rPr lang="en-US" sz="2000" b="0" strike="noStrike" spc="-1">
+                <a:solidFill>
+                  <a:srgbClr val="000000"/>
+                </a:solidFill>
+                <a:latin typeface="Arial" panose="020B0604020202020204"/>
+                <a:ea typeface="Microsoft YaHei" panose="020B0503020204020204" charset="-122"/>
+              </a:rPr>
+              <a:t>:Thực thi sau khi một entity được load vào persistence context hiện tại hoặc một entity được refreshed</a:t>
+            </a:r>
+            <a:endParaRPr lang="en-US" sz="2000" b="0" strike="noStrike" spc="-1">
+              <a:latin typeface="Arial" panose="020B0604020202020204"/>
+            </a:endParaRPr>
+          </a:p>
+          <a:p>
+            <a:pPr marL="431800" indent="-323850">
               <a:lnSpc>
                 <a:spcPct val="100000"/>
               </a:lnSpc>
               <a:spcAft>
-                <a:spcPts val="1414"/>
+                <a:spcPts val="1415"/>
               </a:spcAft>
             </a:pPr>
             <a:r>
-              <a:rPr b="0" lang="en-US" sz="2000" spc="-1" strike="noStrike">
+              <a:rPr lang="en-US" sz="2000" b="0" strike="noStrike" spc="-1">
                 <a:solidFill>
                   <a:srgbClr val="000000"/>
                 </a:solidFill>
-                <a:latin typeface="Arial"/>
-                <a:ea typeface="Microsoft YaHei"/>
-              </a:rPr>
-              <a:t>@PreUpdate: Thực thi trước khi entity được update.</a:t>
-            </a:r>
-            <a:endParaRPr b="0" lang="en-US" sz="2000" spc="-1" strike="noStrike">
-              <a:latin typeface="Arial"/>
-            </a:endParaRPr>
-          </a:p>
-          <a:p>
-            <a:pPr marL="432000" indent="-324000">
+                <a:latin typeface="Arial" panose="020B0604020202020204"/>
+                <a:ea typeface="Microsoft YaHei" panose="020B0503020204020204" charset="-122"/>
+              </a:rPr>
+              <a:t>@</a:t>
+            </a:r>
+            <a:r>
+              <a:rPr lang="en-US" sz="2000" b="1" strike="noStrike" spc="-1">
+                <a:solidFill>
+                  <a:srgbClr val="000000"/>
+                </a:solidFill>
+                <a:latin typeface="Arial" panose="020B0604020202020204"/>
+                <a:ea typeface="Microsoft YaHei" panose="020B0503020204020204" charset="-122"/>
+              </a:rPr>
+              <a:t>PreUpdate</a:t>
+            </a:r>
+            <a:r>
+              <a:rPr lang="en-US" sz="2000" b="0" strike="noStrike" spc="-1">
+                <a:solidFill>
+                  <a:srgbClr val="000000"/>
+                </a:solidFill>
+                <a:latin typeface="Arial" panose="020B0604020202020204"/>
+                <a:ea typeface="Microsoft YaHei" panose="020B0503020204020204" charset="-122"/>
+              </a:rPr>
+              <a:t>: Thực thi trước khi entity được update.</a:t>
+            </a:r>
+            <a:endParaRPr lang="en-US" sz="2000" b="0" strike="noStrike" spc="-1">
+              <a:latin typeface="Arial" panose="020B0604020202020204"/>
+            </a:endParaRPr>
+          </a:p>
+          <a:p>
+            <a:pPr marL="431800" indent="-323850">
               <a:lnSpc>
                 <a:spcPct val="100000"/>
               </a:lnSpc>
               <a:spcAft>
-                <a:spcPts val="1414"/>
+                <a:spcPts val="1415"/>
               </a:spcAft>
             </a:pPr>
             <a:r>
-              <a:rPr b="0" lang="en-US" sz="2000" spc="-1" strike="noStrike">
+              <a:rPr lang="en-US" sz="2000" b="0" strike="noStrike" spc="-1">
                 <a:solidFill>
                   <a:srgbClr val="000000"/>
                 </a:solidFill>
-                <a:latin typeface="Arial"/>
-                <a:ea typeface="Microsoft YaHei"/>
-              </a:rPr>
-              <a:t>@PostUpdate: Thực thi sau khi entity được update.</a:t>
-            </a:r>
-            <a:endParaRPr b="0" lang="en-US" sz="2000" spc="-1" strike="noStrike">
-              <a:latin typeface="Arial"/>
-            </a:endParaRPr>
-          </a:p>
-          <a:p>
-            <a:pPr marL="432000" indent="-324000">
+                <a:latin typeface="Arial" panose="020B0604020202020204"/>
+                <a:ea typeface="Microsoft YaHei" panose="020B0503020204020204" charset="-122"/>
+              </a:rPr>
+              <a:t>@</a:t>
+            </a:r>
+            <a:r>
+              <a:rPr lang="en-US" sz="2000" b="1" strike="noStrike" spc="-1">
+                <a:solidFill>
+                  <a:srgbClr val="000000"/>
+                </a:solidFill>
+                <a:latin typeface="Arial" panose="020B0604020202020204"/>
+                <a:ea typeface="Microsoft YaHei" panose="020B0503020204020204" charset="-122"/>
+              </a:rPr>
+              <a:t>PostUpdate</a:t>
+            </a:r>
+            <a:r>
+              <a:rPr lang="en-US" sz="2000" b="0" strike="noStrike" spc="-1">
+                <a:solidFill>
+                  <a:srgbClr val="000000"/>
+                </a:solidFill>
+                <a:latin typeface="Arial" panose="020B0604020202020204"/>
+                <a:ea typeface="Microsoft YaHei" panose="020B0503020204020204" charset="-122"/>
+              </a:rPr>
+              <a:t>: Thực thi sau khi entity được update.</a:t>
+            </a:r>
+            <a:endParaRPr lang="en-US" sz="2000" b="0" strike="noStrike" spc="-1">
+              <a:latin typeface="Arial" panose="020B0604020202020204"/>
+            </a:endParaRPr>
+          </a:p>
+          <a:p>
+            <a:pPr marL="431800" indent="-323850">
               <a:lnSpc>
                 <a:spcPct val="100000"/>
               </a:lnSpc>
               <a:spcAft>
-                <a:spcPts val="1414"/>
+                <a:spcPts val="1415"/>
               </a:spcAft>
             </a:pPr>
             <a:r>
-              <a:rPr b="0" lang="en-US" sz="2000" spc="-1" strike="noStrike">
+              <a:rPr lang="en-US" sz="2000" b="0" strike="noStrike" spc="-1">
                 <a:solidFill>
                   <a:srgbClr val="000000"/>
                 </a:solidFill>
-                <a:latin typeface="Arial"/>
-                <a:ea typeface="Microsoft YaHei"/>
-              </a:rPr>
-              <a:t>@PreRemove:  Thực thi trước khi entity bị xóa khỏi database bởi method remove()</a:t>
-            </a:r>
-            <a:endParaRPr b="0" lang="en-US" sz="2000" spc="-1" strike="noStrike">
-              <a:latin typeface="Arial"/>
-            </a:endParaRPr>
-          </a:p>
-          <a:p>
-            <a:pPr marL="432000" indent="-324000">
+                <a:latin typeface="Arial" panose="020B0604020202020204"/>
+                <a:ea typeface="Microsoft YaHei" panose="020B0503020204020204" charset="-122"/>
+              </a:rPr>
+              <a:t>@</a:t>
+            </a:r>
+            <a:r>
+              <a:rPr lang="en-US" sz="2000" b="1" strike="noStrike" spc="-1">
+                <a:solidFill>
+                  <a:srgbClr val="000000"/>
+                </a:solidFill>
+                <a:latin typeface="Arial" panose="020B0604020202020204"/>
+                <a:ea typeface="Microsoft YaHei" panose="020B0503020204020204" charset="-122"/>
+              </a:rPr>
+              <a:t>PreRemove</a:t>
+            </a:r>
+            <a:r>
+              <a:rPr lang="en-US" sz="2000" b="0" strike="noStrike" spc="-1">
+                <a:solidFill>
+                  <a:srgbClr val="000000"/>
+                </a:solidFill>
+                <a:latin typeface="Arial" panose="020B0604020202020204"/>
+                <a:ea typeface="Microsoft YaHei" panose="020B0503020204020204" charset="-122"/>
+              </a:rPr>
+              <a:t>:  Thực thi trước khi entity bị xóa khỏi database bởi method remove()</a:t>
+            </a:r>
+            <a:endParaRPr lang="en-US" sz="2000" b="0" strike="noStrike" spc="-1">
+              <a:latin typeface="Arial" panose="020B0604020202020204"/>
+            </a:endParaRPr>
+          </a:p>
+          <a:p>
+            <a:pPr marL="431800" indent="-323850">
               <a:lnSpc>
                 <a:spcPct val="100000"/>
               </a:lnSpc>
               <a:spcAft>
-                <a:spcPts val="1414"/>
+                <a:spcPts val="1415"/>
               </a:spcAft>
             </a:pPr>
             <a:r>
-              <a:rPr b="0" lang="en-US" sz="2000" spc="-1" strike="noStrike">
+              <a:rPr lang="en-US" sz="2000" b="0" strike="noStrike" spc="-1">
                 <a:solidFill>
                   <a:srgbClr val="000000"/>
                 </a:solidFill>
-                <a:latin typeface="Arial"/>
-                <a:ea typeface="Microsoft YaHei"/>
-              </a:rPr>
-              <a:t>@PostRemove: Thực thi sau khi entity bị xóa.</a:t>
-            </a:r>
-            <a:endParaRPr b="0" lang="en-US" sz="2000" spc="-1" strike="noStrike">
-              <a:latin typeface="Arial"/>
-            </a:endParaRPr>
-          </a:p>
-          <a:p>
-            <a:pPr marL="432000" indent="-324000">
+                <a:latin typeface="Arial" panose="020B0604020202020204"/>
+                <a:ea typeface="Microsoft YaHei" panose="020B0503020204020204" charset="-122"/>
+              </a:rPr>
+              <a:t>@</a:t>
+            </a:r>
+            <a:r>
+              <a:rPr lang="en-US" sz="2000" b="1" strike="noStrike" spc="-1">
+                <a:solidFill>
+                  <a:srgbClr val="000000"/>
+                </a:solidFill>
+                <a:latin typeface="Arial" panose="020B0604020202020204"/>
+                <a:ea typeface="Microsoft YaHei" panose="020B0503020204020204" charset="-122"/>
+              </a:rPr>
+              <a:t>PostRemove</a:t>
+            </a:r>
+            <a:r>
+              <a:rPr lang="en-US" sz="2000" b="0" strike="noStrike" spc="-1">
+                <a:solidFill>
+                  <a:srgbClr val="000000"/>
+                </a:solidFill>
+                <a:latin typeface="Arial" panose="020B0604020202020204"/>
+                <a:ea typeface="Microsoft YaHei" panose="020B0503020204020204" charset="-122"/>
+              </a:rPr>
+              <a:t>: Thực thi sau khi entity bị xóa.</a:t>
+            </a:r>
+            <a:endParaRPr lang="en-US" sz="2000" b="0" strike="noStrike" spc="-1">
+              <a:latin typeface="Arial" panose="020B0604020202020204"/>
+            </a:endParaRPr>
+          </a:p>
+          <a:p>
+            <a:pPr marL="431800" indent="-323850">
               <a:lnSpc>
                 <a:spcPct val="100000"/>
               </a:lnSpc>
               <a:spcAft>
-                <a:spcPts val="1414"/>
+                <a:spcPts val="1415"/>
               </a:spcAft>
             </a:pPr>
             <a:r>
-              <a:rPr b="0" lang="en-US" sz="2000" spc="-1" strike="noStrike">
+              <a:rPr lang="en-US" sz="2000" b="0" strike="noStrike" spc="-1">
                 <a:solidFill>
                   <a:srgbClr val="000000"/>
                 </a:solidFill>
-                <a:latin typeface="Arial"/>
-                <a:ea typeface="Microsoft YaHei"/>
+                <a:latin typeface="Arial" panose="020B0604020202020204"/>
+                <a:ea typeface="Microsoft YaHei" panose="020B0503020204020204" charset="-122"/>
               </a:rPr>
               <a:t>được dùng để đánh dấu các method lắng nghe các sự kiện khi đối tượng được thêm, sửa, xóa…</a:t>
             </a:r>
-            <a:endParaRPr b="0" lang="en-US" sz="2000" spc="-1" strike="noStrike">
-              <a:latin typeface="Arial"/>
-            </a:endParaRPr>
-          </a:p>
-          <a:p>
-            <a:pPr marL="432000" indent="-324000">
+            <a:endParaRPr lang="en-US" sz="2000" b="0" strike="noStrike" spc="-1">
+              <a:latin typeface="Arial" panose="020B0604020202020204"/>
+            </a:endParaRPr>
+          </a:p>
+          <a:p>
+            <a:pPr marL="431800" indent="-323850">
               <a:lnSpc>
                 <a:spcPct val="100000"/>
               </a:lnSpc>
               <a:spcAft>
-                <a:spcPts val="1414"/>
+                <a:spcPts val="1415"/>
               </a:spcAft>
             </a:pPr>
             <a:r>
-              <a:rPr b="0" lang="en-US" sz="2000" spc="-1" strike="noStrike">
+              <a:rPr lang="en-US" sz="2000" b="0" strike="noStrike" spc="-1">
                 <a:solidFill>
                   <a:srgbClr val="000000"/>
                 </a:solidFill>
-                <a:latin typeface="Arial"/>
-                <a:ea typeface="Microsoft YaHei"/>
-              </a:rPr>
-              <a:t>Thường dùng trong </a:t>
-            </a:r>
-            <a:r>
-              <a:rPr b="0" lang="en-US" sz="2000" spc="-1" strike="noStrike">
-                <a:solidFill>
-                  <a:srgbClr val="000000"/>
-                </a:solidFill>
-                <a:latin typeface="Arial"/>
-                <a:ea typeface="Microsoft YaHei"/>
-              </a:rPr>
-              <a:t>AuditingEntityListener class</a:t>
-            </a:r>
-            <a:endParaRPr b="0" lang="en-US" sz="2000" spc="-1" strike="noStrike">
-              <a:latin typeface="Arial"/>
-            </a:endParaRPr>
-          </a:p>
-          <a:p>
-            <a:pPr marL="432000" indent="-324000">
+                <a:latin typeface="Arial" panose="020B0604020202020204"/>
+                <a:ea typeface="Microsoft YaHei" panose="020B0503020204020204" charset="-122"/>
+              </a:rPr>
+              <a:t>Thường dùng trong AuditingEntityListener class</a:t>
+            </a:r>
+            <a:endParaRPr lang="en-US" sz="2000" b="0" strike="noStrike" spc="-1">
+              <a:latin typeface="Arial" panose="020B0604020202020204"/>
+            </a:endParaRPr>
+          </a:p>
+          <a:p>
+            <a:pPr marL="431800" indent="-323850">
               <a:lnSpc>
                 <a:spcPct val="100000"/>
               </a:lnSpc>
               <a:spcAft>
-                <a:spcPts val="1414"/>
+                <a:spcPts val="1415"/>
               </a:spcAft>
             </a:pPr>
             <a:r>
-              <a:rPr b="0" lang="en-US" sz="2000" spc="-1" strike="noStrike">
+              <a:rPr lang="en-US" sz="2000" b="0" strike="noStrike" spc="-1">
                 <a:solidFill>
                   <a:srgbClr val="000000"/>
                 </a:solidFill>
-                <a:latin typeface="Arial"/>
-                <a:ea typeface="Microsoft YaHei"/>
+                <a:latin typeface="Arial" panose="020B0604020202020204"/>
+                <a:ea typeface="Microsoft YaHei" panose="020B0503020204020204" charset="-122"/>
               </a:rPr>
               <a:t> </a:t>
             </a:r>
-            <a:endParaRPr b="0" lang="en-US" sz="2000" spc="-1" strike="noStrike">
-              <a:latin typeface="Arial"/>
+            <a:endParaRPr lang="en-US" sz="2000" b="0" strike="noStrike" spc="-1">
+              <a:latin typeface="Arial" panose="020B0604020202020204"/>
             </a:endParaRPr>
           </a:p>
         </p:txBody>
       </p:sp>
     </p:spTree>
   </p:cSld>
-  <mc:AlternateContent>
-    <mc:Choice Requires="p14">
+  <p:clrMapOvr>
+    <a:masterClrMapping/>
+  </p:clrMapOvr>
+  <mc:AlternateContent xmlns:mc="http://schemas.openxmlformats.org/markup-compatibility/2006">
+    <mc:Choice xmlns:p14="http://schemas.microsoft.com/office/powerpoint/2010/main" Requires="p14">
       <p:transition spd="slow" p14:dur="3000"/>
     </mc:Choice>
     <mc:Fallback>
@@ -4904,7 +5239,7 @@
 </file>
 
 <file path=ppt/slides/slide16.xml><?xml version="1.0" encoding="utf-8"?>
-<p:sld xmlns:a="http://schemas.openxmlformats.org/drawingml/2006/main" xmlns:p="http://schemas.openxmlformats.org/presentationml/2006/main" xmlns:r="http://schemas.openxmlformats.org/officeDocument/2006/relationships" xmlns:p14="http://schemas.microsoft.com/office/powerpoint/2010/main" xmlns:p15="http://schemas.microsoft.com/office/powerpoint/2012/main" xmlns:mc="http://schemas.openxmlformats.org/markup-compatibility/2006">
+<p:sld xmlns:a="http://schemas.openxmlformats.org/drawingml/2006/main" xmlns:r="http://schemas.openxmlformats.org/officeDocument/2006/relationships" xmlns:p="http://schemas.openxmlformats.org/presentationml/2006/main">
   <p:cSld>
     <p:spTree>
       <p:nvGrpSpPr>
@@ -4940,7 +5275,7 @@
           </a:ln>
         </p:spPr>
         <p:txBody>
-          <a:bodyPr lIns="0" rIns="0" tIns="0" bIns="0" anchor="ctr" anchorCtr="1">
+          <a:bodyPr lIns="0" tIns="0" rIns="0" bIns="0" anchor="ctr" anchorCtr="1">
             <a:noAutofit/>
           </a:bodyPr>
           <a:p>
@@ -4950,17 +5285,17 @@
               </a:lnSpc>
             </a:pPr>
             <a:r>
-              <a:rPr b="0" lang="en-US" sz="2800" spc="-1" strike="noStrike">
+              <a:rPr lang="en-US" sz="2800" b="0" strike="noStrike" spc="-1">
                 <a:solidFill>
                   <a:srgbClr val="000000"/>
                 </a:solidFill>
-                <a:latin typeface="Arial"/>
-                <a:ea typeface="Microsoft YaHei"/>
+                <a:latin typeface="Arial" panose="020B0604020202020204"/>
+                <a:ea typeface="Microsoft YaHei" panose="020B0503020204020204" charset="-122"/>
               </a:rPr>
               <a:t>FetchType? LAZY loading vs EAGER loading</a:t>
             </a:r>
-            <a:endParaRPr b="0" lang="en-US" sz="2800" spc="-1" strike="noStrike">
-              <a:latin typeface="Arial"/>
+            <a:endParaRPr lang="en-US" sz="2800" b="0" strike="noStrike" spc="-1">
+              <a:latin typeface="Arial" panose="020B0604020202020204"/>
             </a:endParaRPr>
           </a:p>
         </p:txBody>
@@ -4974,7 +5309,7 @@
         <p:spPr>
           <a:xfrm>
             <a:off x="147600" y="1188720"/>
-            <a:ext cx="9932040" cy="866520"/>
+            <a:ext cx="9932040" cy="919480"/>
           </a:xfrm>
           <a:prstGeom prst="rect">
             <a:avLst/>
@@ -4985,43 +5320,93 @@
           </a:ln>
         </p:spPr>
         <p:txBody>
-          <a:bodyPr lIns="90000" rIns="90000" tIns="45000" bIns="45000">
+          <a:bodyPr lIns="90000" tIns="45000" rIns="90000" bIns="45000">
             <a:spAutoFit/>
           </a:bodyPr>
           <a:p>
             <a:r>
-              <a:rPr b="0" lang="en-US" sz="1800" spc="-1" strike="noStrike">
-                <a:latin typeface="Arial"/>
+              <a:rPr lang="en-US" sz="1800" b="0" strike="noStrike" spc="-1">
+                <a:latin typeface="Arial" panose="020B0604020202020204"/>
               </a:rPr>
               <a:t>Trong Hibernate, </a:t>
             </a:r>
             <a:r>
-              <a:rPr b="1" lang="en-US" sz="1800" spc="-1" strike="noStrike">
-                <a:latin typeface="Arial"/>
+              <a:rPr lang="en-US" sz="1800" b="1" strike="noStrike" spc="-1">
+                <a:latin typeface="Arial" panose="020B0604020202020204"/>
               </a:rPr>
               <a:t>FetchType</a:t>
             </a:r>
             <a:r>
-              <a:rPr b="0" lang="en-US" sz="1800" spc="-1" strike="noStrike">
-                <a:latin typeface="Arial"/>
-              </a:rPr>
-              <a:t> là một thuộc tính trong các annotation @OneToOne, @OneToMany, @ManyToOne, @ManyToMany, được dùng để định nghĩa phương thức lấy các đối tượng liên quan.</a:t>
-            </a:r>
-            <a:endParaRPr b="0" lang="en-US" sz="1800" spc="-1" strike="noStrike">
-              <a:latin typeface="Arial"/>
+              <a:rPr lang="en-US" sz="1800" b="0" strike="noStrike" spc="-1">
+                <a:latin typeface="Arial" panose="020B0604020202020204"/>
+              </a:rPr>
+              <a:t> là một thuộc tính trong các annotation @</a:t>
+            </a:r>
+            <a:r>
+              <a:rPr lang="en-US" sz="1800" b="1" strike="noStrike" spc="-1">
+                <a:latin typeface="Arial" panose="020B0604020202020204"/>
+              </a:rPr>
+              <a:t>OneToOne</a:t>
+            </a:r>
+            <a:r>
+              <a:rPr lang="en-US" sz="1800" b="0" strike="noStrike" spc="-1">
+                <a:latin typeface="Arial" panose="020B0604020202020204"/>
+              </a:rPr>
+              <a:t>, @</a:t>
+            </a:r>
+            <a:r>
+              <a:rPr lang="en-US" sz="1800" b="1" strike="noStrike" spc="-1">
+                <a:latin typeface="Arial" panose="020B0604020202020204"/>
+              </a:rPr>
+              <a:t>OneToMany</a:t>
+            </a:r>
+            <a:r>
+              <a:rPr lang="en-US" sz="1800" b="0" strike="noStrike" spc="-1">
+                <a:latin typeface="Arial" panose="020B0604020202020204"/>
+              </a:rPr>
+              <a:t>, @</a:t>
+            </a:r>
+            <a:r>
+              <a:rPr lang="en-US" sz="1800" b="1" strike="noStrike" spc="-1">
+                <a:latin typeface="Arial" panose="020B0604020202020204"/>
+              </a:rPr>
+              <a:t>ManyToOne</a:t>
+            </a:r>
+            <a:r>
+              <a:rPr lang="en-US" sz="1800" b="0" strike="noStrike" spc="-1">
+                <a:latin typeface="Arial" panose="020B0604020202020204"/>
+              </a:rPr>
+              <a:t>, @</a:t>
+            </a:r>
+            <a:r>
+              <a:rPr lang="en-US" sz="1800" b="1" strike="noStrike" spc="-1">
+                <a:latin typeface="Arial" panose="020B0604020202020204"/>
+              </a:rPr>
+              <a:t>ManyToMany</a:t>
+            </a:r>
+            <a:r>
+              <a:rPr lang="en-US" sz="1800" b="0" strike="noStrike" spc="-1">
+                <a:latin typeface="Arial" panose="020B0604020202020204"/>
+              </a:rPr>
+              <a:t>, được dùng để định nghĩa phương thức lấy các đối tượng liên quan.</a:t>
+            </a:r>
+            <a:endParaRPr lang="en-US" sz="1800" b="0" strike="noStrike" spc="-1">
+              <a:latin typeface="Arial" panose="020B0604020202020204"/>
             </a:endParaRPr>
           </a:p>
         </p:txBody>
       </p:sp>
       <p:pic>
         <p:nvPicPr>
-          <p:cNvPr id="119" name="" descr=""/>
+          <p:cNvPr id="119" name="Picture 118"/>
           <p:cNvPicPr/>
           <p:nvPr/>
         </p:nvPicPr>
         <p:blipFill>
           <a:blip r:embed="rId1"/>
-          <a:stretch/>
+          <a:stretch>
+            <a:fillRect/>
+          </a:stretch>
         </p:blipFill>
         <p:spPr>
           <a:xfrm>
@@ -5038,13 +5423,15 @@
       </p:pic>
       <p:pic>
         <p:nvPicPr>
-          <p:cNvPr id="120" name="" descr=""/>
+          <p:cNvPr id="120" name="Picture 119"/>
           <p:cNvPicPr/>
           <p:nvPr/>
         </p:nvPicPr>
         <p:blipFill>
           <a:blip r:embed="rId2"/>
-          <a:stretch/>
+          <a:stretch>
+            <a:fillRect/>
+          </a:stretch>
         </p:blipFill>
         <p:spPr>
           <a:xfrm>
@@ -5061,8 +5448,11 @@
       </p:pic>
     </p:spTree>
   </p:cSld>
-  <mc:AlternateContent>
-    <mc:Choice Requires="p14">
+  <p:clrMapOvr>
+    <a:masterClrMapping/>
+  </p:clrMapOvr>
+  <mc:AlternateContent xmlns:mc="http://schemas.openxmlformats.org/markup-compatibility/2006">
+    <mc:Choice xmlns:p14="http://schemas.microsoft.com/office/powerpoint/2010/main" Requires="p14">
       <p:transition spd="slow" p14:dur="3000"/>
     </mc:Choice>
     <mc:Fallback>
@@ -5073,7 +5463,7 @@
 </file>
 
 <file path=ppt/slides/slide17.xml><?xml version="1.0" encoding="utf-8"?>
-<p:sld xmlns:a="http://schemas.openxmlformats.org/drawingml/2006/main" xmlns:p="http://schemas.openxmlformats.org/presentationml/2006/main" xmlns:r="http://schemas.openxmlformats.org/officeDocument/2006/relationships" xmlns:p14="http://schemas.microsoft.com/office/powerpoint/2010/main" xmlns:p15="http://schemas.microsoft.com/office/powerpoint/2012/main" xmlns:mc="http://schemas.openxmlformats.org/markup-compatibility/2006">
+<p:sld xmlns:a="http://schemas.openxmlformats.org/drawingml/2006/main" xmlns:r="http://schemas.openxmlformats.org/officeDocument/2006/relationships" xmlns:p="http://schemas.openxmlformats.org/presentationml/2006/main">
   <p:cSld>
     <p:spTree>
       <p:nvGrpSpPr>
@@ -5109,7 +5499,7 @@
           </a:ln>
         </p:spPr>
         <p:txBody>
-          <a:bodyPr lIns="0" rIns="0" tIns="0" bIns="0" anchor="ctr" anchorCtr="1">
+          <a:bodyPr lIns="0" tIns="0" rIns="0" bIns="0" anchor="ctr" anchorCtr="1">
             <a:noAutofit/>
           </a:bodyPr>
           <a:p>
@@ -5119,17 +5509,17 @@
               </a:lnSpc>
             </a:pPr>
             <a:r>
-              <a:rPr b="1" lang="en-US" sz="2800" spc="-1" strike="noStrike">
+              <a:rPr lang="en-US" sz="2800" b="1" strike="noStrike" spc="-1">
                 <a:solidFill>
                   <a:srgbClr val="000000"/>
                 </a:solidFill>
-                <a:latin typeface="Arial"/>
-                <a:ea typeface="Microsoft YaHei"/>
+                <a:latin typeface="Arial" panose="020B0604020202020204"/>
+                <a:ea typeface="Microsoft YaHei" panose="020B0503020204020204" charset="-122"/>
               </a:rPr>
               <a:t>FetchType? LAZY loading vs EAGER loading</a:t>
             </a:r>
-            <a:endParaRPr b="0" lang="en-US" sz="2800" spc="-1" strike="noStrike">
-              <a:latin typeface="Arial"/>
+            <a:endParaRPr lang="en-US" sz="2800" b="0" strike="noStrike" spc="-1">
+              <a:latin typeface="Arial" panose="020B0604020202020204"/>
             </a:endParaRPr>
           </a:p>
         </p:txBody>
@@ -5154,74 +5544,74 @@
           </a:ln>
         </p:spPr>
         <p:txBody>
-          <a:bodyPr lIns="90000" rIns="90000" tIns="45000" bIns="45000">
+          <a:bodyPr lIns="90000" tIns="45000" rIns="90000" bIns="45000">
             <a:spAutoFit/>
           </a:bodyPr>
           <a:p>
-            <a:pPr marL="216000" indent="-216000">
+            <a:pPr marL="215900" indent="-215900">
               <a:buClr>
                 <a:srgbClr val="000000"/>
               </a:buClr>
               <a:buSzPct val="45000"/>
-              <a:buFont typeface="Wingdings" charset="2"/>
+              <a:buFont typeface="Wingdings" panose="05000000000000000000" pitchFamily="2" charset="2"/>
               <a:buChar char=""/>
             </a:pPr>
             <a:r>
-              <a:rPr b="0" lang="en-US" sz="1800" spc="-1" strike="noStrike">
-                <a:latin typeface="Arial"/>
+              <a:rPr lang="en-US" sz="1800" b="0" strike="noStrike" spc="-1">
+                <a:latin typeface="Arial" panose="020B0604020202020204"/>
               </a:rPr>
               <a:t>fetch = </a:t>
             </a:r>
             <a:r>
-              <a:rPr b="1" lang="en-US" sz="1800" spc="-1" strike="noStrike">
-                <a:latin typeface="Arial"/>
+              <a:rPr lang="en-US" sz="1800" b="1" strike="noStrike" spc="-1">
+                <a:latin typeface="Arial" panose="020B0604020202020204"/>
               </a:rPr>
               <a:t>FetchType.LAZY</a:t>
             </a:r>
             <a:r>
-              <a:rPr b="0" lang="en-US" sz="1800" spc="-1" strike="noStrike">
-                <a:latin typeface="Arial"/>
+              <a:rPr lang="en-US" sz="1800" b="0" strike="noStrike" spc="-1">
+                <a:latin typeface="Arial" panose="020B0604020202020204"/>
               </a:rPr>
               <a:t> tức là mặc định không lấy ra các đối tượng liên quan nhưng bên trong transaction, bạn gọi method company.getListEmployee() thì nó vẫn có dữ liệu nhé, bởi vì khi bạn gọi method nó sẽ query các đối tượng Employee liên quan và lưu vào listEmployee, và khi kết thúc transaction listEmployee sẽ chứa các employee liên quan. Tuy nhiên nếu bạn không gọi method đó thì listEmployee không có dữ liệu và khi kết thúc transaction listEmployee sẽ không có đối tượng employee nào</a:t>
             </a:r>
-            <a:endParaRPr b="0" lang="en-US" sz="1800" spc="-1" strike="noStrike">
-              <a:latin typeface="Arial"/>
-            </a:endParaRPr>
-          </a:p>
-          <a:p>
-            <a:endParaRPr b="0" lang="en-US" sz="1800" spc="-1" strike="noStrike">
-              <a:latin typeface="Arial"/>
-            </a:endParaRPr>
-          </a:p>
-          <a:p>
-            <a:pPr marL="216000" indent="-216000">
+            <a:endParaRPr lang="en-US" sz="1800" b="0" strike="noStrike" spc="-1">
+              <a:latin typeface="Arial" panose="020B0604020202020204"/>
+            </a:endParaRPr>
+          </a:p>
+          <a:p>
+            <a:endParaRPr lang="en-US" sz="1800" b="0" strike="noStrike" spc="-1">
+              <a:latin typeface="Arial" panose="020B0604020202020204"/>
+            </a:endParaRPr>
+          </a:p>
+          <a:p>
+            <a:pPr marL="215900" indent="-215900">
               <a:buClr>
                 <a:srgbClr val="000000"/>
               </a:buClr>
               <a:buSzPct val="45000"/>
-              <a:buFont typeface="Wingdings" charset="2"/>
+              <a:buFont typeface="Wingdings" panose="05000000000000000000" pitchFamily="2" charset="2"/>
               <a:buChar char=""/>
             </a:pPr>
             <a:r>
-              <a:rPr b="0" lang="en-US" sz="1800" spc="-1" strike="noStrike">
-                <a:latin typeface="Arial"/>
+              <a:rPr lang="en-US" sz="1800" b="0" strike="noStrike" spc="-1">
+                <a:latin typeface="Arial" panose="020B0604020202020204"/>
               </a:rPr>
               <a:t>fetch = </a:t>
             </a:r>
             <a:r>
-              <a:rPr b="1" lang="en-US" sz="1800" spc="-1" strike="noStrike">
-                <a:latin typeface="Arial"/>
+              <a:rPr lang="en-US" sz="1800" b="1" strike="noStrike" spc="-1">
+                <a:latin typeface="Arial" panose="020B0604020202020204"/>
               </a:rPr>
               <a:t>FetchType.EAGER</a:t>
             </a:r>
             <a:r>
-              <a:rPr b="0" lang="en-US" sz="1800" spc="-1" strike="noStrike">
-                <a:latin typeface="Arial"/>
+              <a:rPr lang="en-US" sz="1800" b="0" strike="noStrike" spc="-1">
+                <a:latin typeface="Arial" panose="020B0604020202020204"/>
               </a:rPr>
               <a:t> thì khi lấy đối tượng Company là nó mặc định query luôn các đối tượng Employee liên quan và lưu vào listEmployee, do đó khi kết thúc transaction, listEmployee sẽ có chứa các đối tượng Employee của Company đó.</a:t>
             </a:r>
-            <a:endParaRPr b="0" lang="en-US" sz="1800" spc="-1" strike="noStrike">
-              <a:latin typeface="Arial"/>
+            <a:endParaRPr lang="en-US" sz="1800" b="0" strike="noStrike" spc="-1">
+              <a:latin typeface="Arial" panose="020B0604020202020204"/>
             </a:endParaRPr>
           </a:p>
         </p:txBody>
@@ -5246,142 +5636,145 @@
           </a:ln>
         </p:spPr>
         <p:txBody>
-          <a:bodyPr lIns="90000" rIns="90000" tIns="45000" bIns="45000">
+          <a:bodyPr lIns="90000" tIns="45000" rIns="90000" bIns="45000">
             <a:spAutoFit/>
           </a:bodyPr>
           <a:p>
             <a:r>
-              <a:rPr b="0" lang="en-US" sz="1800" spc="-1" strike="noStrike">
-                <a:latin typeface="Arial"/>
+              <a:rPr lang="en-US" sz="1800" b="0" strike="noStrike" spc="-1">
+                <a:latin typeface="Arial" panose="020B0604020202020204"/>
               </a:rPr>
               <a:t>Ưu nhược điểm của mỗi loại FetchType</a:t>
             </a:r>
-            <a:endParaRPr b="0" lang="en-US" sz="1800" spc="-1" strike="noStrike">
-              <a:latin typeface="Arial"/>
-            </a:endParaRPr>
-          </a:p>
-          <a:p>
-            <a:endParaRPr b="0" lang="en-US" sz="1800" spc="-1" strike="noStrike">
-              <a:latin typeface="Arial"/>
-            </a:endParaRPr>
-          </a:p>
-          <a:p>
-            <a:r>
-              <a:rPr b="0" lang="en-US" sz="1800" spc="-1" strike="noStrike">
-                <a:latin typeface="Arial"/>
+            <a:endParaRPr lang="en-US" sz="1800" b="0" strike="noStrike" spc="-1">
+              <a:latin typeface="Arial" panose="020B0604020202020204"/>
+            </a:endParaRPr>
+          </a:p>
+          <a:p>
+            <a:endParaRPr lang="en-US" sz="1800" b="0" strike="noStrike" spc="-1">
+              <a:latin typeface="Arial" panose="020B0604020202020204"/>
+            </a:endParaRPr>
+          </a:p>
+          <a:p>
+            <a:r>
+              <a:rPr lang="en-US" sz="1800" b="0" strike="noStrike" spc="-1">
+                <a:latin typeface="Arial" panose="020B0604020202020204"/>
               </a:rPr>
               <a:t>Với FetchType = LAZY(Lazy Loading):</a:t>
             </a:r>
-            <a:endParaRPr b="0" lang="en-US" sz="1800" spc="-1" strike="noStrike">
-              <a:latin typeface="Arial"/>
-            </a:endParaRPr>
-          </a:p>
-          <a:p>
-            <a:pPr marL="216000" indent="-216000">
+            <a:endParaRPr lang="en-US" sz="1800" b="0" strike="noStrike" spc="-1">
+              <a:latin typeface="Arial" panose="020B0604020202020204"/>
+            </a:endParaRPr>
+          </a:p>
+          <a:p>
+            <a:pPr marL="215900" indent="-215900">
               <a:buClr>
                 <a:srgbClr val="000000"/>
               </a:buClr>
               <a:buSzPct val="45000"/>
-              <a:buFont typeface="Wingdings" charset="2"/>
+              <a:buFont typeface="Wingdings" panose="05000000000000000000" pitchFamily="2" charset="2"/>
               <a:buChar char=""/>
             </a:pPr>
             <a:r>
-              <a:rPr b="0" lang="en-US" sz="1800" spc="-1" strike="noStrike">
-                <a:latin typeface="Arial"/>
+              <a:rPr lang="en-US" sz="1800" b="0" strike="noStrike" spc="-1">
+                <a:latin typeface="Arial" panose="020B0604020202020204"/>
               </a:rPr>
               <a:t>Ưu điểm: tiết kiệm thời gian và bộ nhớ khi select</a:t>
             </a:r>
-            <a:endParaRPr b="0" lang="en-US" sz="1800" spc="-1" strike="noStrike">
-              <a:latin typeface="Arial"/>
-            </a:endParaRPr>
-          </a:p>
-          <a:p>
-            <a:pPr marL="216000" indent="-216000">
+            <a:endParaRPr lang="en-US" sz="1800" b="0" strike="noStrike" spc="-1">
+              <a:latin typeface="Arial" panose="020B0604020202020204"/>
+            </a:endParaRPr>
+          </a:p>
+          <a:p>
+            <a:pPr marL="215900" indent="-215900">
               <a:buClr>
                 <a:srgbClr val="000000"/>
               </a:buClr>
               <a:buSzPct val="45000"/>
-              <a:buFont typeface="Wingdings" charset="2"/>
+              <a:buFont typeface="Wingdings" panose="05000000000000000000" pitchFamily="2" charset="2"/>
               <a:buChar char=""/>
             </a:pPr>
             <a:r>
-              <a:rPr b="0" lang="en-US" sz="1800" spc="-1" strike="noStrike">
-                <a:latin typeface="Arial"/>
+              <a:rPr lang="en-US" sz="1800" b="0" strike="noStrike" spc="-1">
+                <a:latin typeface="Arial" panose="020B0604020202020204"/>
               </a:rPr>
               <a:t>Nhược điểm: gây ra lỗi LazyInitializationException, khi muốn lấy các đối tượng liên quan phải mở transaction 1 lần nữa để query</a:t>
             </a:r>
-            <a:endParaRPr b="0" lang="en-US" sz="1800" spc="-1" strike="noStrike">
-              <a:latin typeface="Arial"/>
-            </a:endParaRPr>
-          </a:p>
-          <a:p>
-            <a:pPr marL="216000" indent="-216000">
+            <a:endParaRPr lang="en-US" sz="1800" b="0" strike="noStrike" spc="-1">
+              <a:latin typeface="Arial" panose="020B0604020202020204"/>
+            </a:endParaRPr>
+          </a:p>
+          <a:p>
+            <a:pPr marL="215900" indent="-215900">
               <a:buClr>
                 <a:srgbClr val="000000"/>
               </a:buClr>
               <a:buSzPct val="45000"/>
-              <a:buFont typeface="Wingdings" charset="2"/>
+              <a:buFont typeface="Wingdings" panose="05000000000000000000" pitchFamily="2" charset="2"/>
               <a:buChar char=""/>
             </a:pPr>
-            <a:endParaRPr b="0" lang="en-US" sz="1800" spc="-1" strike="noStrike">
-              <a:latin typeface="Arial"/>
-            </a:endParaRPr>
-          </a:p>
-          <a:p>
-            <a:r>
-              <a:rPr b="0" lang="en-US" sz="1800" spc="-1" strike="noStrike">
-                <a:latin typeface="Arial"/>
+            <a:endParaRPr lang="en-US" sz="1800" b="0" strike="noStrike" spc="-1">
+              <a:latin typeface="Arial" panose="020B0604020202020204"/>
+            </a:endParaRPr>
+          </a:p>
+          <a:p>
+            <a:r>
+              <a:rPr lang="en-US" sz="1800" b="0" strike="noStrike" spc="-1">
+                <a:latin typeface="Arial" panose="020B0604020202020204"/>
               </a:rPr>
               <a:t>Với FetchType = EAGER(Eager Loading):</a:t>
             </a:r>
-            <a:endParaRPr b="0" lang="en-US" sz="1800" spc="-1" strike="noStrike">
-              <a:latin typeface="Arial"/>
-            </a:endParaRPr>
-          </a:p>
-          <a:p>
-            <a:pPr marL="216000" indent="-216000">
+            <a:endParaRPr lang="en-US" sz="1800" b="0" strike="noStrike" spc="-1">
+              <a:latin typeface="Arial" panose="020B0604020202020204"/>
+            </a:endParaRPr>
+          </a:p>
+          <a:p>
+            <a:pPr marL="215900" indent="-215900">
               <a:buClr>
                 <a:srgbClr val="000000"/>
               </a:buClr>
               <a:buSzPct val="45000"/>
-              <a:buFont typeface="Wingdings" charset="2"/>
+              <a:buFont typeface="Wingdings" panose="05000000000000000000" pitchFamily="2" charset="2"/>
               <a:buChar char=""/>
             </a:pPr>
             <a:r>
-              <a:rPr b="0" lang="en-US" sz="1800" spc="-1" strike="noStrike">
-                <a:latin typeface="Arial"/>
+              <a:rPr lang="en-US" sz="1800" b="0" strike="noStrike" spc="-1">
+                <a:latin typeface="Arial" panose="020B0604020202020204"/>
               </a:rPr>
               <a:t>Ưu điểm: có thể lấy luôn các đối tượng liên quan, xử lý đơn giản, tiện lợi</a:t>
             </a:r>
-            <a:endParaRPr b="0" lang="en-US" sz="1800" spc="-1" strike="noStrike">
-              <a:latin typeface="Arial"/>
-            </a:endParaRPr>
-          </a:p>
-          <a:p>
-            <a:pPr marL="216000" indent="-216000">
+            <a:endParaRPr lang="en-US" sz="1800" b="0" strike="noStrike" spc="-1">
+              <a:latin typeface="Arial" panose="020B0604020202020204"/>
+            </a:endParaRPr>
+          </a:p>
+          <a:p>
+            <a:pPr marL="215900" indent="-215900">
               <a:buClr>
                 <a:srgbClr val="000000"/>
               </a:buClr>
               <a:buSzPct val="45000"/>
-              <a:buFont typeface="Wingdings" charset="2"/>
+              <a:buFont typeface="Wingdings" panose="05000000000000000000" pitchFamily="2" charset="2"/>
               <a:buChar char=""/>
             </a:pPr>
             <a:r>
-              <a:rPr b="0" lang="en-US" sz="1800" spc="-1" strike="noStrike">
-                <a:latin typeface="Arial"/>
+              <a:rPr lang="en-US" sz="1800" b="0" strike="noStrike" spc="-1">
+                <a:latin typeface="Arial" panose="020B0604020202020204"/>
               </a:rPr>
               <a:t>Nhược điểm: tốn nhiều thời gian và bộ nhớ khi select, dữ liệu lấy ra bị thừa, không cần thiết.</a:t>
             </a:r>
-            <a:endParaRPr b="0" lang="en-US" sz="1800" spc="-1" strike="noStrike">
-              <a:latin typeface="Arial"/>
+            <a:endParaRPr lang="en-US" sz="1800" b="0" strike="noStrike" spc="-1">
+              <a:latin typeface="Arial" panose="020B0604020202020204"/>
             </a:endParaRPr>
           </a:p>
         </p:txBody>
       </p:sp>
     </p:spTree>
   </p:cSld>
-  <mc:AlternateContent>
-    <mc:Choice Requires="p14">
+  <p:clrMapOvr>
+    <a:masterClrMapping/>
+  </p:clrMapOvr>
+  <mc:AlternateContent xmlns:mc="http://schemas.openxmlformats.org/markup-compatibility/2006">
+    <mc:Choice xmlns:p14="http://schemas.microsoft.com/office/powerpoint/2010/main" Requires="p14">
       <p:transition spd="slow" p14:dur="3000"/>
     </mc:Choice>
     <mc:Fallback>
@@ -5392,7 +5785,7 @@
 </file>
 
 <file path=ppt/slides/slide18.xml><?xml version="1.0" encoding="utf-8"?>
-<p:sld xmlns:a="http://schemas.openxmlformats.org/drawingml/2006/main" xmlns:p="http://schemas.openxmlformats.org/presentationml/2006/main" xmlns:r="http://schemas.openxmlformats.org/officeDocument/2006/relationships" xmlns:p14="http://schemas.microsoft.com/office/powerpoint/2010/main" xmlns:p15="http://schemas.microsoft.com/office/powerpoint/2012/main" xmlns:mc="http://schemas.openxmlformats.org/markup-compatibility/2006">
+<p:sld xmlns:a="http://schemas.openxmlformats.org/drawingml/2006/main" xmlns:r="http://schemas.openxmlformats.org/officeDocument/2006/relationships" xmlns:p="http://schemas.openxmlformats.org/presentationml/2006/main">
   <p:cSld>
     <p:spTree>
       <p:nvGrpSpPr>
@@ -5428,7 +5821,7 @@
           </a:ln>
         </p:spPr>
         <p:txBody>
-          <a:bodyPr lIns="0" rIns="0" tIns="0" bIns="0" anchor="ctr" anchorCtr="1">
+          <a:bodyPr lIns="0" tIns="0" rIns="0" bIns="0" anchor="ctr" anchorCtr="1">
             <a:noAutofit/>
           </a:bodyPr>
           <a:p>
@@ -5438,17 +5831,17 @@
               </a:lnSpc>
             </a:pPr>
             <a:r>
-              <a:rPr b="0" lang="en-US" sz="4400" spc="-1" strike="noStrike">
+              <a:rPr lang="en-US" sz="4400" b="0" strike="noStrike" spc="-1">
                 <a:solidFill>
                   <a:srgbClr val="000000"/>
                 </a:solidFill>
-                <a:latin typeface="Arial"/>
-                <a:ea typeface="Microsoft YaHei"/>
+                <a:latin typeface="Arial" panose="020B0604020202020204"/>
+                <a:ea typeface="Microsoft YaHei" panose="020B0503020204020204" charset="-122"/>
               </a:rPr>
               <a:t>Hibernate – Annotation</a:t>
             </a:r>
-            <a:endParaRPr b="0" lang="en-US" sz="4400" spc="-1" strike="noStrike">
-              <a:latin typeface="Arial"/>
+            <a:endParaRPr lang="en-US" sz="4400" b="0" strike="noStrike" spc="-1">
+              <a:latin typeface="Arial" panose="020B0604020202020204"/>
             </a:endParaRPr>
           </a:p>
         </p:txBody>
@@ -5473,171 +5866,174 @@
           </a:ln>
         </p:spPr>
         <p:txBody>
-          <a:bodyPr lIns="0" rIns="0" tIns="0" bIns="0">
+          <a:bodyPr lIns="0" tIns="0" rIns="0" bIns="0">
             <a:noAutofit/>
           </a:bodyPr>
           <a:p>
-            <a:pPr marL="432000" indent="-324000">
+            <a:pPr marL="431800" indent="-323850">
               <a:lnSpc>
                 <a:spcPct val="100000"/>
               </a:lnSpc>
               <a:spcAft>
-                <a:spcPts val="1414"/>
+                <a:spcPts val="1415"/>
               </a:spcAft>
               <a:buClr>
                 <a:srgbClr val="000000"/>
               </a:buClr>
               <a:buSzPct val="45000"/>
-              <a:buFont typeface="Wingdings" charset="2"/>
+              <a:buFont typeface="Wingdings" panose="05000000000000000000" pitchFamily="2" charset="2"/>
               <a:buChar char=""/>
             </a:pPr>
             <a:r>
-              <a:rPr b="1" lang="en-US" sz="2000" spc="-1" strike="noStrike">
+              <a:rPr lang="en-US" sz="2000" b="1" strike="noStrike" spc="-1">
                 <a:solidFill>
                   <a:srgbClr val="000000"/>
                 </a:solidFill>
-                <a:latin typeface="Arial"/>
-                <a:ea typeface="Microsoft YaHei"/>
+                <a:latin typeface="Arial" panose="020B0604020202020204"/>
+                <a:ea typeface="Microsoft YaHei" panose="020B0503020204020204" charset="-122"/>
               </a:rPr>
               <a:t>@CreationTimestamp</a:t>
             </a:r>
             <a:r>
-              <a:rPr b="0" lang="en-US" sz="2000" spc="-1" strike="noStrike">
+              <a:rPr lang="en-US" sz="2000" b="0" strike="noStrike" spc="-1">
                 <a:solidFill>
                   <a:srgbClr val="000000"/>
                 </a:solidFill>
-                <a:latin typeface="Arial"/>
-                <a:ea typeface="Microsoft YaHei"/>
+                <a:latin typeface="Arial" panose="020B0604020202020204"/>
+                <a:ea typeface="Microsoft YaHei" panose="020B0503020204020204" charset="-122"/>
               </a:rPr>
               <a:t> : sẽ tự động lấy giá trị bằng thời gian lúc thực hiện insert</a:t>
             </a:r>
-            <a:endParaRPr b="0" lang="en-US" sz="2000" spc="-1" strike="noStrike">
-              <a:latin typeface="Arial"/>
-            </a:endParaRPr>
-          </a:p>
-          <a:p>
-            <a:pPr marL="432000" indent="-324000">
+            <a:endParaRPr lang="en-US" sz="2000" b="0" strike="noStrike" spc="-1">
+              <a:latin typeface="Arial" panose="020B0604020202020204"/>
+            </a:endParaRPr>
+          </a:p>
+          <a:p>
+            <a:pPr marL="431800" indent="-323850">
               <a:lnSpc>
                 <a:spcPct val="100000"/>
               </a:lnSpc>
               <a:spcAft>
-                <a:spcPts val="1414"/>
+                <a:spcPts val="1415"/>
               </a:spcAft>
               <a:buClr>
                 <a:srgbClr val="000000"/>
               </a:buClr>
               <a:buSzPct val="45000"/>
-              <a:buFont typeface="Wingdings" charset="2"/>
+              <a:buFont typeface="Wingdings" panose="05000000000000000000" pitchFamily="2" charset="2"/>
               <a:buChar char=""/>
             </a:pPr>
             <a:r>
-              <a:rPr b="1" lang="en-US" sz="2000" spc="-1" strike="noStrike">
+              <a:rPr lang="en-US" sz="2000" b="1" strike="noStrike" spc="-1">
                 <a:solidFill>
                   <a:srgbClr val="000000"/>
                 </a:solidFill>
-                <a:latin typeface="Arial"/>
-                <a:ea typeface="Microsoft YaHei"/>
+                <a:latin typeface="Arial" panose="020B0604020202020204"/>
+                <a:ea typeface="Microsoft YaHei" panose="020B0503020204020204" charset="-122"/>
               </a:rPr>
               <a:t>@UpdateTimestamp</a:t>
             </a:r>
             <a:r>
-              <a:rPr b="0" lang="en-US" sz="2000" spc="-1" strike="noStrike">
+              <a:rPr lang="en-US" sz="2000" b="0" strike="noStrike" spc="-1">
                 <a:solidFill>
                   <a:srgbClr val="000000"/>
                 </a:solidFill>
-                <a:latin typeface="Arial"/>
-                <a:ea typeface="Microsoft YaHei"/>
+                <a:latin typeface="Arial" panose="020B0604020202020204"/>
+                <a:ea typeface="Microsoft YaHei" panose="020B0503020204020204" charset="-122"/>
               </a:rPr>
               <a:t> : sẽ tự động cập nhật thời gian mỗi khi thực hiện insert/update</a:t>
             </a:r>
-            <a:endParaRPr b="0" lang="en-US" sz="2000" spc="-1" strike="noStrike">
-              <a:latin typeface="Arial"/>
-            </a:endParaRPr>
-          </a:p>
-          <a:p>
-            <a:pPr marL="432000" indent="-324000">
+            <a:endParaRPr lang="en-US" sz="2000" b="0" strike="noStrike" spc="-1">
+              <a:latin typeface="Arial" panose="020B0604020202020204"/>
+            </a:endParaRPr>
+          </a:p>
+          <a:p>
+            <a:pPr marL="431800" indent="-323850">
               <a:lnSpc>
                 <a:spcPct val="100000"/>
               </a:lnSpc>
               <a:spcAft>
-                <a:spcPts val="1414"/>
+                <a:spcPts val="1415"/>
               </a:spcAft>
               <a:buClr>
                 <a:srgbClr val="000000"/>
               </a:buClr>
               <a:buSzPct val="45000"/>
-              <a:buFont typeface="Wingdings" charset="2"/>
+              <a:buFont typeface="Wingdings" panose="05000000000000000000" pitchFamily="2" charset="2"/>
               <a:buChar char=""/>
             </a:pPr>
             <a:r>
-              <a:rPr b="1" lang="en-US" sz="2000" spc="-1" strike="noStrike">
+              <a:rPr lang="en-US" sz="2000" b="1" strike="noStrike" spc="-1">
                 <a:solidFill>
                   <a:srgbClr val="000000"/>
                 </a:solidFill>
-                <a:latin typeface="Arial"/>
-                <a:ea typeface="Microsoft YaHei"/>
+                <a:latin typeface="Arial" panose="020B0604020202020204"/>
+                <a:ea typeface="Microsoft YaHei" panose="020B0503020204020204" charset="-122"/>
               </a:rPr>
               <a:t>@NameQueries</a:t>
             </a:r>
             <a:r>
-              <a:rPr b="0" lang="en-US" sz="2000" spc="-1" strike="noStrike">
+              <a:rPr lang="en-US" sz="2000" b="0" strike="noStrike" spc="-1">
                 <a:solidFill>
                   <a:srgbClr val="000000"/>
                 </a:solidFill>
-                <a:latin typeface="Arial"/>
-                <a:ea typeface="Microsoft YaHei"/>
+                <a:latin typeface="Arial" panose="020B0604020202020204"/>
+                <a:ea typeface="Microsoft YaHei" panose="020B0503020204020204" charset="-122"/>
               </a:rPr>
               <a:t>: được sử dụng để định nghĩa nhiều named query.</a:t>
             </a:r>
-            <a:endParaRPr b="0" lang="en-US" sz="2000" spc="-1" strike="noStrike">
-              <a:latin typeface="Arial"/>
-            </a:endParaRPr>
-          </a:p>
-          <a:p>
-            <a:pPr marL="432000" indent="-324000">
+            <a:endParaRPr lang="en-US" sz="2000" b="0" strike="noStrike" spc="-1">
+              <a:latin typeface="Arial" panose="020B0604020202020204"/>
+            </a:endParaRPr>
+          </a:p>
+          <a:p>
+            <a:pPr marL="431800" indent="-323850">
               <a:lnSpc>
                 <a:spcPct val="100000"/>
               </a:lnSpc>
               <a:spcAft>
-                <a:spcPts val="1414"/>
+                <a:spcPts val="1415"/>
               </a:spcAft>
               <a:buClr>
                 <a:srgbClr val="000000"/>
               </a:buClr>
               <a:buSzPct val="45000"/>
-              <a:buFont typeface="Wingdings" charset="2"/>
+              <a:buFont typeface="Wingdings" panose="05000000000000000000" pitchFamily="2" charset="2"/>
               <a:buChar char=""/>
             </a:pPr>
             <a:r>
-              <a:rPr b="1" lang="en-US" sz="2000" spc="-1" strike="noStrike">
+              <a:rPr lang="en-US" sz="2000" b="1" strike="noStrike" spc="-1">
                 <a:solidFill>
                   <a:srgbClr val="000000"/>
                 </a:solidFill>
-                <a:latin typeface="Arial"/>
-                <a:ea typeface="Microsoft YaHei"/>
+                <a:latin typeface="Arial" panose="020B0604020202020204"/>
+                <a:ea typeface="Microsoft YaHei" panose="020B0503020204020204" charset="-122"/>
               </a:rPr>
               <a:t>@NameQuery</a:t>
             </a:r>
             <a:r>
-              <a:rPr b="0" lang="en-US" sz="2000" spc="-1" strike="noStrike">
+              <a:rPr lang="en-US" sz="2000" b="0" strike="noStrike" spc="-1">
                 <a:solidFill>
                   <a:srgbClr val="000000"/>
                 </a:solidFill>
-                <a:latin typeface="Arial"/>
-                <a:ea typeface="Microsoft YaHei"/>
+                <a:latin typeface="Arial" panose="020B0604020202020204"/>
+                <a:ea typeface="Microsoft YaHei" panose="020B0503020204020204" charset="-122"/>
               </a:rPr>
               <a:t>: được sử dụng để định nghĩa một named query đơn.</a:t>
             </a:r>
-            <a:endParaRPr b="0" lang="en-US" sz="2000" spc="-1" strike="noStrike">
-              <a:latin typeface="Arial"/>
+            <a:endParaRPr lang="en-US" sz="2000" b="0" strike="noStrike" spc="-1">
+              <a:latin typeface="Arial" panose="020B0604020202020204"/>
             </a:endParaRPr>
           </a:p>
         </p:txBody>
       </p:sp>
     </p:spTree>
   </p:cSld>
-  <mc:AlternateContent>
-    <mc:Choice Requires="p14">
+  <p:clrMapOvr>
+    <a:masterClrMapping/>
+  </p:clrMapOvr>
+  <mc:AlternateContent xmlns:mc="http://schemas.openxmlformats.org/markup-compatibility/2006">
+    <mc:Choice xmlns:p14="http://schemas.microsoft.com/office/powerpoint/2010/main" Requires="p14">
       <p:transition spd="slow" p14:dur="3000"/>
     </mc:Choice>
     <mc:Fallback>
@@ -5648,7 +6044,7 @@
 </file>
 
 <file path=ppt/slides/slide19.xml><?xml version="1.0" encoding="utf-8"?>
-<p:sld xmlns:a="http://schemas.openxmlformats.org/drawingml/2006/main" xmlns:p="http://schemas.openxmlformats.org/presentationml/2006/main" xmlns:r="http://schemas.openxmlformats.org/officeDocument/2006/relationships" xmlns:p14="http://schemas.microsoft.com/office/powerpoint/2010/main" xmlns:p15="http://schemas.microsoft.com/office/powerpoint/2012/main" xmlns:mc="http://schemas.openxmlformats.org/markup-compatibility/2006">
+<p:sld xmlns:a="http://schemas.openxmlformats.org/drawingml/2006/main" xmlns:r="http://schemas.openxmlformats.org/officeDocument/2006/relationships" xmlns:p="http://schemas.openxmlformats.org/presentationml/2006/main">
   <p:cSld>
     <p:spTree>
       <p:nvGrpSpPr>
@@ -5684,36 +6080,36 @@
           </a:ln>
         </p:spPr>
         <p:txBody>
-          <a:bodyPr lIns="0" rIns="0" tIns="0" bIns="0" anchor="ctr" anchorCtr="1">
+          <a:bodyPr lIns="0" tIns="0" rIns="0" bIns="0" anchor="ctr" anchorCtr="1">
             <a:noAutofit/>
           </a:bodyPr>
           <a:p>
-            <a:pPr marL="432000" indent="-324000" algn="ctr">
+            <a:pPr marL="431800" indent="-323850" algn="ctr">
               <a:lnSpc>
                 <a:spcPct val="100000"/>
               </a:lnSpc>
               <a:spcAft>
-                <a:spcPts val="1414"/>
+                <a:spcPts val="1415"/>
               </a:spcAft>
               <a:buClr>
                 <a:srgbClr val="000000"/>
               </a:buClr>
               <a:buSzPct val="45000"/>
-              <a:buFont typeface="Wingdings" charset="2"/>
+              <a:buFont typeface="Wingdings" panose="05000000000000000000" pitchFamily="2" charset="2"/>
               <a:buChar char=""/>
             </a:pPr>
             <a:r>
-              <a:rPr b="1" lang="en-US" sz="3200" spc="-1" strike="noStrike">
+              <a:rPr lang="en-US" sz="3200" b="1" strike="noStrike" spc="-1">
                 <a:solidFill>
                   <a:srgbClr val="000000"/>
                 </a:solidFill>
-                <a:latin typeface="Arial"/>
-                <a:ea typeface="Microsoft YaHei"/>
+                <a:latin typeface="Arial" panose="020B0604020202020204"/>
+                <a:ea typeface="Microsoft YaHei" panose="020B0503020204020204" charset="-122"/>
               </a:rPr>
               <a:t>RESTFul Web Services</a:t>
             </a:r>
-            <a:endParaRPr b="0" lang="en-US" sz="3200" spc="-1" strike="noStrike">
-              <a:latin typeface="Arial"/>
+            <a:endParaRPr lang="en-US" sz="3200" b="0" strike="noStrike" spc="-1">
+              <a:latin typeface="Arial" panose="020B0604020202020204"/>
             </a:endParaRPr>
           </a:p>
         </p:txBody>
@@ -5738,205 +6134,208 @@
           </a:ln>
         </p:spPr>
         <p:txBody>
-          <a:bodyPr lIns="0" rIns="0" tIns="0" bIns="0">
+          <a:bodyPr lIns="0" tIns="0" rIns="0" bIns="0">
             <a:noAutofit/>
           </a:bodyPr>
           <a:p>
-            <a:pPr marL="432000" indent="-324000">
+            <a:pPr marL="431800" indent="-323850">
               <a:spcAft>
-                <a:spcPts val="1417"/>
+                <a:spcPts val="1415"/>
               </a:spcAft>
               <a:buClr>
                 <a:srgbClr val="000000"/>
               </a:buClr>
               <a:buSzPct val="45000"/>
-              <a:buFont typeface="Wingdings" charset="2"/>
+              <a:buFont typeface="Wingdings" panose="05000000000000000000" pitchFamily="2" charset="2"/>
               <a:buChar char=""/>
             </a:pPr>
             <a:r>
-              <a:rPr b="0" lang="en-US" sz="2000" spc="-1" strike="noStrike">
-                <a:latin typeface="Arial"/>
+              <a:rPr lang="en-US" sz="2000" b="0" strike="noStrike" spc="-1">
+                <a:latin typeface="Arial" panose="020B0604020202020204"/>
               </a:rPr>
               <a:t>Restful Web Services is a </a:t>
             </a:r>
             <a:r>
-              <a:rPr b="1" lang="en-US" sz="2000" spc="-1" strike="noStrike">
-                <a:latin typeface="Arial"/>
+              <a:rPr lang="en-US" sz="2000" b="1" strike="noStrike" spc="-1">
+                <a:latin typeface="Arial" panose="020B0604020202020204"/>
               </a:rPr>
               <a:t>stateless client-server</a:t>
             </a:r>
             <a:r>
-              <a:rPr b="0" lang="en-US" sz="2000" spc="-1" strike="noStrike">
-                <a:latin typeface="Arial"/>
+              <a:rPr lang="en-US" sz="2000" b="0" strike="noStrike" spc="-1">
+                <a:latin typeface="Arial" panose="020B0604020202020204"/>
               </a:rPr>
               <a:t> architecture where web services are resources and can be identified by their URIs.</a:t>
             </a:r>
-            <a:endParaRPr b="0" lang="en-US" sz="2000" spc="-1" strike="noStrike">
-              <a:latin typeface="Arial"/>
-            </a:endParaRPr>
-          </a:p>
-          <a:p>
-            <a:pPr marL="432000" indent="-324000">
+            <a:endParaRPr lang="en-US" sz="2000" b="0" strike="noStrike" spc="-1">
+              <a:latin typeface="Arial" panose="020B0604020202020204"/>
+            </a:endParaRPr>
+          </a:p>
+          <a:p>
+            <a:pPr marL="431800" indent="-323850">
               <a:spcAft>
-                <a:spcPts val="1417"/>
+                <a:spcPts val="1415"/>
               </a:spcAft>
               <a:buClr>
                 <a:srgbClr val="000000"/>
               </a:buClr>
               <a:buSzPct val="45000"/>
-              <a:buFont typeface="Wingdings" charset="2"/>
+              <a:buFont typeface="Wingdings" panose="05000000000000000000" pitchFamily="2" charset="2"/>
               <a:buChar char=""/>
             </a:pPr>
             <a:r>
-              <a:rPr b="0" lang="en-US" sz="2000" spc="-1" strike="noStrike">
-                <a:latin typeface="Arial"/>
+              <a:rPr lang="en-US" sz="2000" b="0" strike="noStrike" spc="-1">
+                <a:latin typeface="Arial" panose="020B0604020202020204"/>
               </a:rPr>
               <a:t>Java API for RESTful Web Services (JAX-RS) is the Java API for creating REST web services.</a:t>
             </a:r>
-            <a:endParaRPr b="0" lang="en-US" sz="2000" spc="-1" strike="noStrike">
-              <a:latin typeface="Arial"/>
-            </a:endParaRPr>
-          </a:p>
-          <a:p>
-            <a:pPr marL="432000" indent="-324000">
+            <a:endParaRPr lang="en-US" sz="2000" b="0" strike="noStrike" spc="-1">
+              <a:latin typeface="Arial" panose="020B0604020202020204"/>
+            </a:endParaRPr>
+          </a:p>
+          <a:p>
+            <a:pPr marL="431800" indent="-323850">
               <a:spcAft>
-                <a:spcPts val="1417"/>
+                <a:spcPts val="1415"/>
               </a:spcAft>
               <a:buClr>
                 <a:srgbClr val="000000"/>
               </a:buClr>
               <a:buSzPct val="45000"/>
-              <a:buFont typeface="Wingdings" charset="2"/>
+              <a:buFont typeface="Wingdings" panose="05000000000000000000" pitchFamily="2" charset="2"/>
               <a:buChar char=""/>
             </a:pPr>
             <a:r>
-              <a:rPr b="0" lang="en-US" sz="2000" spc="-1" strike="noStrike">
-                <a:latin typeface="Arial"/>
+              <a:rPr lang="en-US" sz="2000" b="0" strike="noStrike" spc="-1">
+                <a:latin typeface="Arial" panose="020B0604020202020204"/>
               </a:rPr>
               <a:t>Restful Web Services Annotations:</a:t>
             </a:r>
-            <a:endParaRPr b="0" lang="en-US" sz="2000" spc="-1" strike="noStrike">
-              <a:latin typeface="Arial"/>
-            </a:endParaRPr>
-          </a:p>
-          <a:p>
-            <a:pPr marL="432000" indent="-324000">
+            <a:endParaRPr lang="en-US" sz="2000" b="0" strike="noStrike" spc="-1">
+              <a:latin typeface="Arial" panose="020B0604020202020204"/>
+            </a:endParaRPr>
+          </a:p>
+          <a:p>
+            <a:pPr marL="431800" indent="-323850">
               <a:spcAft>
-                <a:spcPts val="1417"/>
+                <a:spcPts val="1415"/>
               </a:spcAft>
               <a:buClr>
                 <a:srgbClr val="000000"/>
               </a:buClr>
               <a:buSzPct val="45000"/>
-              <a:buFont typeface="Wingdings" charset="2"/>
+              <a:buFont typeface="Wingdings" panose="05000000000000000000" pitchFamily="2" charset="2"/>
               <a:buChar char=""/>
             </a:pPr>
             <a:r>
-              <a:rPr b="1" lang="en-US" sz="2000" spc="-1" strike="noStrike">
-                <a:latin typeface="Arial"/>
+              <a:rPr lang="en-US" sz="2000" b="1" strike="noStrike" spc="-1">
+                <a:latin typeface="Arial" panose="020B0604020202020204"/>
               </a:rPr>
               <a:t>@Path</a:t>
             </a:r>
             <a:r>
-              <a:rPr b="0" lang="en-US" sz="2000" spc="-1" strike="noStrike">
-                <a:latin typeface="Arial"/>
+              <a:rPr lang="en-US" sz="2000" b="0" strike="noStrike" spc="-1">
+                <a:latin typeface="Arial" panose="020B0604020202020204"/>
               </a:rPr>
               <a:t>: used to specify the relative path of class and methods. We can get the URI of a webservice by scanning the Path annotation value.</a:t>
             </a:r>
-            <a:endParaRPr b="0" lang="en-US" sz="2000" spc="-1" strike="noStrike">
-              <a:latin typeface="Arial"/>
-            </a:endParaRPr>
-          </a:p>
-          <a:p>
-            <a:pPr marL="432000" indent="-324000">
+            <a:endParaRPr lang="en-US" sz="2000" b="0" strike="noStrike" spc="-1">
+              <a:latin typeface="Arial" panose="020B0604020202020204"/>
+            </a:endParaRPr>
+          </a:p>
+          <a:p>
+            <a:pPr marL="431800" indent="-323850">
               <a:spcAft>
-                <a:spcPts val="1417"/>
+                <a:spcPts val="1415"/>
               </a:spcAft>
               <a:buClr>
                 <a:srgbClr val="000000"/>
               </a:buClr>
               <a:buSzPct val="45000"/>
-              <a:buFont typeface="Wingdings" charset="2"/>
+              <a:buFont typeface="Wingdings" panose="05000000000000000000" pitchFamily="2" charset="2"/>
               <a:buChar char=""/>
             </a:pPr>
             <a:r>
-              <a:rPr b="1" lang="en-US" sz="2000" spc="-1" strike="noStrike">
-                <a:latin typeface="Arial"/>
+              <a:rPr lang="en-US" sz="2000" b="1" strike="noStrike" spc="-1">
+                <a:latin typeface="Arial" panose="020B0604020202020204"/>
               </a:rPr>
               <a:t>@GET, @PUT, @POST, @DELETE and @HEAD</a:t>
             </a:r>
             <a:r>
-              <a:rPr b="0" lang="en-US" sz="2000" spc="-1" strike="noStrike">
-                <a:latin typeface="Arial"/>
+              <a:rPr lang="en-US" sz="2000" b="0" strike="noStrike" spc="-1">
+                <a:latin typeface="Arial" panose="020B0604020202020204"/>
               </a:rPr>
               <a:t>: used to specify the HTTP request type for a method.</a:t>
             </a:r>
-            <a:endParaRPr b="0" lang="en-US" sz="2000" spc="-1" strike="noStrike">
-              <a:latin typeface="Arial"/>
-            </a:endParaRPr>
-          </a:p>
-          <a:p>
-            <a:pPr marL="432000" indent="-324000">
+            <a:endParaRPr lang="en-US" sz="2000" b="0" strike="noStrike" spc="-1">
+              <a:latin typeface="Arial" panose="020B0604020202020204"/>
+            </a:endParaRPr>
+          </a:p>
+          <a:p>
+            <a:pPr marL="431800" indent="-323850">
               <a:spcAft>
-                <a:spcPts val="1417"/>
+                <a:spcPts val="1415"/>
               </a:spcAft>
               <a:buClr>
                 <a:srgbClr val="000000"/>
               </a:buClr>
               <a:buSzPct val="45000"/>
-              <a:buFont typeface="Wingdings" charset="2"/>
+              <a:buFont typeface="Wingdings" panose="05000000000000000000" pitchFamily="2" charset="2"/>
               <a:buChar char=""/>
             </a:pPr>
             <a:r>
-              <a:rPr b="1" lang="en-US" sz="2000" spc="-1" strike="noStrike">
-                <a:latin typeface="Arial"/>
+              <a:rPr lang="en-US" sz="2000" b="1" strike="noStrike" spc="-1">
+                <a:latin typeface="Arial" panose="020B0604020202020204"/>
               </a:rPr>
               <a:t>@Produces, @Consumes</a:t>
             </a:r>
             <a:r>
-              <a:rPr b="0" lang="en-US" sz="2000" spc="-1" strike="noStrike">
-                <a:latin typeface="Arial"/>
+              <a:rPr lang="en-US" sz="2000" b="0" strike="noStrike" spc="-1">
+                <a:latin typeface="Arial" panose="020B0604020202020204"/>
               </a:rPr>
               <a:t>: used to specify the request and response types.</a:t>
             </a:r>
-            <a:endParaRPr b="0" lang="en-US" sz="2000" spc="-1" strike="noStrike">
-              <a:latin typeface="Arial"/>
-            </a:endParaRPr>
-          </a:p>
-          <a:p>
-            <a:pPr marL="432000" indent="-324000">
+            <a:endParaRPr lang="en-US" sz="2000" b="0" strike="noStrike" spc="-1">
+              <a:latin typeface="Arial" panose="020B0604020202020204"/>
+            </a:endParaRPr>
+          </a:p>
+          <a:p>
+            <a:pPr marL="431800" indent="-323850">
               <a:spcAft>
-                <a:spcPts val="1417"/>
+                <a:spcPts val="1415"/>
               </a:spcAft>
               <a:buClr>
                 <a:srgbClr val="000000"/>
               </a:buClr>
               <a:buSzPct val="45000"/>
-              <a:buFont typeface="Wingdings" charset="2"/>
+              <a:buFont typeface="Wingdings" panose="05000000000000000000" pitchFamily="2" charset="2"/>
               <a:buChar char=""/>
             </a:pPr>
             <a:r>
-              <a:rPr b="1" lang="en-US" sz="2000" spc="-1" strike="noStrike">
-                <a:latin typeface="Arial"/>
+              <a:rPr lang="en-US" sz="2000" b="1" strike="noStrike" spc="-1">
+                <a:latin typeface="Arial" panose="020B0604020202020204"/>
               </a:rPr>
               <a:t>@PathParam</a:t>
             </a:r>
             <a:r>
-              <a:rPr b="0" lang="en-US" sz="2000" spc="-1" strike="noStrike">
-                <a:latin typeface="Arial"/>
+              <a:rPr lang="en-US" sz="2000" b="0" strike="noStrike" spc="-1">
+                <a:latin typeface="Arial" panose="020B0604020202020204"/>
               </a:rPr>
               <a:t>: used to bind the method parameter to path value by parsing it.</a:t>
             </a:r>
-            <a:endParaRPr b="0" lang="en-US" sz="2000" spc="-1" strike="noStrike">
-              <a:latin typeface="Arial"/>
+            <a:endParaRPr lang="en-US" sz="2000" b="0" strike="noStrike" spc="-1">
+              <a:latin typeface="Arial" panose="020B0604020202020204"/>
             </a:endParaRPr>
           </a:p>
         </p:txBody>
       </p:sp>
     </p:spTree>
   </p:cSld>
-  <mc:AlternateContent>
-    <mc:Choice Requires="p14">
+  <p:clrMapOvr>
+    <a:masterClrMapping/>
+  </p:clrMapOvr>
+  <mc:AlternateContent xmlns:mc="http://schemas.openxmlformats.org/markup-compatibility/2006">
+    <mc:Choice xmlns:p14="http://schemas.microsoft.com/office/powerpoint/2010/main" Requires="p14">
       <p:transition spd="slow" p14:dur="3000"/>
     </mc:Choice>
     <mc:Fallback>
@@ -5947,7 +6346,7 @@
 </file>
 
 <file path=ppt/slides/slide2.xml><?xml version="1.0" encoding="utf-8"?>
-<p:sld xmlns:a="http://schemas.openxmlformats.org/drawingml/2006/main" xmlns:p="http://schemas.openxmlformats.org/presentationml/2006/main" xmlns:r="http://schemas.openxmlformats.org/officeDocument/2006/relationships" xmlns:p14="http://schemas.microsoft.com/office/powerpoint/2010/main" xmlns:p15="http://schemas.microsoft.com/office/powerpoint/2012/main" xmlns:mc="http://schemas.openxmlformats.org/markup-compatibility/2006">
+<p:sld xmlns:a="http://schemas.openxmlformats.org/drawingml/2006/main" xmlns:r="http://schemas.openxmlformats.org/officeDocument/2006/relationships" xmlns:p="http://schemas.openxmlformats.org/presentationml/2006/main">
   <p:cSld>
     <p:spTree>
       <p:nvGrpSpPr>
@@ -5983,49 +6382,51 @@
           </a:ln>
         </p:spPr>
         <p:txBody>
-          <a:bodyPr lIns="0" rIns="0" tIns="0" bIns="0" anchor="ctr" anchorCtr="1">
+          <a:bodyPr lIns="0" tIns="0" rIns="0" bIns="0" anchor="ctr" anchorCtr="1">
             <a:noAutofit/>
           </a:bodyPr>
           <a:p>
-            <a:pPr marL="432000" indent="-324000" algn="ctr">
+            <a:pPr marL="431800" indent="-323850" algn="ctr">
               <a:lnSpc>
                 <a:spcPct val="100000"/>
               </a:lnSpc>
               <a:spcAft>
-                <a:spcPts val="1414"/>
+                <a:spcPts val="1415"/>
               </a:spcAft>
               <a:buClr>
                 <a:srgbClr val="000000"/>
               </a:buClr>
               <a:buSzPct val="45000"/>
-              <a:buFont typeface="Wingdings" charset="2"/>
+              <a:buFont typeface="Wingdings" panose="05000000000000000000" pitchFamily="2" charset="2"/>
               <a:buChar char=""/>
             </a:pPr>
             <a:r>
-              <a:rPr b="0" lang="en-US" sz="3200" spc="-1" strike="noStrike">
+              <a:rPr lang="en-US" sz="3200" b="0" strike="noStrike" spc="-1">
                 <a:solidFill>
                   <a:srgbClr val="000000"/>
                 </a:solidFill>
-                <a:latin typeface="Arial"/>
-                <a:ea typeface="Microsoft YaHei"/>
+                <a:latin typeface="Arial" panose="020B0604020202020204"/>
+                <a:ea typeface="Microsoft YaHei" panose="020B0503020204020204" charset="-122"/>
               </a:rPr>
               <a:t>J2EE architecture</a:t>
             </a:r>
-            <a:endParaRPr b="0" lang="en-US" sz="3200" spc="-1" strike="noStrike">
-              <a:latin typeface="Arial"/>
+            <a:endParaRPr lang="en-US" sz="3200" b="0" strike="noStrike" spc="-1">
+              <a:latin typeface="Arial" panose="020B0604020202020204"/>
             </a:endParaRPr>
           </a:p>
         </p:txBody>
       </p:sp>
       <p:pic>
         <p:nvPicPr>
-          <p:cNvPr id="85" name="" descr=""/>
+          <p:cNvPr id="85" name="Picture 84"/>
           <p:cNvPicPr/>
           <p:nvPr/>
         </p:nvPicPr>
         <p:blipFill>
           <a:blip r:embed="rId1"/>
-          <a:stretch/>
+          <a:stretch>
+            <a:fillRect/>
+          </a:stretch>
         </p:blipFill>
         <p:spPr>
           <a:xfrm>
@@ -6042,8 +6443,11 @@
       </p:pic>
     </p:spTree>
   </p:cSld>
-  <mc:AlternateContent>
-    <mc:Choice Requires="p14">
+  <p:clrMapOvr>
+    <a:masterClrMapping/>
+  </p:clrMapOvr>
+  <mc:AlternateContent xmlns:mc="http://schemas.openxmlformats.org/markup-compatibility/2006">
+    <mc:Choice xmlns:p14="http://schemas.microsoft.com/office/powerpoint/2010/main" Requires="p14">
       <p:transition spd="slow" p14:dur="3000"/>
     </mc:Choice>
     <mc:Fallback>
@@ -6054,7 +6458,7 @@
 </file>
 
 <file path=ppt/slides/slide20.xml><?xml version="1.0" encoding="utf-8"?>
-<p:sld xmlns:a="http://schemas.openxmlformats.org/drawingml/2006/main" xmlns:p="http://schemas.openxmlformats.org/presentationml/2006/main" xmlns:r="http://schemas.openxmlformats.org/officeDocument/2006/relationships" xmlns:p14="http://schemas.microsoft.com/office/powerpoint/2010/main" xmlns:p15="http://schemas.microsoft.com/office/powerpoint/2012/main" xmlns:mc="http://schemas.openxmlformats.org/markup-compatibility/2006">
+<p:sld xmlns:a="http://schemas.openxmlformats.org/drawingml/2006/main" xmlns:r="http://schemas.openxmlformats.org/officeDocument/2006/relationships" xmlns:p="http://schemas.openxmlformats.org/presentationml/2006/main">
   <p:cSld>
     <p:spTree>
       <p:nvGrpSpPr>
@@ -6090,36 +6494,36 @@
           </a:ln>
         </p:spPr>
         <p:txBody>
-          <a:bodyPr lIns="0" rIns="0" tIns="0" bIns="0" anchor="ctr" anchorCtr="1">
+          <a:bodyPr lIns="0" tIns="0" rIns="0" bIns="0" anchor="ctr" anchorCtr="1">
             <a:noAutofit/>
           </a:bodyPr>
           <a:p>
-            <a:pPr marL="432000" indent="-324000" algn="ctr">
+            <a:pPr marL="431800" indent="-323850" algn="ctr">
               <a:lnSpc>
                 <a:spcPct val="100000"/>
               </a:lnSpc>
               <a:spcAft>
-                <a:spcPts val="1414"/>
+                <a:spcPts val="1415"/>
               </a:spcAft>
               <a:buClr>
                 <a:srgbClr val="000000"/>
               </a:buClr>
               <a:buSzPct val="45000"/>
-              <a:buFont typeface="Wingdings" charset="2"/>
+              <a:buFont typeface="Wingdings" panose="05000000000000000000" pitchFamily="2" charset="2"/>
               <a:buChar char=""/>
             </a:pPr>
             <a:r>
-              <a:rPr b="1" lang="en-US" sz="3200" spc="-1" strike="noStrike">
+              <a:rPr lang="en-US" sz="3200" b="1" strike="noStrike" spc="-1">
                 <a:solidFill>
                   <a:srgbClr val="000000"/>
                 </a:solidFill>
-                <a:latin typeface="Arial"/>
-                <a:ea typeface="Microsoft YaHei"/>
+                <a:latin typeface="Arial" panose="020B0604020202020204"/>
+                <a:ea typeface="Microsoft YaHei" panose="020B0503020204020204" charset="-122"/>
               </a:rPr>
               <a:t>Restful Web Services vs SOAP</a:t>
             </a:r>
-            <a:endParaRPr b="0" lang="en-US" sz="3200" spc="-1" strike="noStrike">
-              <a:latin typeface="Arial"/>
+            <a:endParaRPr lang="en-US" sz="3200" b="0" strike="noStrike" spc="-1">
+              <a:latin typeface="Arial" panose="020B0604020202020204"/>
             </a:endParaRPr>
           </a:p>
         </p:txBody>
@@ -6144,125 +6548,128 @@
           </a:ln>
         </p:spPr>
         <p:txBody>
-          <a:bodyPr lIns="0" rIns="0" tIns="0" bIns="0">
+          <a:bodyPr lIns="0" tIns="0" rIns="0" bIns="0">
             <a:noAutofit/>
           </a:bodyPr>
           <a:p>
-            <a:pPr marL="432000" indent="-324000">
+            <a:pPr marL="431800" indent="-323850">
               <a:spcAft>
-                <a:spcPts val="1417"/>
+                <a:spcPts val="1415"/>
               </a:spcAft>
               <a:buClr>
                 <a:srgbClr val="000000"/>
               </a:buClr>
               <a:buSzPct val="45000"/>
-              <a:buFont typeface="Wingdings" charset="2"/>
+              <a:buFont typeface="Wingdings" panose="05000000000000000000" pitchFamily="2" charset="2"/>
               <a:buChar char=""/>
             </a:pPr>
             <a:r>
-              <a:rPr b="0" lang="en-US" sz="2000" spc="-1" strike="noStrike">
-                <a:latin typeface="Arial"/>
+              <a:rPr lang="en-US" sz="2000" b="0" strike="noStrike" spc="-1">
+                <a:latin typeface="Arial" panose="020B0604020202020204"/>
               </a:rPr>
               <a:t>SOAP is a protocol whereas REST is an architectural style.</a:t>
             </a:r>
-            <a:endParaRPr b="0" lang="en-US" sz="2000" spc="-1" strike="noStrike">
-              <a:latin typeface="Arial"/>
-            </a:endParaRPr>
-          </a:p>
-          <a:p>
-            <a:pPr marL="432000" indent="-324000">
+            <a:endParaRPr lang="en-US" sz="2000" b="0" strike="noStrike" spc="-1">
+              <a:latin typeface="Arial" panose="020B0604020202020204"/>
+            </a:endParaRPr>
+          </a:p>
+          <a:p>
+            <a:pPr marL="431800" indent="-323850">
               <a:spcAft>
-                <a:spcPts val="1417"/>
+                <a:spcPts val="1415"/>
               </a:spcAft>
               <a:buClr>
                 <a:srgbClr val="000000"/>
               </a:buClr>
               <a:buSzPct val="45000"/>
-              <a:buFont typeface="Wingdings" charset="2"/>
+              <a:buFont typeface="Wingdings" panose="05000000000000000000" pitchFamily="2" charset="2"/>
               <a:buChar char=""/>
             </a:pPr>
             <a:r>
-              <a:rPr b="0" lang="en-US" sz="2000" spc="-1" strike="noStrike">
-                <a:latin typeface="Arial"/>
+              <a:rPr lang="en-US" sz="2000" b="0" strike="noStrike" spc="-1">
+                <a:latin typeface="Arial" panose="020B0604020202020204"/>
               </a:rPr>
               <a:t>SOAP server and client applications are tightly coupled and bind with the WSDL contract whereas there is no contract in REST web services and client.</a:t>
             </a:r>
-            <a:endParaRPr b="0" lang="en-US" sz="2000" spc="-1" strike="noStrike">
-              <a:latin typeface="Arial"/>
-            </a:endParaRPr>
-          </a:p>
-          <a:p>
-            <a:pPr marL="432000" indent="-324000">
+            <a:endParaRPr lang="en-US" sz="2000" b="0" strike="noStrike" spc="-1">
+              <a:latin typeface="Arial" panose="020B0604020202020204"/>
+            </a:endParaRPr>
+          </a:p>
+          <a:p>
+            <a:pPr marL="431800" indent="-323850">
               <a:spcAft>
-                <a:spcPts val="1417"/>
+                <a:spcPts val="1415"/>
               </a:spcAft>
               <a:buClr>
                 <a:srgbClr val="000000"/>
               </a:buClr>
               <a:buSzPct val="45000"/>
-              <a:buFont typeface="Wingdings" charset="2"/>
+              <a:buFont typeface="Wingdings" panose="05000000000000000000" pitchFamily="2" charset="2"/>
               <a:buChar char=""/>
             </a:pPr>
             <a:r>
-              <a:rPr b="0" lang="en-US" sz="2000" spc="-1" strike="noStrike">
-                <a:latin typeface="Arial"/>
+              <a:rPr lang="en-US" sz="2000" b="0" strike="noStrike" spc="-1">
+                <a:latin typeface="Arial" panose="020B0604020202020204"/>
               </a:rPr>
               <a:t>Learning curve is easy for REST when compared to SOAP web services.</a:t>
             </a:r>
-            <a:endParaRPr b="0" lang="en-US" sz="2000" spc="-1" strike="noStrike">
-              <a:latin typeface="Arial"/>
-            </a:endParaRPr>
-          </a:p>
-          <a:p>
-            <a:pPr marL="432000" indent="-324000">
+            <a:endParaRPr lang="en-US" sz="2000" b="0" strike="noStrike" spc="-1">
+              <a:latin typeface="Arial" panose="020B0604020202020204"/>
+            </a:endParaRPr>
+          </a:p>
+          <a:p>
+            <a:pPr marL="431800" indent="-323850">
               <a:spcAft>
-                <a:spcPts val="1417"/>
+                <a:spcPts val="1415"/>
               </a:spcAft>
               <a:buClr>
                 <a:srgbClr val="000000"/>
               </a:buClr>
               <a:buSzPct val="45000"/>
-              <a:buFont typeface="Wingdings" charset="2"/>
+              <a:buFont typeface="Wingdings" panose="05000000000000000000" pitchFamily="2" charset="2"/>
               <a:buChar char=""/>
             </a:pPr>
             <a:r>
-              <a:rPr b="0" lang="en-US" sz="2000" spc="-1" strike="noStrike">
-                <a:latin typeface="Arial"/>
+              <a:rPr lang="en-US" sz="2000" b="0" strike="noStrike" spc="-1">
+                <a:latin typeface="Arial" panose="020B0604020202020204"/>
               </a:rPr>
               <a:t>REST web services request and response types can be XML, JSON, text etc. whereas SOAP works with XML only.</a:t>
             </a:r>
-            <a:endParaRPr b="0" lang="en-US" sz="2000" spc="-1" strike="noStrike">
-              <a:latin typeface="Arial"/>
-            </a:endParaRPr>
-          </a:p>
-          <a:p>
-            <a:pPr marL="432000" indent="-324000">
+            <a:endParaRPr lang="en-US" sz="2000" b="0" strike="noStrike" spc="-1">
+              <a:latin typeface="Arial" panose="020B0604020202020204"/>
+            </a:endParaRPr>
+          </a:p>
+          <a:p>
+            <a:pPr marL="431800" indent="-323850">
               <a:spcAft>
-                <a:spcPts val="1417"/>
+                <a:spcPts val="1415"/>
               </a:spcAft>
               <a:buClr>
                 <a:srgbClr val="000000"/>
               </a:buClr>
               <a:buSzPct val="45000"/>
-              <a:buFont typeface="Wingdings" charset="2"/>
+              <a:buFont typeface="Wingdings" panose="05000000000000000000" pitchFamily="2" charset="2"/>
               <a:buChar char=""/>
             </a:pPr>
             <a:r>
-              <a:rPr b="0" lang="en-US" sz="2000" spc="-1" strike="noStrike">
-                <a:latin typeface="Arial"/>
+              <a:rPr lang="en-US" sz="2000" b="0" strike="noStrike" spc="-1">
+                <a:latin typeface="Arial" panose="020B0604020202020204"/>
               </a:rPr>
               <a:t>JAX-RS is the Java API for REST web services whereas JAX-WS is the Java API for SOAP web services.</a:t>
             </a:r>
-            <a:endParaRPr b="0" lang="en-US" sz="2000" spc="-1" strike="noStrike">
-              <a:latin typeface="Arial"/>
+            <a:endParaRPr lang="en-US" sz="2000" b="0" strike="noStrike" spc="-1">
+              <a:latin typeface="Arial" panose="020B0604020202020204"/>
             </a:endParaRPr>
           </a:p>
         </p:txBody>
       </p:sp>
     </p:spTree>
   </p:cSld>
-  <mc:AlternateContent>
-    <mc:Choice Requires="p14">
+  <p:clrMapOvr>
+    <a:masterClrMapping/>
+  </p:clrMapOvr>
+  <mc:AlternateContent xmlns:mc="http://schemas.openxmlformats.org/markup-compatibility/2006">
+    <mc:Choice xmlns:p14="http://schemas.microsoft.com/office/powerpoint/2010/main" Requires="p14">
       <p:transition spd="slow" p14:dur="3000"/>
     </mc:Choice>
     <mc:Fallback>
@@ -6273,7 +6680,7 @@
 </file>
 
 <file path=ppt/slides/slide21.xml><?xml version="1.0" encoding="utf-8"?>
-<p:sld xmlns:a="http://schemas.openxmlformats.org/drawingml/2006/main" xmlns:p="http://schemas.openxmlformats.org/presentationml/2006/main" xmlns:r="http://schemas.openxmlformats.org/officeDocument/2006/relationships" xmlns:p14="http://schemas.microsoft.com/office/powerpoint/2010/main" xmlns:p15="http://schemas.microsoft.com/office/powerpoint/2012/main" xmlns:mc="http://schemas.openxmlformats.org/markup-compatibility/2006">
+<p:sld xmlns:a="http://schemas.openxmlformats.org/drawingml/2006/main" xmlns:r="http://schemas.openxmlformats.org/officeDocument/2006/relationships" xmlns:p="http://schemas.openxmlformats.org/presentationml/2006/main">
   <p:cSld>
     <p:spTree>
       <p:nvGrpSpPr>
@@ -6309,36 +6716,36 @@
           </a:ln>
         </p:spPr>
         <p:txBody>
-          <a:bodyPr lIns="0" rIns="0" tIns="0" bIns="0" anchor="ctr" anchorCtr="1">
+          <a:bodyPr lIns="0" tIns="0" rIns="0" bIns="0" anchor="ctr" anchorCtr="1">
             <a:noAutofit/>
           </a:bodyPr>
           <a:p>
-            <a:pPr marL="432000" indent="-324000" algn="ctr">
+            <a:pPr marL="431800" indent="-323850" algn="ctr">
               <a:lnSpc>
                 <a:spcPct val="100000"/>
               </a:lnSpc>
               <a:spcAft>
-                <a:spcPts val="1414"/>
+                <a:spcPts val="1415"/>
               </a:spcAft>
               <a:buClr>
                 <a:srgbClr val="000000"/>
               </a:buClr>
               <a:buSzPct val="45000"/>
-              <a:buFont typeface="Wingdings" charset="2"/>
+              <a:buFont typeface="Wingdings" panose="05000000000000000000" pitchFamily="2" charset="2"/>
               <a:buChar char=""/>
             </a:pPr>
             <a:r>
-              <a:rPr b="1" lang="en-US" sz="3200" spc="-1" strike="noStrike">
+              <a:rPr lang="en-US" sz="3200" b="1" strike="noStrike" spc="-1">
                 <a:solidFill>
                   <a:srgbClr val="000000"/>
                 </a:solidFill>
-                <a:latin typeface="Arial"/>
-                <a:ea typeface="Microsoft YaHei"/>
+                <a:latin typeface="Arial" panose="020B0604020202020204"/>
+                <a:ea typeface="Microsoft YaHei" panose="020B0503020204020204" charset="-122"/>
               </a:rPr>
               <a:t>REST API Implementations</a:t>
             </a:r>
-            <a:endParaRPr b="0" lang="en-US" sz="3200" spc="-1" strike="noStrike">
-              <a:latin typeface="Arial"/>
+            <a:endParaRPr lang="en-US" sz="3200" b="0" strike="noStrike" spc="-1">
+              <a:latin typeface="Arial" panose="020B0604020202020204"/>
             </a:endParaRPr>
           </a:p>
         </p:txBody>
@@ -6363,93 +6770,96 @@
           </a:ln>
         </p:spPr>
         <p:txBody>
-          <a:bodyPr lIns="0" rIns="0" tIns="0" bIns="0">
+          <a:bodyPr lIns="0" tIns="0" rIns="0" bIns="0">
             <a:noAutofit/>
           </a:bodyPr>
           <a:p>
-            <a:pPr marL="432000" indent="-324000">
+            <a:pPr marL="431800" indent="-323850">
               <a:spcAft>
-                <a:spcPts val="1417"/>
+                <a:spcPts val="1415"/>
               </a:spcAft>
               <a:buClr>
                 <a:srgbClr val="000000"/>
               </a:buClr>
               <a:buSzPct val="45000"/>
-              <a:buFont typeface="Wingdings" charset="2"/>
+              <a:buFont typeface="Wingdings" panose="05000000000000000000" pitchFamily="2" charset="2"/>
               <a:buChar char=""/>
             </a:pPr>
             <a:r>
-              <a:rPr b="0" lang="en-US" sz="2000" spc="-1" strike="noStrike">
-                <a:latin typeface="Arial"/>
+              <a:rPr lang="en-US" sz="2000" b="0" strike="noStrike" spc="-1">
+                <a:latin typeface="Arial" panose="020B0604020202020204"/>
               </a:rPr>
               <a:t>There are two major implementations of JAX-RS API:</a:t>
             </a:r>
-            <a:endParaRPr b="0" lang="en-US" sz="2000" spc="-1" strike="noStrike">
-              <a:latin typeface="Arial"/>
-            </a:endParaRPr>
-          </a:p>
-          <a:p>
-            <a:pPr marL="432000" indent="-324000">
+            <a:endParaRPr lang="en-US" sz="2000" b="0" strike="noStrike" spc="-1">
+              <a:latin typeface="Arial" panose="020B0604020202020204"/>
+            </a:endParaRPr>
+          </a:p>
+          <a:p>
+            <a:pPr marL="431800" indent="-323850">
               <a:spcAft>
-                <a:spcPts val="1417"/>
+                <a:spcPts val="1415"/>
               </a:spcAft>
               <a:buClr>
                 <a:srgbClr val="000000"/>
               </a:buClr>
               <a:buSzPct val="45000"/>
-              <a:buFont typeface="Wingdings" charset="2"/>
+              <a:buFont typeface="Wingdings" panose="05000000000000000000" pitchFamily="2" charset="2"/>
               <a:buChar char=""/>
             </a:pPr>
             <a:r>
-              <a:rPr b="1" lang="en-US" sz="2000" spc="-1" strike="noStrike">
-                <a:latin typeface="Arial"/>
+              <a:rPr lang="en-US" sz="2000" b="1" strike="noStrike" spc="-1">
+                <a:latin typeface="Arial" panose="020B0604020202020204"/>
               </a:rPr>
               <a:t>Jersey</a:t>
             </a:r>
             <a:r>
-              <a:rPr b="0" lang="en-US" sz="2000" spc="-1" strike="noStrike">
-                <a:latin typeface="Arial"/>
+              <a:rPr lang="en-US" sz="2000" b="0" strike="noStrike" spc="-1">
+                <a:latin typeface="Arial" panose="020B0604020202020204"/>
               </a:rPr>
               <a:t>: Jersey is the reference implementation provided by Sun. For using Jersey as our JAX-RS implementation, all we need to configure its servlet in web.xml and add required dependencies. Note that JAX-RS API is part of JDK not Jersey, so we have to add its dependency jars in our application.</a:t>
             </a:r>
-            <a:endParaRPr b="0" lang="en-US" sz="2000" spc="-1" strike="noStrike">
-              <a:latin typeface="Arial"/>
-            </a:endParaRPr>
-          </a:p>
-          <a:p>
-            <a:pPr marL="432000" indent="-324000">
+            <a:endParaRPr lang="en-US" sz="2000" b="0" strike="noStrike" spc="-1">
+              <a:latin typeface="Arial" panose="020B0604020202020204"/>
+            </a:endParaRPr>
+          </a:p>
+          <a:p>
+            <a:pPr marL="431800" indent="-323850">
               <a:spcAft>
-                <a:spcPts val="1417"/>
+                <a:spcPts val="1415"/>
               </a:spcAft>
               <a:buClr>
                 <a:srgbClr val="000000"/>
               </a:buClr>
               <a:buSzPct val="45000"/>
-              <a:buFont typeface="Wingdings" charset="2"/>
+              <a:buFont typeface="Wingdings" panose="05000000000000000000" pitchFamily="2" charset="2"/>
               <a:buChar char=""/>
             </a:pPr>
             <a:r>
-              <a:rPr b="1" lang="en-US" sz="2000" spc="-1" strike="noStrike">
-                <a:latin typeface="Arial"/>
+              <a:rPr lang="en-US" sz="2000" b="1" strike="noStrike" spc="-1">
+                <a:latin typeface="Arial" panose="020B0604020202020204"/>
               </a:rPr>
               <a:t>RESTEasy</a:t>
             </a:r>
             <a:r>
-              <a:rPr b="0" lang="en-US" sz="2000" spc="-1" strike="noStrike">
-                <a:latin typeface="Arial"/>
+              <a:rPr lang="en-US" sz="2000" b="0" strike="noStrike" spc="-1">
+                <a:latin typeface="Arial" panose="020B0604020202020204"/>
               </a:rPr>
               <a:t>: RESTEasy is the JBoss project that provides JAX-RS implementation.</a:t>
             </a:r>
-            <a:endParaRPr b="0" lang="en-US" sz="2000" spc="-1" strike="noStrike">
-              <a:latin typeface="Arial"/>
+            <a:endParaRPr lang="en-US" sz="2000" b="0" strike="noStrike" spc="-1">
+              <a:latin typeface="Arial" panose="020B0604020202020204"/>
             </a:endParaRPr>
           </a:p>
         </p:txBody>
       </p:sp>
     </p:spTree>
   </p:cSld>
-  <mc:AlternateContent>
-    <mc:Choice Requires="p14">
+  <p:clrMapOvr>
+    <a:masterClrMapping/>
+  </p:clrMapOvr>
+  <mc:AlternateContent xmlns:mc="http://schemas.openxmlformats.org/markup-compatibility/2006">
+    <mc:Choice xmlns:p14="http://schemas.microsoft.com/office/powerpoint/2010/main" Requires="p14">
       <p:transition spd="slow" p14:dur="3000"/>
     </mc:Choice>
     <mc:Fallback>
@@ -6460,7 +6870,7 @@
 </file>
 
 <file path=ppt/slides/slide3.xml><?xml version="1.0" encoding="utf-8"?>
-<p:sld xmlns:a="http://schemas.openxmlformats.org/drawingml/2006/main" xmlns:p="http://schemas.openxmlformats.org/presentationml/2006/main" xmlns:r="http://schemas.openxmlformats.org/officeDocument/2006/relationships" xmlns:p14="http://schemas.microsoft.com/office/powerpoint/2010/main" xmlns:p15="http://schemas.microsoft.com/office/powerpoint/2012/main" xmlns:mc="http://schemas.openxmlformats.org/markup-compatibility/2006">
+<p:sld xmlns:a="http://schemas.openxmlformats.org/drawingml/2006/main" xmlns:r="http://schemas.openxmlformats.org/officeDocument/2006/relationships" xmlns:p="http://schemas.openxmlformats.org/presentationml/2006/main">
   <p:cSld>
     <p:spTree>
       <p:nvGrpSpPr>
@@ -6496,49 +6906,51 @@
           </a:ln>
         </p:spPr>
         <p:txBody>
-          <a:bodyPr lIns="0" rIns="0" tIns="0" bIns="0" anchor="ctr" anchorCtr="1">
+          <a:bodyPr lIns="0" tIns="0" rIns="0" bIns="0" anchor="ctr" anchorCtr="1">
             <a:noAutofit/>
           </a:bodyPr>
           <a:p>
-            <a:pPr marL="432000" indent="-324000" algn="ctr">
+            <a:pPr marL="431800" indent="-323850" algn="ctr">
               <a:lnSpc>
                 <a:spcPct val="100000"/>
               </a:lnSpc>
               <a:spcAft>
-                <a:spcPts val="1414"/>
+                <a:spcPts val="1415"/>
               </a:spcAft>
               <a:buClr>
                 <a:srgbClr val="000000"/>
               </a:buClr>
               <a:buSzPct val="45000"/>
-              <a:buFont typeface="Wingdings" charset="2"/>
+              <a:buFont typeface="Wingdings" panose="05000000000000000000" pitchFamily="2" charset="2"/>
               <a:buChar char=""/>
             </a:pPr>
             <a:r>
-              <a:rPr b="0" lang="en-US" sz="3200" spc="-1" strike="noStrike">
+              <a:rPr lang="en-US" sz="3200" b="0" strike="noStrike" spc="-1">
                 <a:solidFill>
                   <a:srgbClr val="000000"/>
                 </a:solidFill>
-                <a:latin typeface="Arial"/>
-                <a:ea typeface="Microsoft YaHei"/>
+                <a:latin typeface="Arial" panose="020B0604020202020204"/>
+                <a:ea typeface="Microsoft YaHei" panose="020B0503020204020204" charset="-122"/>
               </a:rPr>
               <a:t>J2EE architecture</a:t>
             </a:r>
-            <a:endParaRPr b="0" lang="en-US" sz="3200" spc="-1" strike="noStrike">
-              <a:latin typeface="Arial"/>
+            <a:endParaRPr lang="en-US" sz="3200" b="0" strike="noStrike" spc="-1">
+              <a:latin typeface="Arial" panose="020B0604020202020204"/>
             </a:endParaRPr>
           </a:p>
         </p:txBody>
       </p:sp>
       <p:pic>
         <p:nvPicPr>
-          <p:cNvPr id="87" name="" descr=""/>
+          <p:cNvPr id="87" name="Picture 86"/>
           <p:cNvPicPr/>
           <p:nvPr/>
         </p:nvPicPr>
         <p:blipFill>
           <a:blip r:embed="rId1"/>
-          <a:stretch/>
+          <a:stretch>
+            <a:fillRect/>
+          </a:stretch>
         </p:blipFill>
         <p:spPr>
           <a:xfrm>
@@ -6555,8 +6967,11 @@
       </p:pic>
     </p:spTree>
   </p:cSld>
-  <mc:AlternateContent>
-    <mc:Choice Requires="p14">
+  <p:clrMapOvr>
+    <a:masterClrMapping/>
+  </p:clrMapOvr>
+  <mc:AlternateContent xmlns:mc="http://schemas.openxmlformats.org/markup-compatibility/2006">
+    <mc:Choice xmlns:p14="http://schemas.microsoft.com/office/powerpoint/2010/main" Requires="p14">
       <p:transition spd="slow" p14:dur="3000"/>
     </mc:Choice>
     <mc:Fallback>
@@ -6567,7 +6982,7 @@
 </file>
 
 <file path=ppt/slides/slide4.xml><?xml version="1.0" encoding="utf-8"?>
-<p:sld xmlns:a="http://schemas.openxmlformats.org/drawingml/2006/main" xmlns:p="http://schemas.openxmlformats.org/presentationml/2006/main" xmlns:r="http://schemas.openxmlformats.org/officeDocument/2006/relationships" xmlns:p14="http://schemas.microsoft.com/office/powerpoint/2010/main" xmlns:p15="http://schemas.microsoft.com/office/powerpoint/2012/main" xmlns:mc="http://schemas.openxmlformats.org/markup-compatibility/2006">
+<p:sld xmlns:a="http://schemas.openxmlformats.org/drawingml/2006/main" xmlns:r="http://schemas.openxmlformats.org/officeDocument/2006/relationships" xmlns:p="http://schemas.openxmlformats.org/presentationml/2006/main">
   <p:cSld>
     <p:spTree>
       <p:nvGrpSpPr>
@@ -6603,7 +7018,7 @@
           </a:ln>
         </p:spPr>
         <p:txBody>
-          <a:bodyPr lIns="0" rIns="0" tIns="0" bIns="0" anchor="ctr" anchorCtr="1">
+          <a:bodyPr lIns="0" tIns="0" rIns="0" bIns="0" anchor="ctr" anchorCtr="1">
             <a:noAutofit/>
           </a:bodyPr>
           <a:p>
@@ -6613,17 +7028,17 @@
               </a:lnSpc>
             </a:pPr>
             <a:r>
-              <a:rPr b="0" lang="en-US" sz="4400" spc="-1" strike="noStrike">
+              <a:rPr lang="en-US" sz="4400" b="0" strike="noStrike" spc="-1">
                 <a:solidFill>
                   <a:srgbClr val="000000"/>
                 </a:solidFill>
-                <a:latin typeface="Arial"/>
-                <a:ea typeface="Microsoft YaHei"/>
+                <a:latin typeface="Arial" panose="020B0604020202020204"/>
+                <a:ea typeface="Microsoft YaHei" panose="020B0503020204020204" charset="-122"/>
               </a:rPr>
               <a:t>Interceptor</a:t>
             </a:r>
-            <a:endParaRPr b="0" lang="en-US" sz="4400" spc="-1" strike="noStrike">
-              <a:latin typeface="Arial"/>
+            <a:endParaRPr lang="en-US" sz="4400" b="0" strike="noStrike" spc="-1">
+              <a:latin typeface="Arial" panose="020B0604020202020204"/>
             </a:endParaRPr>
           </a:p>
         </p:txBody>
@@ -6648,49 +7063,51 @@
           </a:ln>
         </p:spPr>
         <p:txBody>
-          <a:bodyPr lIns="0" rIns="0" tIns="0" bIns="0">
+          <a:bodyPr lIns="0" tIns="0" rIns="0" bIns="0">
             <a:noAutofit/>
           </a:bodyPr>
           <a:p>
-            <a:pPr marL="432000" indent="-324000">
+            <a:pPr marL="431800" indent="-323850">
               <a:lnSpc>
                 <a:spcPct val="100000"/>
               </a:lnSpc>
               <a:spcAft>
-                <a:spcPts val="1414"/>
+                <a:spcPts val="1415"/>
               </a:spcAft>
               <a:buClr>
                 <a:srgbClr val="000000"/>
               </a:buClr>
               <a:buSzPct val="45000"/>
-              <a:buFont typeface="Wingdings" charset="2"/>
+              <a:buFont typeface="Wingdings" panose="05000000000000000000" pitchFamily="2" charset="2"/>
               <a:buChar char=""/>
             </a:pPr>
             <a:r>
-              <a:rPr b="0" lang="en-US" sz="2600" spc="-1" strike="noStrike">
+              <a:rPr lang="en-US" sz="2600" b="0" strike="noStrike" spc="-1">
                 <a:solidFill>
                   <a:srgbClr val="000000"/>
                 </a:solidFill>
-                <a:latin typeface="Arial"/>
-                <a:ea typeface="Microsoft YaHei"/>
+                <a:latin typeface="Arial" panose="020B0604020202020204"/>
+                <a:ea typeface="Microsoft YaHei" panose="020B0503020204020204" charset="-122"/>
               </a:rPr>
               <a:t>Interceptors are components that allow to intercept/filter before calls to EJB methods. They can be used for audit, logging, security when Managed Bean are accessed</a:t>
             </a:r>
-            <a:endParaRPr b="0" lang="en-US" sz="2600" spc="-1" strike="noStrike">
-              <a:latin typeface="Arial"/>
+            <a:endParaRPr lang="en-US" sz="2600" b="0" strike="noStrike" spc="-1">
+              <a:latin typeface="Arial" panose="020B0604020202020204"/>
             </a:endParaRPr>
           </a:p>
         </p:txBody>
       </p:sp>
       <p:pic>
         <p:nvPicPr>
-          <p:cNvPr id="90" name="Picture 3" descr=""/>
+          <p:cNvPr id="90" name="Picture 3"/>
           <p:cNvPicPr/>
           <p:nvPr/>
         </p:nvPicPr>
         <p:blipFill>
           <a:blip r:embed="rId1"/>
-          <a:stretch/>
+          <a:stretch>
+            <a:fillRect/>
+          </a:stretch>
         </p:blipFill>
         <p:spPr>
           <a:xfrm>
@@ -6707,8 +7124,11 @@
       </p:pic>
     </p:spTree>
   </p:cSld>
-  <mc:AlternateContent>
-    <mc:Choice Requires="p14">
+  <p:clrMapOvr>
+    <a:masterClrMapping/>
+  </p:clrMapOvr>
+  <mc:AlternateContent xmlns:mc="http://schemas.openxmlformats.org/markup-compatibility/2006">
+    <mc:Choice xmlns:p14="http://schemas.microsoft.com/office/powerpoint/2010/main" Requires="p14">
       <p:transition spd="slow" p14:dur="3000"/>
     </mc:Choice>
     <mc:Fallback>
@@ -6719,7 +7139,7 @@
 </file>
 
 <file path=ppt/slides/slide5.xml><?xml version="1.0" encoding="utf-8"?>
-<p:sld xmlns:a="http://schemas.openxmlformats.org/drawingml/2006/main" xmlns:p="http://schemas.openxmlformats.org/presentationml/2006/main" xmlns:r="http://schemas.openxmlformats.org/officeDocument/2006/relationships" xmlns:p14="http://schemas.microsoft.com/office/powerpoint/2010/main" xmlns:p15="http://schemas.microsoft.com/office/powerpoint/2012/main" xmlns:mc="http://schemas.openxmlformats.org/markup-compatibility/2006">
+<p:sld xmlns:a="http://schemas.openxmlformats.org/drawingml/2006/main" xmlns:r="http://schemas.openxmlformats.org/officeDocument/2006/relationships" xmlns:p="http://schemas.openxmlformats.org/presentationml/2006/main">
   <p:cSld>
     <p:spTree>
       <p:nvGrpSpPr>
@@ -6755,7 +7175,7 @@
           </a:ln>
         </p:spPr>
         <p:txBody>
-          <a:bodyPr lIns="0" rIns="0" tIns="0" bIns="0" anchor="ctr" anchorCtr="1">
+          <a:bodyPr lIns="0" tIns="0" rIns="0" bIns="0" anchor="ctr" anchorCtr="1">
             <a:noAutofit/>
           </a:bodyPr>
           <a:p>
@@ -6765,17 +7185,17 @@
               </a:lnSpc>
             </a:pPr>
             <a:r>
-              <a:rPr b="0" lang="en-US" sz="4400" spc="-1" strike="noStrike">
+              <a:rPr lang="en-US" sz="4400" b="0" strike="noStrike" spc="-1">
                 <a:solidFill>
                   <a:srgbClr val="000000"/>
                 </a:solidFill>
-                <a:latin typeface="Arial"/>
-                <a:ea typeface="Microsoft YaHei"/>
+                <a:latin typeface="Arial" panose="020B0604020202020204"/>
+                <a:ea typeface="Microsoft YaHei" panose="020B0503020204020204" charset="-122"/>
               </a:rPr>
               <a:t>JPA</a:t>
             </a:r>
-            <a:endParaRPr b="0" lang="en-US" sz="4400" spc="-1" strike="noStrike">
-              <a:latin typeface="Arial"/>
+            <a:endParaRPr lang="en-US" sz="4400" b="0" strike="noStrike" spc="-1">
+              <a:latin typeface="Arial" panose="020B0604020202020204"/>
             </a:endParaRPr>
           </a:p>
         </p:txBody>
@@ -6800,102 +7220,105 @@
           </a:ln>
         </p:spPr>
         <p:txBody>
-          <a:bodyPr lIns="0" rIns="0" tIns="0" bIns="0">
+          <a:bodyPr lIns="0" tIns="0" rIns="0" bIns="0">
             <a:noAutofit/>
           </a:bodyPr>
           <a:p>
-            <a:pPr marL="432000" indent="-324000">
+            <a:pPr marL="431800" indent="-323850">
               <a:lnSpc>
                 <a:spcPct val="100000"/>
               </a:lnSpc>
               <a:spcAft>
-                <a:spcPts val="1414"/>
+                <a:spcPts val="1415"/>
               </a:spcAft>
               <a:buClr>
                 <a:srgbClr val="000000"/>
               </a:buClr>
               <a:buSzPct val="45000"/>
-              <a:buFont typeface="Wingdings" charset="2"/>
+              <a:buFont typeface="Wingdings" panose="05000000000000000000" pitchFamily="2" charset="2"/>
               <a:buChar char=""/>
             </a:pPr>
             <a:r>
-              <a:rPr b="0" lang="en-US" sz="2400" spc="-1" strike="noStrike">
+              <a:rPr lang="en-US" sz="2400" b="0" strike="noStrike" spc="-1">
                 <a:solidFill>
                   <a:srgbClr val="000000"/>
                 </a:solidFill>
-                <a:latin typeface="Arial"/>
-                <a:ea typeface="Microsoft YaHei"/>
+                <a:latin typeface="Arial" panose="020B0604020202020204"/>
+                <a:ea typeface="Microsoft YaHei" panose="020B0503020204020204" charset="-122"/>
               </a:rPr>
               <a:t>JPA (Java Persistence API) là 1 giao diện lập trình ứng dụng Java, nó mô tả cách quản lý các mối quan hệ dữ liệu  trong ứng dụng sử dụng Java Platform.</a:t>
             </a:r>
-            <a:endParaRPr b="0" lang="en-US" sz="2400" spc="-1" strike="noStrike">
-              <a:latin typeface="Arial"/>
-            </a:endParaRPr>
-          </a:p>
-          <a:p>
-            <a:pPr marL="432000" indent="-324000">
+            <a:endParaRPr lang="en-US" sz="2400" b="0" strike="noStrike" spc="-1">
+              <a:latin typeface="Arial" panose="020B0604020202020204"/>
+            </a:endParaRPr>
+          </a:p>
+          <a:p>
+            <a:pPr marL="431800" indent="-323850">
               <a:lnSpc>
                 <a:spcPct val="100000"/>
               </a:lnSpc>
               <a:spcAft>
-                <a:spcPts val="1414"/>
+                <a:spcPts val="1415"/>
               </a:spcAft>
               <a:buClr>
                 <a:srgbClr val="000000"/>
               </a:buClr>
               <a:buSzPct val="45000"/>
-              <a:buFont typeface="Wingdings" charset="2"/>
+              <a:buFont typeface="Wingdings" panose="05000000000000000000" pitchFamily="2" charset="2"/>
               <a:buChar char=""/>
             </a:pPr>
             <a:r>
-              <a:rPr b="0" lang="en-US" sz="2400" spc="-1" strike="noStrike">
+              <a:rPr lang="en-US" sz="2400" b="0" strike="noStrike" spc="-1">
                 <a:solidFill>
                   <a:srgbClr val="000000"/>
                 </a:solidFill>
-                <a:latin typeface="Arial"/>
-                <a:ea typeface="Microsoft YaHei"/>
+                <a:latin typeface="Arial" panose="020B0604020202020204"/>
+                <a:ea typeface="Microsoft YaHei" panose="020B0503020204020204" charset="-122"/>
               </a:rPr>
               <a:t>JPA cung cấp một mô hình POJO persistence cho phép ánh xạ các table/các mối quan hệ giữa các table trong database sang các class/mối quan hệ giữa các object.</a:t>
             </a:r>
-            <a:endParaRPr b="0" lang="en-US" sz="2400" spc="-1" strike="noStrike">
-              <a:latin typeface="Arial"/>
-            </a:endParaRPr>
-          </a:p>
-          <a:p>
-            <a:pPr marL="432000" indent="-324000">
+            <a:endParaRPr lang="en-US" sz="2400" b="0" strike="noStrike" spc="-1">
+              <a:latin typeface="Arial" panose="020B0604020202020204"/>
+            </a:endParaRPr>
+          </a:p>
+          <a:p>
+            <a:pPr marL="431800" indent="-323850">
               <a:lnSpc>
                 <a:spcPct val="100000"/>
               </a:lnSpc>
               <a:spcAft>
-                <a:spcPts val="1414"/>
+                <a:spcPts val="1415"/>
               </a:spcAft>
               <a:buClr>
                 <a:srgbClr val="000000"/>
               </a:buClr>
               <a:buSzPct val="45000"/>
-              <a:buFont typeface="Wingdings" charset="2"/>
+              <a:buFont typeface="Wingdings" panose="05000000000000000000" pitchFamily="2" charset="2"/>
               <a:buChar char=""/>
             </a:pPr>
             <a:r>
-              <a:rPr b="0" lang="en-US" sz="2400" spc="-1" strike="noStrike">
+              <a:rPr lang="en-US" sz="2400" b="0" strike="noStrike" spc="-1">
                 <a:solidFill>
                   <a:srgbClr val="000000"/>
                 </a:solidFill>
-                <a:latin typeface="Arial"/>
-                <a:ea typeface="Microsoft YaHei"/>
+                <a:latin typeface="Arial" panose="020B0604020202020204"/>
+                <a:ea typeface="Microsoft YaHei" panose="020B0503020204020204" charset="-122"/>
               </a:rPr>
               <a:t>Ví dụ: table Users với các column (Id, name, age…) sẽ tương ứng với class Users.java với các field Id, name, age… từ đó mỗi khi truy vấn table hay các column ta sẽ truy vấn trực tiếp trên các class, các field của class mà không cần quan tâm tới việc đang dùng loại database nào, dữ liệu database ra sao…</a:t>
             </a:r>
-            <a:endParaRPr b="0" lang="en-US" sz="2400" spc="-1" strike="noStrike">
-              <a:latin typeface="Arial"/>
+            <a:endParaRPr lang="en-US" sz="2400" b="0" strike="noStrike" spc="-1">
+              <a:latin typeface="Arial" panose="020B0604020202020204"/>
             </a:endParaRPr>
           </a:p>
         </p:txBody>
       </p:sp>
     </p:spTree>
   </p:cSld>
-  <mc:AlternateContent>
-    <mc:Choice Requires="p14">
+  <p:clrMapOvr>
+    <a:masterClrMapping/>
+  </p:clrMapOvr>
+  <mc:AlternateContent xmlns:mc="http://schemas.openxmlformats.org/markup-compatibility/2006">
+    <mc:Choice xmlns:p14="http://schemas.microsoft.com/office/powerpoint/2010/main" Requires="p14">
       <p:transition spd="slow" p14:dur="3000"/>
     </mc:Choice>
     <mc:Fallback>
@@ -6906,7 +7329,7 @@
 </file>
 
 <file path=ppt/slides/slide6.xml><?xml version="1.0" encoding="utf-8"?>
-<p:sld xmlns:a="http://schemas.openxmlformats.org/drawingml/2006/main" xmlns:p="http://schemas.openxmlformats.org/presentationml/2006/main" xmlns:r="http://schemas.openxmlformats.org/officeDocument/2006/relationships" xmlns:p14="http://schemas.microsoft.com/office/powerpoint/2010/main" xmlns:p15="http://schemas.microsoft.com/office/powerpoint/2012/main" xmlns:mc="http://schemas.openxmlformats.org/markup-compatibility/2006">
+<p:sld xmlns:a="http://schemas.openxmlformats.org/drawingml/2006/main" xmlns:r="http://schemas.openxmlformats.org/officeDocument/2006/relationships" xmlns:p="http://schemas.openxmlformats.org/presentationml/2006/main">
   <p:cSld>
     <p:spTree>
       <p:nvGrpSpPr>
@@ -6942,7 +7365,7 @@
           </a:ln>
         </p:spPr>
         <p:txBody>
-          <a:bodyPr lIns="0" rIns="0" tIns="0" bIns="0" anchor="ctr" anchorCtr="1">
+          <a:bodyPr lIns="0" tIns="0" rIns="0" bIns="0" anchor="ctr" anchorCtr="1">
             <a:noAutofit/>
           </a:bodyPr>
           <a:p>
@@ -6952,17 +7375,17 @@
               </a:lnSpc>
             </a:pPr>
             <a:r>
-              <a:rPr b="0" lang="en-US" sz="4400" spc="-1" strike="noStrike">
+              <a:rPr lang="en-US" sz="4400" b="0" strike="noStrike" spc="-1">
                 <a:solidFill>
                   <a:srgbClr val="000000"/>
                 </a:solidFill>
-                <a:latin typeface="Arial"/>
-                <a:ea typeface="Microsoft YaHei"/>
+                <a:latin typeface="Arial" panose="020B0604020202020204"/>
+                <a:ea typeface="Microsoft YaHei" panose="020B0503020204020204" charset="-122"/>
               </a:rPr>
               <a:t>JPA</a:t>
             </a:r>
-            <a:endParaRPr b="0" lang="en-US" sz="4400" spc="-1" strike="noStrike">
-              <a:latin typeface="Arial"/>
+            <a:endParaRPr lang="en-US" sz="4400" b="0" strike="noStrike" spc="-1">
+              <a:latin typeface="Arial" panose="020B0604020202020204"/>
             </a:endParaRPr>
           </a:p>
         </p:txBody>
@@ -6987,49 +7410,51 @@
           </a:ln>
         </p:spPr>
         <p:txBody>
-          <a:bodyPr lIns="0" rIns="0" tIns="0" bIns="0">
+          <a:bodyPr lIns="0" tIns="0" rIns="0" bIns="0">
             <a:noAutofit/>
           </a:bodyPr>
           <a:p>
-            <a:pPr marL="432000" indent="-324000">
+            <a:pPr marL="431800" indent="-323850">
               <a:lnSpc>
                 <a:spcPct val="100000"/>
               </a:lnSpc>
               <a:spcAft>
-                <a:spcPts val="1414"/>
+                <a:spcPts val="1415"/>
               </a:spcAft>
               <a:buClr>
                 <a:srgbClr val="000000"/>
               </a:buClr>
               <a:buSzPct val="45000"/>
-              <a:buFont typeface="Wingdings" charset="2"/>
+              <a:buFont typeface="Wingdings" panose="05000000000000000000" pitchFamily="2" charset="2"/>
               <a:buChar char=""/>
             </a:pPr>
             <a:r>
-              <a:rPr b="0" lang="en-US" sz="2400" spc="-1" strike="noStrike">
+              <a:rPr lang="en-US" sz="2400" b="0" strike="noStrike" spc="-1">
                 <a:solidFill>
                   <a:srgbClr val="000000"/>
                 </a:solidFill>
-                <a:latin typeface="Arial"/>
-                <a:ea typeface="Microsoft YaHei"/>
+                <a:latin typeface="Arial" panose="020B0604020202020204"/>
+                <a:ea typeface="Microsoft YaHei" panose="020B0503020204020204" charset="-122"/>
               </a:rPr>
               <a:t>Kiến trúc:</a:t>
             </a:r>
-            <a:endParaRPr b="0" lang="en-US" sz="2400" spc="-1" strike="noStrike">
-              <a:latin typeface="Arial"/>
+            <a:endParaRPr lang="en-US" sz="2400" b="0" strike="noStrike" spc="-1">
+              <a:latin typeface="Arial" panose="020B0604020202020204"/>
             </a:endParaRPr>
           </a:p>
         </p:txBody>
       </p:sp>
       <p:pic>
         <p:nvPicPr>
-          <p:cNvPr id="95" name="Picture 3" descr=""/>
+          <p:cNvPr id="95" name="Picture 3"/>
           <p:cNvPicPr/>
           <p:nvPr/>
         </p:nvPicPr>
         <p:blipFill>
           <a:blip r:embed="rId1"/>
-          <a:stretch/>
+          <a:stretch>
+            <a:fillRect/>
+          </a:stretch>
         </p:blipFill>
         <p:spPr>
           <a:xfrm>
@@ -7046,8 +7471,11 @@
       </p:pic>
     </p:spTree>
   </p:cSld>
-  <mc:AlternateContent>
-    <mc:Choice Requires="p14">
+  <p:clrMapOvr>
+    <a:masterClrMapping/>
+  </p:clrMapOvr>
+  <mc:AlternateContent xmlns:mc="http://schemas.openxmlformats.org/markup-compatibility/2006">
+    <mc:Choice xmlns:p14="http://schemas.microsoft.com/office/powerpoint/2010/main" Requires="p14">
       <p:transition spd="slow" p14:dur="3000"/>
     </mc:Choice>
     <mc:Fallback>
@@ -7058,7 +7486,7 @@
 </file>
 
 <file path=ppt/slides/slide7.xml><?xml version="1.0" encoding="utf-8"?>
-<p:sld xmlns:a="http://schemas.openxmlformats.org/drawingml/2006/main" xmlns:p="http://schemas.openxmlformats.org/presentationml/2006/main" xmlns:r="http://schemas.openxmlformats.org/officeDocument/2006/relationships" xmlns:p14="http://schemas.microsoft.com/office/powerpoint/2010/main" xmlns:p15="http://schemas.microsoft.com/office/powerpoint/2012/main" xmlns:mc="http://schemas.openxmlformats.org/markup-compatibility/2006">
+<p:sld xmlns:a="http://schemas.openxmlformats.org/drawingml/2006/main" xmlns:r="http://schemas.openxmlformats.org/officeDocument/2006/relationships" xmlns:p="http://schemas.openxmlformats.org/presentationml/2006/main">
   <p:cSld>
     <p:spTree>
       <p:nvGrpSpPr>
@@ -7094,7 +7522,7 @@
           </a:ln>
         </p:spPr>
         <p:txBody>
-          <a:bodyPr lIns="0" rIns="0" tIns="0" bIns="0" anchor="ctr" anchorCtr="1">
+          <a:bodyPr lIns="0" tIns="0" rIns="0" bIns="0" anchor="ctr" anchorCtr="1">
             <a:noAutofit/>
           </a:bodyPr>
           <a:p>
@@ -7104,17 +7532,17 @@
               </a:lnSpc>
             </a:pPr>
             <a:r>
-              <a:rPr b="0" lang="en-US" sz="4400" spc="-1" strike="noStrike">
+              <a:rPr lang="en-US" sz="4400" b="0" strike="noStrike" spc="-1">
                 <a:solidFill>
                   <a:srgbClr val="000000"/>
                 </a:solidFill>
-                <a:latin typeface="Arial"/>
-                <a:ea typeface="Microsoft YaHei"/>
+                <a:latin typeface="Arial" panose="020B0604020202020204"/>
+                <a:ea typeface="Microsoft YaHei" panose="020B0503020204020204" charset="-122"/>
               </a:rPr>
               <a:t>JPA</a:t>
             </a:r>
-            <a:endParaRPr b="0" lang="en-US" sz="4400" spc="-1" strike="noStrike">
-              <a:latin typeface="Arial"/>
+            <a:endParaRPr lang="en-US" sz="4400" b="0" strike="noStrike" spc="-1">
+              <a:latin typeface="Arial" panose="020B0604020202020204"/>
             </a:endParaRPr>
           </a:p>
         </p:txBody>
@@ -7139,125 +7567,128 @@
           </a:ln>
         </p:spPr>
         <p:txBody>
-          <a:bodyPr lIns="0" rIns="0" tIns="0" bIns="0">
+          <a:bodyPr lIns="0" tIns="0" rIns="0" bIns="0">
             <a:noAutofit/>
           </a:bodyPr>
           <a:p>
-            <a:pPr marL="432000" indent="-324000">
+            <a:pPr marL="431800" indent="-323850">
               <a:lnSpc>
                 <a:spcPct val="100000"/>
               </a:lnSpc>
               <a:spcAft>
-                <a:spcPts val="1414"/>
+                <a:spcPts val="1415"/>
               </a:spcAft>
             </a:pPr>
             <a:r>
-              <a:rPr b="0" lang="en-US" sz="2400" spc="-1" strike="noStrike">
+              <a:rPr lang="en-US" sz="2400" b="0" strike="noStrike" spc="-1">
                 <a:solidFill>
                   <a:srgbClr val="000000"/>
                 </a:solidFill>
-                <a:latin typeface="Arial"/>
-                <a:ea typeface="Microsoft YaHei"/>
+                <a:latin typeface="Arial" panose="020B0604020202020204"/>
+                <a:ea typeface="Microsoft YaHei" panose="020B0503020204020204" charset="-122"/>
               </a:rPr>
               <a:t>Một số khái niệm trong JPA:</a:t>
             </a:r>
-            <a:endParaRPr b="0" lang="en-US" sz="2400" spc="-1" strike="noStrike">
-              <a:latin typeface="Arial"/>
-            </a:endParaRPr>
-          </a:p>
-          <a:p>
-            <a:pPr marL="432000" indent="-324000">
+            <a:endParaRPr lang="en-US" sz="2400" b="0" strike="noStrike" spc="-1">
+              <a:latin typeface="Arial" panose="020B0604020202020204"/>
+            </a:endParaRPr>
+          </a:p>
+          <a:p>
+            <a:pPr marL="431800" indent="-323850">
               <a:lnSpc>
                 <a:spcPct val="100000"/>
               </a:lnSpc>
               <a:spcAft>
-                <a:spcPts val="1414"/>
+                <a:spcPts val="1415"/>
               </a:spcAft>
               <a:buClr>
                 <a:srgbClr val="000000"/>
               </a:buClr>
               <a:buSzPct val="45000"/>
-              <a:buFont typeface="Wingdings" charset="2"/>
+              <a:buFont typeface="Wingdings" panose="05000000000000000000" pitchFamily="2" charset="2"/>
               <a:buChar char=""/>
             </a:pPr>
             <a:r>
-              <a:rPr b="0" lang="en-US" sz="2400" spc="-1" strike="noStrike">
+              <a:rPr lang="en-US" sz="2400" b="0" strike="noStrike" spc="-1">
                 <a:solidFill>
                   <a:srgbClr val="000000"/>
                 </a:solidFill>
-                <a:latin typeface="Arial"/>
-                <a:ea typeface="Microsoft YaHei"/>
+                <a:latin typeface="Arial" panose="020B0604020202020204"/>
+                <a:ea typeface="Microsoft YaHei" panose="020B0503020204020204" charset="-122"/>
               </a:rPr>
               <a:t>Entity: Entity là các đối tượng thể hiện tương ứng 1 table trong cơ sở dữ liệu. Khi lập trình, entity thường là các class POJO đơn giản, chỉ gồm các method getter, setter.</a:t>
             </a:r>
-            <a:endParaRPr b="0" lang="en-US" sz="2400" spc="-1" strike="noStrike">
-              <a:latin typeface="Arial"/>
-            </a:endParaRPr>
-          </a:p>
-          <a:p>
-            <a:pPr marL="432000" indent="-324000">
+            <a:endParaRPr lang="en-US" sz="2400" b="0" strike="noStrike" spc="-1">
+              <a:latin typeface="Arial" panose="020B0604020202020204"/>
+            </a:endParaRPr>
+          </a:p>
+          <a:p>
+            <a:pPr marL="431800" indent="-323850">
               <a:lnSpc>
                 <a:spcPct val="100000"/>
               </a:lnSpc>
               <a:spcAft>
-                <a:spcPts val="1414"/>
+                <a:spcPts val="1415"/>
               </a:spcAft>
               <a:buClr>
                 <a:srgbClr val="000000"/>
               </a:buClr>
               <a:buSzPct val="45000"/>
-              <a:buFont typeface="Wingdings" charset="2"/>
+              <a:buFont typeface="Wingdings" panose="05000000000000000000" pitchFamily="2" charset="2"/>
               <a:buChar char=""/>
             </a:pPr>
             <a:r>
-              <a:rPr b="0" lang="en-US" sz="2400" spc="-1" strike="noStrike">
+              <a:rPr lang="en-US" sz="2400" b="0" strike="noStrike" spc="-1">
                 <a:solidFill>
                   <a:srgbClr val="000000"/>
                 </a:solidFill>
-                <a:latin typeface="Arial"/>
-                <a:ea typeface="Microsoft YaHei"/>
+                <a:latin typeface="Arial" panose="020B0604020202020204"/>
+                <a:ea typeface="Microsoft YaHei" panose="020B0503020204020204" charset="-122"/>
               </a:rPr>
               <a:t>EntityManager: EntityManager là một interface cung cấp các API cho việc tương tác với các Entity như Persist (lưu một đối tượng mới), merge (cập nhật một đối tượng), remove (xóa 1 đối tượng).</a:t>
             </a:r>
-            <a:endParaRPr b="0" lang="en-US" sz="2400" spc="-1" strike="noStrike">
-              <a:latin typeface="Arial"/>
-            </a:endParaRPr>
-          </a:p>
-          <a:p>
-            <a:pPr marL="432000" indent="-324000">
+            <a:endParaRPr lang="en-US" sz="2400" b="0" strike="noStrike" spc="-1">
+              <a:latin typeface="Arial" panose="020B0604020202020204"/>
+            </a:endParaRPr>
+          </a:p>
+          <a:p>
+            <a:pPr marL="431800" indent="-323850">
               <a:lnSpc>
                 <a:spcPct val="100000"/>
               </a:lnSpc>
               <a:spcAft>
-                <a:spcPts val="1414"/>
+                <a:spcPts val="1415"/>
               </a:spcAft>
               <a:buClr>
                 <a:srgbClr val="000000"/>
               </a:buClr>
               <a:buSzPct val="45000"/>
-              <a:buFont typeface="Wingdings" charset="2"/>
+              <a:buFont typeface="Wingdings" panose="05000000000000000000" pitchFamily="2" charset="2"/>
               <a:buChar char=""/>
             </a:pPr>
             <a:r>
-              <a:rPr b="0" lang="en-US" sz="2400" spc="-1" strike="noStrike">
+              <a:rPr lang="en-US" sz="2400" b="0" strike="noStrike" spc="-1">
                 <a:solidFill>
                   <a:srgbClr val="000000"/>
                 </a:solidFill>
-                <a:latin typeface="Arial"/>
-                <a:ea typeface="Microsoft YaHei"/>
+                <a:latin typeface="Arial" panose="020B0604020202020204"/>
+                <a:ea typeface="Microsoft YaHei" panose="020B0503020204020204" charset="-122"/>
               </a:rPr>
               <a:t>EntityManagerFactory: EntityManagerFactory được dùng để tạo ra một thể hiện của EntityManager.</a:t>
             </a:r>
-            <a:endParaRPr b="0" lang="en-US" sz="2400" spc="-1" strike="noStrike">
-              <a:latin typeface="Arial"/>
+            <a:endParaRPr lang="en-US" sz="2400" b="0" strike="noStrike" spc="-1">
+              <a:latin typeface="Arial" panose="020B0604020202020204"/>
             </a:endParaRPr>
           </a:p>
         </p:txBody>
       </p:sp>
     </p:spTree>
   </p:cSld>
-  <mc:AlternateContent>
-    <mc:Choice Requires="p14">
+  <p:clrMapOvr>
+    <a:masterClrMapping/>
+  </p:clrMapOvr>
+  <mc:AlternateContent xmlns:mc="http://schemas.openxmlformats.org/markup-compatibility/2006">
+    <mc:Choice xmlns:p14="http://schemas.microsoft.com/office/powerpoint/2010/main" Requires="p14">
       <p:transition spd="slow" p14:dur="3000"/>
     </mc:Choice>
     <mc:Fallback>
@@ -7268,7 +7699,7 @@
 </file>
 
 <file path=ppt/slides/slide8.xml><?xml version="1.0" encoding="utf-8"?>
-<p:sld xmlns:a="http://schemas.openxmlformats.org/drawingml/2006/main" xmlns:p="http://schemas.openxmlformats.org/presentationml/2006/main" xmlns:r="http://schemas.openxmlformats.org/officeDocument/2006/relationships" xmlns:p14="http://schemas.microsoft.com/office/powerpoint/2010/main" xmlns:p15="http://schemas.microsoft.com/office/powerpoint/2012/main" xmlns:mc="http://schemas.openxmlformats.org/markup-compatibility/2006">
+<p:sld xmlns:a="http://schemas.openxmlformats.org/drawingml/2006/main" xmlns:r="http://schemas.openxmlformats.org/officeDocument/2006/relationships" xmlns:p="http://schemas.openxmlformats.org/presentationml/2006/main">
   <p:cSld>
     <p:spTree>
       <p:nvGrpSpPr>
@@ -7304,7 +7735,7 @@
           </a:ln>
         </p:spPr>
         <p:txBody>
-          <a:bodyPr lIns="0" rIns="0" tIns="0" bIns="0" anchor="ctr" anchorCtr="1">
+          <a:bodyPr lIns="0" tIns="0" rIns="0" bIns="0" anchor="ctr" anchorCtr="1">
             <a:noAutofit/>
           </a:bodyPr>
           <a:p>
@@ -7314,17 +7745,17 @@
               </a:lnSpc>
             </a:pPr>
             <a:r>
-              <a:rPr b="0" lang="en-US" sz="4400" spc="-1" strike="noStrike">
+              <a:rPr lang="en-US" sz="4400" b="0" strike="noStrike" spc="-1">
                 <a:solidFill>
                   <a:srgbClr val="000000"/>
                 </a:solidFill>
-                <a:latin typeface="Arial"/>
-                <a:ea typeface="Microsoft YaHei"/>
+                <a:latin typeface="Arial" panose="020B0604020202020204"/>
+                <a:ea typeface="Microsoft YaHei" panose="020B0503020204020204" charset="-122"/>
               </a:rPr>
               <a:t>Hibernate</a:t>
             </a:r>
-            <a:endParaRPr b="0" lang="en-US" sz="4400" spc="-1" strike="noStrike">
-              <a:latin typeface="Arial"/>
+            <a:endParaRPr lang="en-US" sz="4400" b="0" strike="noStrike" spc="-1">
+              <a:latin typeface="Arial" panose="020B0604020202020204"/>
             </a:endParaRPr>
           </a:p>
         </p:txBody>
@@ -7349,73 +7780,76 @@
           </a:ln>
         </p:spPr>
         <p:txBody>
-          <a:bodyPr lIns="0" rIns="0" tIns="0" bIns="0">
+          <a:bodyPr lIns="0" tIns="0" rIns="0" bIns="0">
             <a:noAutofit/>
           </a:bodyPr>
           <a:p>
-            <a:pPr marL="432000" indent="-324000">
+            <a:pPr marL="431800" indent="-323850">
               <a:lnSpc>
                 <a:spcPct val="100000"/>
               </a:lnSpc>
               <a:spcAft>
-                <a:spcPts val="1414"/>
+                <a:spcPts val="1415"/>
               </a:spcAft>
               <a:buClr>
                 <a:srgbClr val="000000"/>
               </a:buClr>
               <a:buSzPct val="45000"/>
-              <a:buFont typeface="Wingdings" charset="2"/>
+              <a:buFont typeface="Wingdings" panose="05000000000000000000" pitchFamily="2" charset="2"/>
               <a:buChar char=""/>
             </a:pPr>
             <a:r>
-              <a:rPr b="0" lang="en-US" sz="3200" spc="-1" strike="noStrike">
+              <a:rPr lang="en-US" sz="3200" b="0" strike="noStrike" spc="-1">
                 <a:solidFill>
                   <a:srgbClr val="000000"/>
                 </a:solidFill>
-                <a:latin typeface="Arial"/>
-                <a:ea typeface="Microsoft YaHei"/>
+                <a:latin typeface="Arial" panose="020B0604020202020204"/>
+                <a:ea typeface="Microsoft YaHei" panose="020B0503020204020204" charset="-122"/>
               </a:rPr>
               <a:t>Hibernate là 1 ORM (Object Relational Mapping) framework cho phép người lập trình thao tác với database một cách hoàn toàn tự nhiên thông qua các đối tượng. Lập trình viên hoàn toàn không cần quan tâm đến loại database sử dụng, SQL…</a:t>
             </a:r>
-            <a:endParaRPr b="0" lang="en-US" sz="3200" spc="-1" strike="noStrike">
-              <a:latin typeface="Arial"/>
-            </a:endParaRPr>
-          </a:p>
-          <a:p>
-            <a:pPr marL="432000" indent="-324000">
+            <a:endParaRPr lang="en-US" sz="3200" b="0" strike="noStrike" spc="-1">
+              <a:latin typeface="Arial" panose="020B0604020202020204"/>
+            </a:endParaRPr>
+          </a:p>
+          <a:p>
+            <a:pPr marL="431800" indent="-323850">
               <a:lnSpc>
                 <a:spcPct val="100000"/>
               </a:lnSpc>
               <a:spcAft>
-                <a:spcPts val="1414"/>
+                <a:spcPts val="1415"/>
               </a:spcAft>
               <a:buClr>
                 <a:srgbClr val="000000"/>
               </a:buClr>
               <a:buSzPct val="45000"/>
-              <a:buFont typeface="Wingdings" charset="2"/>
+              <a:buFont typeface="Wingdings" panose="05000000000000000000" pitchFamily="2" charset="2"/>
               <a:buChar char=""/>
             </a:pPr>
             <a:r>
-              <a:rPr b="0" lang="en-US" sz="3200" spc="-1" strike="noStrike">
+              <a:rPr lang="en-US" sz="3200" b="0" strike="noStrike" spc="-1">
                 <a:solidFill>
                   <a:srgbClr val="000000"/>
                 </a:solidFill>
-                <a:latin typeface="Arial"/>
-                <a:ea typeface="Microsoft YaHei"/>
+                <a:latin typeface="Arial" panose="020B0604020202020204"/>
+                <a:ea typeface="Microsoft YaHei" panose="020B0503020204020204" charset="-122"/>
               </a:rPr>
               <a:t>Hay nói cách khác, Hibernate chính là implementation của JPA (JPA là 1 tập các interface, còn Hibernate implements các interface ấy 1 cách chi tiết).</a:t>
             </a:r>
-            <a:endParaRPr b="0" lang="en-US" sz="3200" spc="-1" strike="noStrike">
-              <a:latin typeface="Arial"/>
+            <a:endParaRPr lang="en-US" sz="3200" b="0" strike="noStrike" spc="-1">
+              <a:latin typeface="Arial" panose="020B0604020202020204"/>
             </a:endParaRPr>
           </a:p>
         </p:txBody>
       </p:sp>
     </p:spTree>
   </p:cSld>
-  <mc:AlternateContent>
-    <mc:Choice Requires="p14">
+  <p:clrMapOvr>
+    <a:masterClrMapping/>
+  </p:clrMapOvr>
+  <mc:AlternateContent xmlns:mc="http://schemas.openxmlformats.org/markup-compatibility/2006">
+    <mc:Choice xmlns:p14="http://schemas.microsoft.com/office/powerpoint/2010/main" Requires="p14">
       <p:transition spd="slow" p14:dur="3000"/>
     </mc:Choice>
     <mc:Fallback>
@@ -7426,7 +7860,7 @@
 </file>
 
 <file path=ppt/slides/slide9.xml><?xml version="1.0" encoding="utf-8"?>
-<p:sld xmlns:a="http://schemas.openxmlformats.org/drawingml/2006/main" xmlns:p="http://schemas.openxmlformats.org/presentationml/2006/main" xmlns:r="http://schemas.openxmlformats.org/officeDocument/2006/relationships" xmlns:p14="http://schemas.microsoft.com/office/powerpoint/2010/main" xmlns:p15="http://schemas.microsoft.com/office/powerpoint/2012/main" xmlns:mc="http://schemas.openxmlformats.org/markup-compatibility/2006">
+<p:sld xmlns:a="http://schemas.openxmlformats.org/drawingml/2006/main" xmlns:r="http://schemas.openxmlformats.org/officeDocument/2006/relationships" xmlns:p="http://schemas.openxmlformats.org/presentationml/2006/main">
   <p:cSld>
     <p:spTree>
       <p:nvGrpSpPr>
@@ -7462,7 +7896,7 @@
           </a:ln>
         </p:spPr>
         <p:txBody>
-          <a:bodyPr lIns="0" rIns="0" tIns="0" bIns="0" anchor="ctr" anchorCtr="1">
+          <a:bodyPr lIns="0" tIns="0" rIns="0" bIns="0" anchor="ctr" anchorCtr="1">
             <a:noAutofit/>
           </a:bodyPr>
           <a:p>
@@ -7472,17 +7906,17 @@
               </a:lnSpc>
             </a:pPr>
             <a:r>
-              <a:rPr b="0" lang="en-US" sz="4400" spc="-1" strike="noStrike">
+              <a:rPr lang="en-US" sz="4400" b="0" strike="noStrike" spc="-1">
                 <a:solidFill>
                   <a:srgbClr val="000000"/>
                 </a:solidFill>
-                <a:latin typeface="Arial"/>
-                <a:ea typeface="Microsoft YaHei"/>
+                <a:latin typeface="Arial" panose="020B0604020202020204"/>
+                <a:ea typeface="Microsoft YaHei" panose="020B0503020204020204" charset="-122"/>
               </a:rPr>
               <a:t>Hibernate</a:t>
             </a:r>
-            <a:endParaRPr b="0" lang="en-US" sz="4400" spc="-1" strike="noStrike">
-              <a:latin typeface="Arial"/>
+            <a:endParaRPr lang="en-US" sz="4400" b="0" strike="noStrike" spc="-1">
+              <a:latin typeface="Arial" panose="020B0604020202020204"/>
             </a:endParaRPr>
           </a:p>
         </p:txBody>
@@ -7507,49 +7941,51 @@
           </a:ln>
         </p:spPr>
         <p:txBody>
-          <a:bodyPr lIns="0" rIns="0" tIns="0" bIns="0">
+          <a:bodyPr lIns="0" tIns="0" rIns="0" bIns="0">
             <a:noAutofit/>
           </a:bodyPr>
           <a:p>
-            <a:pPr marL="432000" indent="-324000">
+            <a:pPr marL="431800" indent="-323850">
               <a:lnSpc>
                 <a:spcPct val="100000"/>
               </a:lnSpc>
               <a:spcAft>
-                <a:spcPts val="1414"/>
+                <a:spcPts val="1415"/>
               </a:spcAft>
               <a:buClr>
                 <a:srgbClr val="000000"/>
               </a:buClr>
               <a:buSzPct val="45000"/>
-              <a:buFont typeface="Wingdings" charset="2"/>
+              <a:buFont typeface="Wingdings" panose="05000000000000000000" pitchFamily="2" charset="2"/>
               <a:buChar char=""/>
             </a:pPr>
             <a:r>
-              <a:rPr b="0" lang="en-US" sz="3200" spc="-1" strike="noStrike">
+              <a:rPr lang="en-US" sz="3200" b="0" strike="noStrike" spc="-1">
                 <a:solidFill>
                   <a:srgbClr val="000000"/>
                 </a:solidFill>
-                <a:latin typeface="Arial"/>
-                <a:ea typeface="Microsoft YaHei"/>
+                <a:latin typeface="Arial" panose="020B0604020202020204"/>
+                <a:ea typeface="Microsoft YaHei" panose="020B0503020204020204" charset="-122"/>
               </a:rPr>
               <a:t>Kiến trúc:</a:t>
             </a:r>
-            <a:endParaRPr b="0" lang="en-US" sz="3200" spc="-1" strike="noStrike">
-              <a:latin typeface="Arial"/>
+            <a:endParaRPr lang="en-US" sz="3200" b="0" strike="noStrike" spc="-1">
+              <a:latin typeface="Arial" panose="020B0604020202020204"/>
             </a:endParaRPr>
           </a:p>
         </p:txBody>
       </p:sp>
       <p:pic>
         <p:nvPicPr>
-          <p:cNvPr id="102" name="Picture 3" descr=""/>
+          <p:cNvPr id="102" name="Picture 3"/>
           <p:cNvPicPr/>
           <p:nvPr/>
         </p:nvPicPr>
         <p:blipFill>
           <a:blip r:embed="rId1"/>
-          <a:stretch/>
+          <a:stretch>
+            <a:fillRect/>
+          </a:stretch>
         </p:blipFill>
         <p:spPr>
           <a:xfrm>
@@ -7566,8 +8002,11 @@
       </p:pic>
     </p:spTree>
   </p:cSld>
-  <mc:AlternateContent>
-    <mc:Choice Requires="p14">
+  <p:clrMapOvr>
+    <a:masterClrMapping/>
+  </p:clrMapOvr>
+  <mc:AlternateContent xmlns:mc="http://schemas.openxmlformats.org/markup-compatibility/2006">
+    <mc:Choice xmlns:p14="http://schemas.microsoft.com/office/powerpoint/2010/main" Requires="p14">
       <p:transition spd="slow" p14:dur="3000"/>
     </mc:Choice>
     <mc:Fallback>
@@ -7588,31 +8027,31 @@
         <a:sysClr val="window" lastClr="FFFFFF"/>
       </a:lt1>
       <a:dk2>
-        <a:srgbClr val="1f497d"/>
+        <a:srgbClr val="1F497D"/>
       </a:dk2>
       <a:lt2>
-        <a:srgbClr val="eeece1"/>
+        <a:srgbClr val="EEECE1"/>
       </a:lt2>
       <a:accent1>
-        <a:srgbClr val="4f81bd"/>
+        <a:srgbClr val="4F81BD"/>
       </a:accent1>
       <a:accent2>
-        <a:srgbClr val="c0504d"/>
+        <a:srgbClr val="C0504D"/>
       </a:accent2>
       <a:accent3>
-        <a:srgbClr val="9bbb59"/>
+        <a:srgbClr val="9BBB59"/>
       </a:accent3>
       <a:accent4>
-        <a:srgbClr val="8064a2"/>
+        <a:srgbClr val="8064A2"/>
       </a:accent4>
       <a:accent5>
-        <a:srgbClr val="4bacc6"/>
+        <a:srgbClr val="4BACC6"/>
       </a:accent5>
       <a:accent6>
-        <a:srgbClr val="f79646"/>
+        <a:srgbClr val="F79646"/>
       </a:accent6>
       <a:hlink>
-        <a:srgbClr val="0000ff"/>
+        <a:srgbClr val="0000FF"/>
       </a:hlink>
       <a:folHlink>
         <a:srgbClr val="800080"/>
@@ -7797,6 +8236,11 @@
       </a:bgFillStyleLst>
     </a:fmtScheme>
   </a:themeElements>
+  <a:extLst>
+    <a:ext uri="{05A4C25C-085E-4340-85A3-A5531E510DB2}">
+      <thm15:themeFamily xmlns:thm15="http://schemas.microsoft.com/office/thememl/2012/main" name="Office Theme" id="{62F939B6-93AF-4DB8-9C6B-D6C7DFDC589F}" vid="{4A3C46E8-61CC-4603-A589-7422A47A8E4A}"/>
+    </a:ext>
+  </a:extLst>
 </a:theme>
 </file>
 
@@ -7811,31 +8255,31 @@
         <a:sysClr val="window" lastClr="FFFFFF"/>
       </a:lt1>
       <a:dk2>
-        <a:srgbClr val="1f497d"/>
+        <a:srgbClr val="1F497D"/>
       </a:dk2>
       <a:lt2>
-        <a:srgbClr val="eeece1"/>
+        <a:srgbClr val="EEECE1"/>
       </a:lt2>
       <a:accent1>
-        <a:srgbClr val="4f81bd"/>
+        <a:srgbClr val="4F81BD"/>
       </a:accent1>
       <a:accent2>
-        <a:srgbClr val="c0504d"/>
+        <a:srgbClr val="C0504D"/>
       </a:accent2>
       <a:accent3>
-        <a:srgbClr val="9bbb59"/>
+        <a:srgbClr val="9BBB59"/>
       </a:accent3>
       <a:accent4>
-        <a:srgbClr val="8064a2"/>
+        <a:srgbClr val="8064A2"/>
       </a:accent4>
       <a:accent5>
-        <a:srgbClr val="4bacc6"/>
+        <a:srgbClr val="4BACC6"/>
       </a:accent5>
       <a:accent6>
-        <a:srgbClr val="f79646"/>
+        <a:srgbClr val="F79646"/>
       </a:accent6>
       <a:hlink>
-        <a:srgbClr val="0000ff"/>
+        <a:srgbClr val="0000FF"/>
       </a:hlink>
       <a:folHlink>
         <a:srgbClr val="800080"/>
@@ -8020,5 +8464,10 @@
       </a:bgFillStyleLst>
     </a:fmtScheme>
   </a:themeElements>
+  <a:extLst>
+    <a:ext uri="{05A4C25C-085E-4340-85A3-A5531E510DB2}">
+      <thm15:themeFamily xmlns:thm15="http://schemas.microsoft.com/office/thememl/2012/main" name="Office Theme" id="{62F939B6-93AF-4DB8-9C6B-D6C7DFDC589F}" vid="{4A3C46E8-61CC-4603-A589-7422A47A8E4A}"/>
+    </a:ext>
+  </a:extLst>
 </a:theme>
 </file>